--- a/Customer Churn Prediction In Telecom Industry.pptx
+++ b/Customer Churn Prediction In Telecom Industry.pptx
@@ -14,6 +14,14 @@
     <p:sldId id="261" r:id="rId8"/>
     <p:sldId id="265" r:id="rId9"/>
     <p:sldId id="266" r:id="rId10"/>
+    <p:sldId id="267" r:id="rId11"/>
+    <p:sldId id="268" r:id="rId12"/>
+    <p:sldId id="269" r:id="rId13"/>
+    <p:sldId id="270" r:id="rId14"/>
+    <p:sldId id="271" r:id="rId15"/>
+    <p:sldId id="272" r:id="rId16"/>
+    <p:sldId id="273" r:id="rId17"/>
+    <p:sldId id="274" r:id="rId18"/>
   </p:sldIdLst>
   <p:sldSz cx="9144000" cy="6858000" type="screen4x3"/>
   <p:notesSz cx="6858000" cy="9144000"/>
@@ -297,7 +305,7 @@
             <a:fld id="{399BAB44-1D0E-4C39-A0D1-F3ADC7A21374}" type="datetimeFigureOut">
               <a:rPr lang="en-US" smtClean="0"/>
               <a:pPr/>
-              <a:t>1/18/2018</a:t>
+              <a:t>1/19/2018</a:t>
             </a:fld>
             <a:endParaRPr lang="en-IN"/>
           </a:p>
@@ -351,6 +359,9 @@
   <p:clrMapOvr>
     <a:masterClrMapping/>
   </p:clrMapOvr>
+  <p:transition>
+    <p:wipe dir="d"/>
+  </p:transition>
 </p:sldLayout>
 </file>
 
@@ -464,7 +475,7 @@
             <a:fld id="{399BAB44-1D0E-4C39-A0D1-F3ADC7A21374}" type="datetimeFigureOut">
               <a:rPr lang="en-US" smtClean="0"/>
               <a:pPr/>
-              <a:t>1/18/2018</a:t>
+              <a:t>1/19/2018</a:t>
             </a:fld>
             <a:endParaRPr lang="en-IN"/>
           </a:p>
@@ -518,6 +529,9 @@
   <p:clrMapOvr>
     <a:masterClrMapping/>
   </p:clrMapOvr>
+  <p:transition>
+    <p:wipe dir="d"/>
+  </p:transition>
 </p:sldLayout>
 </file>
 
@@ -641,7 +655,7 @@
             <a:fld id="{399BAB44-1D0E-4C39-A0D1-F3ADC7A21374}" type="datetimeFigureOut">
               <a:rPr lang="en-US" smtClean="0"/>
               <a:pPr/>
-              <a:t>1/18/2018</a:t>
+              <a:t>1/19/2018</a:t>
             </a:fld>
             <a:endParaRPr lang="en-IN"/>
           </a:p>
@@ -695,6 +709,9 @@
   <p:clrMapOvr>
     <a:masterClrMapping/>
   </p:clrMapOvr>
+  <p:transition>
+    <p:wipe dir="d"/>
+  </p:transition>
 </p:sldLayout>
 </file>
 
@@ -808,7 +825,7 @@
             <a:fld id="{399BAB44-1D0E-4C39-A0D1-F3ADC7A21374}" type="datetimeFigureOut">
               <a:rPr lang="en-US" smtClean="0"/>
               <a:pPr/>
-              <a:t>1/18/2018</a:t>
+              <a:t>1/19/2018</a:t>
             </a:fld>
             <a:endParaRPr lang="en-IN"/>
           </a:p>
@@ -862,6 +879,9 @@
   <p:clrMapOvr>
     <a:masterClrMapping/>
   </p:clrMapOvr>
+  <p:transition>
+    <p:wipe dir="d"/>
+  </p:transition>
 </p:sldLayout>
 </file>
 
@@ -1051,7 +1071,7 @@
             <a:fld id="{399BAB44-1D0E-4C39-A0D1-F3ADC7A21374}" type="datetimeFigureOut">
               <a:rPr lang="en-US" smtClean="0"/>
               <a:pPr/>
-              <a:t>1/18/2018</a:t>
+              <a:t>1/19/2018</a:t>
             </a:fld>
             <a:endParaRPr lang="en-IN"/>
           </a:p>
@@ -1105,6 +1125,9 @@
   <p:clrMapOvr>
     <a:masterClrMapping/>
   </p:clrMapOvr>
+  <p:transition>
+    <p:wipe dir="d"/>
+  </p:transition>
 </p:sldLayout>
 </file>
 
@@ -1336,7 +1359,7 @@
             <a:fld id="{399BAB44-1D0E-4C39-A0D1-F3ADC7A21374}" type="datetimeFigureOut">
               <a:rPr lang="en-US" smtClean="0"/>
               <a:pPr/>
-              <a:t>1/18/2018</a:t>
+              <a:t>1/19/2018</a:t>
             </a:fld>
             <a:endParaRPr lang="en-IN"/>
           </a:p>
@@ -1390,6 +1413,9 @@
   <p:clrMapOvr>
     <a:masterClrMapping/>
   </p:clrMapOvr>
+  <p:transition>
+    <p:wipe dir="d"/>
+  </p:transition>
 </p:sldLayout>
 </file>
 
@@ -1755,7 +1781,7 @@
             <a:fld id="{399BAB44-1D0E-4C39-A0D1-F3ADC7A21374}" type="datetimeFigureOut">
               <a:rPr lang="en-US" smtClean="0"/>
               <a:pPr/>
-              <a:t>1/18/2018</a:t>
+              <a:t>1/19/2018</a:t>
             </a:fld>
             <a:endParaRPr lang="en-IN"/>
           </a:p>
@@ -1809,6 +1835,9 @@
   <p:clrMapOvr>
     <a:masterClrMapping/>
   </p:clrMapOvr>
+  <p:transition>
+    <p:wipe dir="d"/>
+  </p:transition>
 </p:sldLayout>
 </file>
 
@@ -1870,7 +1899,7 @@
             <a:fld id="{399BAB44-1D0E-4C39-A0D1-F3ADC7A21374}" type="datetimeFigureOut">
               <a:rPr lang="en-US" smtClean="0"/>
               <a:pPr/>
-              <a:t>1/18/2018</a:t>
+              <a:t>1/19/2018</a:t>
             </a:fld>
             <a:endParaRPr lang="en-IN"/>
           </a:p>
@@ -1924,6 +1953,9 @@
   <p:clrMapOvr>
     <a:masterClrMapping/>
   </p:clrMapOvr>
+  <p:transition>
+    <p:wipe dir="d"/>
+  </p:transition>
 </p:sldLayout>
 </file>
 
@@ -1962,7 +1994,7 @@
             <a:fld id="{399BAB44-1D0E-4C39-A0D1-F3ADC7A21374}" type="datetimeFigureOut">
               <a:rPr lang="en-US" smtClean="0"/>
               <a:pPr/>
-              <a:t>1/18/2018</a:t>
+              <a:t>1/19/2018</a:t>
             </a:fld>
             <a:endParaRPr lang="en-IN"/>
           </a:p>
@@ -2016,6 +2048,9 @@
   <p:clrMapOvr>
     <a:masterClrMapping/>
   </p:clrMapOvr>
+  <p:transition>
+    <p:wipe dir="d"/>
+  </p:transition>
 </p:sldLayout>
 </file>
 
@@ -2236,7 +2271,7 @@
             <a:fld id="{399BAB44-1D0E-4C39-A0D1-F3ADC7A21374}" type="datetimeFigureOut">
               <a:rPr lang="en-US" smtClean="0"/>
               <a:pPr/>
-              <a:t>1/18/2018</a:t>
+              <a:t>1/19/2018</a:t>
             </a:fld>
             <a:endParaRPr lang="en-IN"/>
           </a:p>
@@ -2290,6 +2325,9 @@
   <p:clrMapOvr>
     <a:masterClrMapping/>
   </p:clrMapOvr>
+  <p:transition>
+    <p:wipe dir="d"/>
+  </p:transition>
 </p:sldLayout>
 </file>
 
@@ -2486,7 +2524,7 @@
             <a:fld id="{399BAB44-1D0E-4C39-A0D1-F3ADC7A21374}" type="datetimeFigureOut">
               <a:rPr lang="en-US" smtClean="0"/>
               <a:pPr/>
-              <a:t>1/18/2018</a:t>
+              <a:t>1/19/2018</a:t>
             </a:fld>
             <a:endParaRPr lang="en-IN"/>
           </a:p>
@@ -2540,6 +2578,9 @@
   <p:clrMapOvr>
     <a:masterClrMapping/>
   </p:clrMapOvr>
+  <p:transition>
+    <p:wipe dir="d"/>
+  </p:transition>
 </p:sldLayout>
 </file>
 
@@ -2696,7 +2737,7 @@
             <a:fld id="{399BAB44-1D0E-4C39-A0D1-F3ADC7A21374}" type="datetimeFigureOut">
               <a:rPr lang="en-US" smtClean="0"/>
               <a:pPr/>
-              <a:t>1/18/2018</a:t>
+              <a:t>1/19/2018</a:t>
             </a:fld>
             <a:endParaRPr lang="en-IN"/>
           </a:p>
@@ -2797,6 +2838,9 @@
     <p:sldLayoutId id="2147483694" r:id="rId10"/>
     <p:sldLayoutId id="2147483695" r:id="rId11"/>
   </p:sldLayoutIdLst>
+  <p:transition>
+    <p:wipe dir="d"/>
+  </p:transition>
   <p:txStyles>
     <p:titleStyle>
       <a:lvl1pPr algn="ctr" defTabSz="914400" rtl="0" eaLnBrk="1" latinLnBrk="0" hangingPunct="1">
@@ -3297,6 +3341,1652 @@
 </p:sld>
 </file>
 
+<file path=ppt/slides/slide10.xml><?xml version="1.0" encoding="utf-8"?>
+<p:sld xmlns:a="http://schemas.openxmlformats.org/drawingml/2006/main" xmlns:r="http://schemas.openxmlformats.org/officeDocument/2006/relationships" xmlns:p="http://schemas.openxmlformats.org/presentationml/2006/main">
+  <p:cSld>
+    <p:spTree>
+      <p:nvGrpSpPr>
+        <p:cNvPr id="1" name=""/>
+        <p:cNvGrpSpPr/>
+        <p:nvPr/>
+      </p:nvGrpSpPr>
+      <p:grpSpPr>
+        <a:xfrm>
+          <a:off x="0" y="0"/>
+          <a:ext cx="0" cy="0"/>
+          <a:chOff x="0" y="0"/>
+          <a:chExt cx="0" cy="0"/>
+        </a:xfrm>
+      </p:grpSpPr>
+      <p:sp>
+        <p:nvSpPr>
+          <p:cNvPr id="2" name="Title 1"/>
+          <p:cNvSpPr>
+            <a:spLocks noGrp="1"/>
+          </p:cNvSpPr>
+          <p:nvPr>
+            <p:ph type="title"/>
+          </p:nvPr>
+        </p:nvSpPr>
+        <p:spPr>
+          <a:xfrm>
+            <a:off x="457200" y="274638"/>
+            <a:ext cx="8229600" cy="1011222"/>
+          </a:xfrm>
+        </p:spPr>
+        <p:txBody>
+          <a:bodyPr>
+            <a:normAutofit/>
+          </a:bodyPr>
+          <a:lstStyle/>
+          <a:p>
+            <a:pPr algn="l"/>
+            <a:r>
+              <a:rPr lang="en-US" sz="3600" b="1" dirty="0" smtClean="0"/>
+              <a:t>KNN(</a:t>
+            </a:r>
+            <a:r>
+              <a:rPr lang="en-US" sz="3200" b="1" dirty="0" smtClean="0"/>
+              <a:t>Using Library Function</a:t>
+            </a:r>
+            <a:r>
+              <a:rPr lang="en-US" sz="4000" b="1" dirty="0" smtClean="0"/>
+              <a:t>)</a:t>
+            </a:r>
+            <a:endParaRPr lang="en-IN" sz="4000" b="1" dirty="0"/>
+          </a:p>
+        </p:txBody>
+      </p:sp>
+      <p:sp>
+        <p:nvSpPr>
+          <p:cNvPr id="3" name="Content Placeholder 2"/>
+          <p:cNvSpPr>
+            <a:spLocks noGrp="1"/>
+          </p:cNvSpPr>
+          <p:nvPr>
+            <p:ph idx="1"/>
+          </p:nvPr>
+        </p:nvSpPr>
+        <p:spPr>
+          <a:xfrm>
+            <a:off x="457200" y="1285860"/>
+            <a:ext cx="8472518" cy="5286412"/>
+          </a:xfrm>
+        </p:spPr>
+        <p:txBody>
+          <a:bodyPr>
+            <a:normAutofit/>
+          </a:bodyPr>
+          <a:lstStyle/>
+          <a:p>
+            <a:pPr>
+              <a:buNone/>
+            </a:pPr>
+            <a:r>
+              <a:rPr lang="en-IN" sz="2000" dirty="0" smtClean="0"/>
+              <a:t>A case is classified by a majority vote of its </a:t>
+            </a:r>
+            <a:r>
+              <a:rPr lang="en-IN" sz="2000" dirty="0" err="1" smtClean="0"/>
+              <a:t>neighbors</a:t>
+            </a:r>
+            <a:r>
+              <a:rPr lang="en-IN" sz="2000" dirty="0" smtClean="0"/>
+              <a:t>.</a:t>
+            </a:r>
+          </a:p>
+          <a:p>
+            <a:pPr>
+              <a:buNone/>
+            </a:pPr>
+            <a:r>
+              <a:rPr lang="en-US" sz="2000" b="1" u="sng" dirty="0" smtClean="0"/>
+              <a:t>Confusion matrix</a:t>
+            </a:r>
+            <a:r>
+              <a:rPr lang="en-US" sz="2000" b="1" dirty="0" smtClean="0"/>
+              <a:t>:                                    </a:t>
+            </a:r>
+            <a:r>
+              <a:rPr lang="en-US" sz="2000" b="1" u="sng" dirty="0" smtClean="0"/>
+              <a:t>Accuracy:              </a:t>
+            </a:r>
+          </a:p>
+          <a:p>
+            <a:pPr>
+              <a:buNone/>
+            </a:pPr>
+            <a:r>
+              <a:rPr lang="en-US" sz="2000" b="1" u="sng" dirty="0" smtClean="0"/>
+              <a:t>                        </a:t>
+            </a:r>
+          </a:p>
+          <a:p>
+            <a:pPr>
+              <a:buNone/>
+            </a:pPr>
+            <a:endParaRPr lang="en-US" sz="2000" b="1" u="sng" dirty="0" smtClean="0"/>
+          </a:p>
+          <a:p>
+            <a:pPr>
+              <a:buNone/>
+            </a:pPr>
+            <a:endParaRPr lang="en-US" sz="2000" b="1" u="sng" dirty="0" smtClean="0"/>
+          </a:p>
+          <a:p>
+            <a:pPr>
+              <a:buNone/>
+            </a:pPr>
+            <a:endParaRPr lang="en-US" sz="2000" b="1" u="sng" dirty="0" smtClean="0"/>
+          </a:p>
+          <a:p>
+            <a:pPr>
+              <a:buNone/>
+            </a:pPr>
+            <a:endParaRPr lang="en-US" sz="2000" b="1" u="sng" dirty="0" smtClean="0"/>
+          </a:p>
+          <a:p>
+            <a:pPr>
+              <a:buNone/>
+            </a:pPr>
+            <a:endParaRPr lang="en-US" sz="2000" b="1" u="sng" dirty="0" smtClean="0"/>
+          </a:p>
+          <a:p>
+            <a:pPr>
+              <a:buNone/>
+            </a:pPr>
+            <a:endParaRPr lang="en-US" sz="2000" b="1" u="sng" dirty="0" smtClean="0"/>
+          </a:p>
+          <a:p>
+            <a:pPr>
+              <a:buNone/>
+            </a:pPr>
+            <a:r>
+              <a:rPr lang="en-US" sz="2000" b="1" u="sng" dirty="0" smtClean="0"/>
+              <a:t>Roc Curve:</a:t>
+            </a:r>
+          </a:p>
+          <a:p>
+            <a:pPr>
+              <a:buNone/>
+            </a:pPr>
+            <a:endParaRPr lang="en-US" dirty="0" smtClean="0"/>
+          </a:p>
+          <a:p>
+            <a:pPr>
+              <a:buNone/>
+            </a:pPr>
+            <a:endParaRPr lang="en-US" dirty="0" smtClean="0"/>
+          </a:p>
+          <a:p>
+            <a:pPr algn="ctr">
+              <a:buNone/>
+            </a:pPr>
+            <a:r>
+              <a:rPr lang="en-US" sz="1600" dirty="0" smtClean="0"/>
+              <a:t>Fig.  (ROC curve for Different K values)</a:t>
+            </a:r>
+            <a:endParaRPr lang="en-IN" sz="1600" dirty="0"/>
+          </a:p>
+        </p:txBody>
+      </p:sp>
+      <p:cxnSp>
+        <p:nvCxnSpPr>
+          <p:cNvPr id="5" name="Straight Connector 4"/>
+          <p:cNvCxnSpPr/>
+          <p:nvPr/>
+        </p:nvCxnSpPr>
+        <p:spPr>
+          <a:xfrm>
+            <a:off x="500034" y="1142984"/>
+            <a:ext cx="8286808" cy="1588"/>
+          </a:xfrm>
+          <a:prstGeom prst="line">
+            <a:avLst/>
+          </a:prstGeom>
+          <a:ln>
+            <a:solidFill>
+              <a:schemeClr val="tx1"/>
+            </a:solidFill>
+          </a:ln>
+        </p:spPr>
+        <p:style>
+          <a:lnRef idx="1">
+            <a:schemeClr val="accent1"/>
+          </a:lnRef>
+          <a:fillRef idx="0">
+            <a:schemeClr val="accent1"/>
+          </a:fillRef>
+          <a:effectRef idx="0">
+            <a:schemeClr val="accent1"/>
+          </a:effectRef>
+          <a:fontRef idx="minor">
+            <a:schemeClr val="tx1"/>
+          </a:fontRef>
+        </p:style>
+      </p:cxnSp>
+      <p:pic>
+        <p:nvPicPr>
+          <p:cNvPr id="8" name="Picture 7" descr="accuracy knn.JPG"/>
+          <p:cNvPicPr>
+            <a:picLocks noChangeAspect="1"/>
+          </p:cNvPicPr>
+          <p:nvPr/>
+        </p:nvPicPr>
+        <p:blipFill>
+          <a:blip r:embed="rId2" cstate="print"/>
+          <a:stretch>
+            <a:fillRect/>
+          </a:stretch>
+        </p:blipFill>
+        <p:spPr>
+          <a:xfrm>
+            <a:off x="4714876" y="2143116"/>
+            <a:ext cx="4167939" cy="1143008"/>
+          </a:xfrm>
+          <a:prstGeom prst="rect">
+            <a:avLst/>
+          </a:prstGeom>
+        </p:spPr>
+      </p:pic>
+      <p:pic>
+        <p:nvPicPr>
+          <p:cNvPr id="9" name="Picture 8" descr="cnf knn.JPG"/>
+          <p:cNvPicPr>
+            <a:picLocks noChangeAspect="1"/>
+          </p:cNvPicPr>
+          <p:nvPr/>
+        </p:nvPicPr>
+        <p:blipFill>
+          <a:blip r:embed="rId3" cstate="print"/>
+          <a:stretch>
+            <a:fillRect/>
+          </a:stretch>
+        </p:blipFill>
+        <p:spPr>
+          <a:xfrm>
+            <a:off x="571472" y="2214554"/>
+            <a:ext cx="3337650" cy="1000132"/>
+          </a:xfrm>
+          <a:prstGeom prst="rect">
+            <a:avLst/>
+          </a:prstGeom>
+        </p:spPr>
+      </p:pic>
+      <p:pic>
+        <p:nvPicPr>
+          <p:cNvPr id="12" name="Picture 11" descr="knn1.JPG"/>
+          <p:cNvPicPr>
+            <a:picLocks noChangeAspect="1"/>
+          </p:cNvPicPr>
+          <p:nvPr/>
+        </p:nvPicPr>
+        <p:blipFill>
+          <a:blip r:embed="rId4" cstate="print"/>
+          <a:stretch>
+            <a:fillRect/>
+          </a:stretch>
+        </p:blipFill>
+        <p:spPr>
+          <a:xfrm>
+            <a:off x="2786050" y="3643314"/>
+            <a:ext cx="3743325" cy="2495550"/>
+          </a:xfrm>
+          <a:prstGeom prst="rect">
+            <a:avLst/>
+          </a:prstGeom>
+        </p:spPr>
+      </p:pic>
+    </p:spTree>
+  </p:cSld>
+  <p:clrMapOvr>
+    <a:masterClrMapping/>
+  </p:clrMapOvr>
+  <p:transition>
+    <p:wipe dir="d"/>
+  </p:transition>
+  <p:timing>
+    <p:tnLst>
+      <p:par>
+        <p:cTn id="1" dur="indefinite" restart="never" nodeType="tmRoot"/>
+      </p:par>
+    </p:tnLst>
+  </p:timing>
+</p:sld>
+</file>
+
+<file path=ppt/slides/slide11.xml><?xml version="1.0" encoding="utf-8"?>
+<p:sld xmlns:a="http://schemas.openxmlformats.org/drawingml/2006/main" xmlns:r="http://schemas.openxmlformats.org/officeDocument/2006/relationships" xmlns:p="http://schemas.openxmlformats.org/presentationml/2006/main">
+  <p:cSld>
+    <p:spTree>
+      <p:nvGrpSpPr>
+        <p:cNvPr id="1" name=""/>
+        <p:cNvGrpSpPr/>
+        <p:nvPr/>
+      </p:nvGrpSpPr>
+      <p:grpSpPr>
+        <a:xfrm>
+          <a:off x="0" y="0"/>
+          <a:ext cx="0" cy="0"/>
+          <a:chOff x="0" y="0"/>
+          <a:chExt cx="0" cy="0"/>
+        </a:xfrm>
+      </p:grpSpPr>
+      <p:sp>
+        <p:nvSpPr>
+          <p:cNvPr id="2" name="Title 1"/>
+          <p:cNvSpPr>
+            <a:spLocks noGrp="1"/>
+          </p:cNvSpPr>
+          <p:nvPr>
+            <p:ph type="title"/>
+          </p:nvPr>
+        </p:nvSpPr>
+        <p:spPr/>
+        <p:txBody>
+          <a:bodyPr>
+            <a:normAutofit/>
+          </a:bodyPr>
+          <a:lstStyle/>
+          <a:p>
+            <a:pPr algn="l"/>
+            <a:r>
+              <a:rPr lang="en-US" sz="3600" b="1" dirty="0" smtClean="0"/>
+              <a:t>KNN(Creating Python Code)  contd..</a:t>
+            </a:r>
+            <a:endParaRPr lang="en-IN" sz="3600" b="1" dirty="0"/>
+          </a:p>
+        </p:txBody>
+      </p:sp>
+      <p:sp>
+        <p:nvSpPr>
+          <p:cNvPr id="3" name="Content Placeholder 2"/>
+          <p:cNvSpPr>
+            <a:spLocks noGrp="1"/>
+          </p:cNvSpPr>
+          <p:nvPr>
+            <p:ph idx="1"/>
+          </p:nvPr>
+        </p:nvSpPr>
+        <p:spPr/>
+        <p:txBody>
+          <a:bodyPr/>
+          <a:lstStyle/>
+          <a:p>
+            <a:pPr>
+              <a:buNone/>
+            </a:pPr>
+            <a:endParaRPr lang="en-IN" dirty="0"/>
+          </a:p>
+        </p:txBody>
+      </p:sp>
+      <p:cxnSp>
+        <p:nvCxnSpPr>
+          <p:cNvPr id="5" name="Straight Connector 4"/>
+          <p:cNvCxnSpPr/>
+          <p:nvPr/>
+        </p:nvCxnSpPr>
+        <p:spPr>
+          <a:xfrm>
+            <a:off x="500034" y="1142984"/>
+            <a:ext cx="8143932" cy="1588"/>
+          </a:xfrm>
+          <a:prstGeom prst="line">
+            <a:avLst/>
+          </a:prstGeom>
+          <a:ln>
+            <a:solidFill>
+              <a:schemeClr val="tx1"/>
+            </a:solidFill>
+          </a:ln>
+        </p:spPr>
+        <p:style>
+          <a:lnRef idx="1">
+            <a:schemeClr val="accent1"/>
+          </a:lnRef>
+          <a:fillRef idx="0">
+            <a:schemeClr val="accent1"/>
+          </a:fillRef>
+          <a:effectRef idx="0">
+            <a:schemeClr val="accent1"/>
+          </a:effectRef>
+          <a:fontRef idx="minor">
+            <a:schemeClr val="tx1"/>
+          </a:fontRef>
+        </p:style>
+      </p:cxnSp>
+    </p:spTree>
+  </p:cSld>
+  <p:clrMapOvr>
+    <a:masterClrMapping/>
+  </p:clrMapOvr>
+  <p:transition>
+    <p:wipe dir="d"/>
+  </p:transition>
+  <p:timing>
+    <p:tnLst>
+      <p:par>
+        <p:cTn id="1" dur="indefinite" restart="never" nodeType="tmRoot"/>
+      </p:par>
+    </p:tnLst>
+  </p:timing>
+</p:sld>
+</file>
+
+<file path=ppt/slides/slide12.xml><?xml version="1.0" encoding="utf-8"?>
+<p:sld xmlns:a="http://schemas.openxmlformats.org/drawingml/2006/main" xmlns:r="http://schemas.openxmlformats.org/officeDocument/2006/relationships" xmlns:p="http://schemas.openxmlformats.org/presentationml/2006/main">
+  <p:cSld>
+    <p:spTree>
+      <p:nvGrpSpPr>
+        <p:cNvPr id="1" name=""/>
+        <p:cNvGrpSpPr/>
+        <p:nvPr/>
+      </p:nvGrpSpPr>
+      <p:grpSpPr>
+        <a:xfrm>
+          <a:off x="0" y="0"/>
+          <a:ext cx="0" cy="0"/>
+          <a:chOff x="0" y="0"/>
+          <a:chExt cx="0" cy="0"/>
+        </a:xfrm>
+      </p:grpSpPr>
+      <p:sp>
+        <p:nvSpPr>
+          <p:cNvPr id="2" name="Title 1"/>
+          <p:cNvSpPr>
+            <a:spLocks noGrp="1"/>
+          </p:cNvSpPr>
+          <p:nvPr>
+            <p:ph type="title"/>
+          </p:nvPr>
+        </p:nvSpPr>
+        <p:spPr/>
+        <p:txBody>
+          <a:bodyPr>
+            <a:normAutofit/>
+          </a:bodyPr>
+          <a:lstStyle/>
+          <a:p>
+            <a:pPr algn="l"/>
+            <a:r>
+              <a:rPr lang="en-US" sz="3600" b="1" dirty="0" smtClean="0"/>
+              <a:t>Random Forest Classification</a:t>
+            </a:r>
+            <a:endParaRPr lang="en-IN" sz="3600" b="1" dirty="0"/>
+          </a:p>
+        </p:txBody>
+      </p:sp>
+      <p:sp>
+        <p:nvSpPr>
+          <p:cNvPr id="3" name="Content Placeholder 2"/>
+          <p:cNvSpPr>
+            <a:spLocks noGrp="1"/>
+          </p:cNvSpPr>
+          <p:nvPr>
+            <p:ph idx="1"/>
+          </p:nvPr>
+        </p:nvSpPr>
+        <p:spPr>
+          <a:xfrm>
+            <a:off x="457200" y="1428736"/>
+            <a:ext cx="8229600" cy="5214974"/>
+          </a:xfrm>
+        </p:spPr>
+        <p:txBody>
+          <a:bodyPr>
+            <a:normAutofit/>
+          </a:bodyPr>
+          <a:lstStyle/>
+          <a:p>
+            <a:pPr>
+              <a:buNone/>
+            </a:pPr>
+            <a:r>
+              <a:rPr lang="en-IN" sz="2000" dirty="0" smtClean="0"/>
+              <a:t>     Random forest is like bootstrapping algorithm with Decision tree (CART) model.</a:t>
+            </a:r>
+          </a:p>
+          <a:p>
+            <a:pPr>
+              <a:buNone/>
+            </a:pPr>
+            <a:endParaRPr lang="en-US" sz="2000" dirty="0" smtClean="0"/>
+          </a:p>
+          <a:p>
+            <a:pPr>
+              <a:buNone/>
+            </a:pPr>
+            <a:r>
+              <a:rPr lang="en-US" sz="2000" u="sng" dirty="0" smtClean="0"/>
+              <a:t>Confusion </a:t>
+            </a:r>
+            <a:r>
+              <a:rPr lang="en-US" sz="2000" u="sng" smtClean="0"/>
+              <a:t>Matrix</a:t>
+            </a:r>
+            <a:r>
+              <a:rPr lang="en-US" sz="2000" smtClean="0"/>
+              <a:t>:</a:t>
+            </a:r>
+            <a:endParaRPr lang="en-US" sz="2000" dirty="0" smtClean="0"/>
+          </a:p>
+          <a:p>
+            <a:pPr>
+              <a:buNone/>
+            </a:pPr>
+            <a:endParaRPr lang="en-US" sz="2000" dirty="0" smtClean="0"/>
+          </a:p>
+          <a:p>
+            <a:pPr>
+              <a:buNone/>
+            </a:pPr>
+            <a:endParaRPr lang="en-US" sz="2000" dirty="0" smtClean="0"/>
+          </a:p>
+          <a:p>
+            <a:pPr>
+              <a:buNone/>
+            </a:pPr>
+            <a:endParaRPr lang="en-US" sz="2000" dirty="0" smtClean="0"/>
+          </a:p>
+          <a:p>
+            <a:pPr>
+              <a:buNone/>
+            </a:pPr>
+            <a:endParaRPr lang="en-US" sz="2000" dirty="0" smtClean="0"/>
+          </a:p>
+          <a:p>
+            <a:pPr>
+              <a:buNone/>
+            </a:pPr>
+            <a:endParaRPr lang="en-US" sz="2000" dirty="0" smtClean="0"/>
+          </a:p>
+          <a:p>
+            <a:pPr>
+              <a:buNone/>
+            </a:pPr>
+            <a:r>
+              <a:rPr lang="en-US" sz="2000" u="sng" dirty="0" smtClean="0"/>
+              <a:t>Roc Curve</a:t>
+            </a:r>
+            <a:r>
+              <a:rPr lang="en-US" sz="2000" dirty="0" smtClean="0"/>
+              <a:t>:      </a:t>
+            </a:r>
+            <a:endParaRPr lang="en-IN" sz="2000" dirty="0"/>
+          </a:p>
+        </p:txBody>
+      </p:sp>
+      <p:cxnSp>
+        <p:nvCxnSpPr>
+          <p:cNvPr id="5" name="Straight Connector 4"/>
+          <p:cNvCxnSpPr/>
+          <p:nvPr/>
+        </p:nvCxnSpPr>
+        <p:spPr>
+          <a:xfrm>
+            <a:off x="500034" y="1142984"/>
+            <a:ext cx="8143932" cy="1588"/>
+          </a:xfrm>
+          <a:prstGeom prst="line">
+            <a:avLst/>
+          </a:prstGeom>
+          <a:ln>
+            <a:solidFill>
+              <a:schemeClr val="tx1"/>
+            </a:solidFill>
+          </a:ln>
+        </p:spPr>
+        <p:style>
+          <a:lnRef idx="1">
+            <a:schemeClr val="accent1"/>
+          </a:lnRef>
+          <a:fillRef idx="0">
+            <a:schemeClr val="accent1"/>
+          </a:fillRef>
+          <a:effectRef idx="0">
+            <a:schemeClr val="accent1"/>
+          </a:effectRef>
+          <a:fontRef idx="minor">
+            <a:schemeClr val="tx1"/>
+          </a:fontRef>
+        </p:style>
+      </p:cxnSp>
+      <p:pic>
+        <p:nvPicPr>
+          <p:cNvPr id="6" name="Picture 5" descr="cnf.JPG"/>
+          <p:cNvPicPr>
+            <a:picLocks noChangeAspect="1"/>
+          </p:cNvPicPr>
+          <p:nvPr/>
+        </p:nvPicPr>
+        <p:blipFill>
+          <a:blip r:embed="rId2" cstate="print"/>
+          <a:stretch>
+            <a:fillRect/>
+          </a:stretch>
+        </p:blipFill>
+        <p:spPr>
+          <a:xfrm>
+            <a:off x="2962276" y="2428868"/>
+            <a:ext cx="1752600" cy="1071570"/>
+          </a:xfrm>
+          <a:prstGeom prst="rect">
+            <a:avLst/>
+          </a:prstGeom>
+        </p:spPr>
+      </p:pic>
+      <p:pic>
+        <p:nvPicPr>
+          <p:cNvPr id="7" name="Picture 6" descr="roc_rand.GIF"/>
+          <p:cNvPicPr>
+            <a:picLocks noChangeAspect="1"/>
+          </p:cNvPicPr>
+          <p:nvPr/>
+        </p:nvPicPr>
+        <p:blipFill>
+          <a:blip r:embed="rId3" cstate="print"/>
+          <a:stretch>
+            <a:fillRect/>
+          </a:stretch>
+        </p:blipFill>
+        <p:spPr>
+          <a:xfrm>
+            <a:off x="2552712" y="3929066"/>
+            <a:ext cx="3733800" cy="2357454"/>
+          </a:xfrm>
+          <a:prstGeom prst="rect">
+            <a:avLst/>
+          </a:prstGeom>
+        </p:spPr>
+      </p:pic>
+      <p:sp>
+        <p:nvSpPr>
+          <p:cNvPr id="8" name="TextBox 7"/>
+          <p:cNvSpPr txBox="1"/>
+          <p:nvPr/>
+        </p:nvSpPr>
+        <p:spPr>
+          <a:xfrm>
+            <a:off x="3500430" y="6264495"/>
+            <a:ext cx="2143140" cy="307777"/>
+          </a:xfrm>
+          <a:prstGeom prst="rect">
+            <a:avLst/>
+          </a:prstGeom>
+          <a:noFill/>
+        </p:spPr>
+        <p:txBody>
+          <a:bodyPr wrap="square" rtlCol="0">
+            <a:spAutoFit/>
+          </a:bodyPr>
+          <a:lstStyle/>
+          <a:p>
+            <a:pPr algn="ctr"/>
+            <a:r>
+              <a:rPr lang="en-US" sz="1400" dirty="0" smtClean="0"/>
+              <a:t>Fig.  (ROC Curve)</a:t>
+            </a:r>
+            <a:endParaRPr lang="en-IN" sz="1400" dirty="0"/>
+          </a:p>
+        </p:txBody>
+      </p:sp>
+      <p:sp>
+        <p:nvSpPr>
+          <p:cNvPr id="9" name="Right Arrow 8"/>
+          <p:cNvSpPr/>
+          <p:nvPr/>
+        </p:nvSpPr>
+        <p:spPr>
+          <a:xfrm>
+            <a:off x="2500298" y="2643182"/>
+            <a:ext cx="285752" cy="142876"/>
+          </a:xfrm>
+          <a:prstGeom prst="rightArrow">
+            <a:avLst/>
+          </a:prstGeom>
+        </p:spPr>
+        <p:style>
+          <a:lnRef idx="2">
+            <a:schemeClr val="accent1">
+              <a:shade val="50000"/>
+            </a:schemeClr>
+          </a:lnRef>
+          <a:fillRef idx="1">
+            <a:schemeClr val="accent1"/>
+          </a:fillRef>
+          <a:effectRef idx="0">
+            <a:schemeClr val="accent1"/>
+          </a:effectRef>
+          <a:fontRef idx="minor">
+            <a:schemeClr val="lt1"/>
+          </a:fontRef>
+        </p:style>
+        <p:txBody>
+          <a:bodyPr rtlCol="0" anchor="ctr"/>
+          <a:lstStyle/>
+          <a:p>
+            <a:pPr algn="ctr"/>
+            <a:endParaRPr lang="en-IN"/>
+          </a:p>
+        </p:txBody>
+      </p:sp>
+      <p:sp>
+        <p:nvSpPr>
+          <p:cNvPr id="13" name="Right Arrow 12"/>
+          <p:cNvSpPr/>
+          <p:nvPr/>
+        </p:nvSpPr>
+        <p:spPr>
+          <a:xfrm>
+            <a:off x="1785918" y="4786322"/>
+            <a:ext cx="571504" cy="214314"/>
+          </a:xfrm>
+          <a:prstGeom prst="rightArrow">
+            <a:avLst/>
+          </a:prstGeom>
+        </p:spPr>
+        <p:style>
+          <a:lnRef idx="2">
+            <a:schemeClr val="accent1">
+              <a:shade val="50000"/>
+            </a:schemeClr>
+          </a:lnRef>
+          <a:fillRef idx="1">
+            <a:schemeClr val="accent1"/>
+          </a:fillRef>
+          <a:effectRef idx="0">
+            <a:schemeClr val="accent1"/>
+          </a:effectRef>
+          <a:fontRef idx="minor">
+            <a:schemeClr val="lt1"/>
+          </a:fontRef>
+        </p:style>
+        <p:txBody>
+          <a:bodyPr rtlCol="0" anchor="ctr"/>
+          <a:lstStyle/>
+          <a:p>
+            <a:pPr algn="ctr"/>
+            <a:endParaRPr lang="en-IN"/>
+          </a:p>
+        </p:txBody>
+      </p:sp>
+    </p:spTree>
+  </p:cSld>
+  <p:clrMapOvr>
+    <a:masterClrMapping/>
+  </p:clrMapOvr>
+  <p:transition>
+    <p:wipe dir="d"/>
+  </p:transition>
+  <p:timing>
+    <p:tnLst>
+      <p:par>
+        <p:cTn id="1" dur="indefinite" restart="never" nodeType="tmRoot"/>
+      </p:par>
+    </p:tnLst>
+  </p:timing>
+</p:sld>
+</file>
+
+<file path=ppt/slides/slide13.xml><?xml version="1.0" encoding="utf-8"?>
+<p:sld xmlns:a="http://schemas.openxmlformats.org/drawingml/2006/main" xmlns:r="http://schemas.openxmlformats.org/officeDocument/2006/relationships" xmlns:p="http://schemas.openxmlformats.org/presentationml/2006/main">
+  <p:cSld>
+    <p:spTree>
+      <p:nvGrpSpPr>
+        <p:cNvPr id="1" name=""/>
+        <p:cNvGrpSpPr/>
+        <p:nvPr/>
+      </p:nvGrpSpPr>
+      <p:grpSpPr>
+        <a:xfrm>
+          <a:off x="0" y="0"/>
+          <a:ext cx="0" cy="0"/>
+          <a:chOff x="0" y="0"/>
+          <a:chExt cx="0" cy="0"/>
+        </a:xfrm>
+      </p:grpSpPr>
+      <p:sp>
+        <p:nvSpPr>
+          <p:cNvPr id="2" name="Title 1"/>
+          <p:cNvSpPr>
+            <a:spLocks noGrp="1"/>
+          </p:cNvSpPr>
+          <p:nvPr>
+            <p:ph type="title"/>
+          </p:nvPr>
+        </p:nvSpPr>
+        <p:spPr/>
+        <p:txBody>
+          <a:bodyPr>
+            <a:normAutofit fontScale="90000"/>
+          </a:bodyPr>
+          <a:lstStyle/>
+          <a:p>
+            <a:pPr algn="l"/>
+            <a:r>
+              <a:rPr lang="en-US" sz="3600" b="1" dirty="0" smtClean="0"/>
+              <a:t>Random Forest Classification(contd.)</a:t>
+            </a:r>
+            <a:endParaRPr lang="en-IN" sz="3600" dirty="0"/>
+          </a:p>
+        </p:txBody>
+      </p:sp>
+      <p:sp>
+        <p:nvSpPr>
+          <p:cNvPr id="3" name="Content Placeholder 2"/>
+          <p:cNvSpPr>
+            <a:spLocks noGrp="1"/>
+          </p:cNvSpPr>
+          <p:nvPr>
+            <p:ph idx="1"/>
+          </p:nvPr>
+        </p:nvSpPr>
+        <p:spPr>
+          <a:xfrm>
+            <a:off x="457200" y="1357298"/>
+            <a:ext cx="8229600" cy="5286412"/>
+          </a:xfrm>
+        </p:spPr>
+        <p:txBody>
+          <a:bodyPr/>
+          <a:lstStyle/>
+          <a:p>
+            <a:pPr>
+              <a:buNone/>
+            </a:pPr>
+            <a:r>
+              <a:rPr lang="en-US" sz="2400" u="sng" dirty="0" smtClean="0"/>
+              <a:t>Accuracy</a:t>
+            </a:r>
+            <a:r>
+              <a:rPr lang="en-US" sz="2400" dirty="0" smtClean="0"/>
+              <a:t>:                                                                           </a:t>
+            </a:r>
+          </a:p>
+          <a:p>
+            <a:pPr>
+              <a:buNone/>
+            </a:pPr>
+            <a:endParaRPr lang="en-US" sz="2400" dirty="0" smtClean="0"/>
+          </a:p>
+          <a:p>
+            <a:pPr>
+              <a:buNone/>
+            </a:pPr>
+            <a:r>
+              <a:rPr lang="en-US" sz="2000" u="sng" dirty="0" smtClean="0"/>
+              <a:t>Feature Importance:</a:t>
+            </a:r>
+          </a:p>
+          <a:p>
+            <a:pPr>
+              <a:buNone/>
+            </a:pPr>
+            <a:endParaRPr lang="en-US" sz="2400" u="sng" dirty="0" smtClean="0"/>
+          </a:p>
+        </p:txBody>
+      </p:sp>
+      <p:cxnSp>
+        <p:nvCxnSpPr>
+          <p:cNvPr id="5" name="Straight Connector 4"/>
+          <p:cNvCxnSpPr/>
+          <p:nvPr/>
+        </p:nvCxnSpPr>
+        <p:spPr>
+          <a:xfrm>
+            <a:off x="500034" y="1142984"/>
+            <a:ext cx="8143932" cy="1588"/>
+          </a:xfrm>
+          <a:prstGeom prst="line">
+            <a:avLst/>
+          </a:prstGeom>
+          <a:ln>
+            <a:solidFill>
+              <a:schemeClr val="tx1"/>
+            </a:solidFill>
+          </a:ln>
+        </p:spPr>
+        <p:style>
+          <a:lnRef idx="1">
+            <a:schemeClr val="accent1"/>
+          </a:lnRef>
+          <a:fillRef idx="0">
+            <a:schemeClr val="accent1"/>
+          </a:fillRef>
+          <a:effectRef idx="0">
+            <a:schemeClr val="accent1"/>
+          </a:effectRef>
+          <a:fontRef idx="minor">
+            <a:schemeClr val="tx1"/>
+          </a:fontRef>
+        </p:style>
+      </p:cxnSp>
+      <p:pic>
+        <p:nvPicPr>
+          <p:cNvPr id="6" name="Picture 5" descr="acc.JPG"/>
+          <p:cNvPicPr>
+            <a:picLocks noChangeAspect="1"/>
+          </p:cNvPicPr>
+          <p:nvPr/>
+        </p:nvPicPr>
+        <p:blipFill>
+          <a:blip r:embed="rId2" cstate="print"/>
+          <a:stretch>
+            <a:fillRect/>
+          </a:stretch>
+        </p:blipFill>
+        <p:spPr>
+          <a:xfrm>
+            <a:off x="3143240" y="1428736"/>
+            <a:ext cx="3753200" cy="1004889"/>
+          </a:xfrm>
+          <a:prstGeom prst="rect">
+            <a:avLst/>
+          </a:prstGeom>
+        </p:spPr>
+      </p:pic>
+      <p:sp>
+        <p:nvSpPr>
+          <p:cNvPr id="7" name="Right Arrow 6"/>
+          <p:cNvSpPr/>
+          <p:nvPr/>
+        </p:nvSpPr>
+        <p:spPr>
+          <a:xfrm>
+            <a:off x="2071670" y="1500174"/>
+            <a:ext cx="428628" cy="214314"/>
+          </a:xfrm>
+          <a:prstGeom prst="rightArrow">
+            <a:avLst/>
+          </a:prstGeom>
+        </p:spPr>
+        <p:style>
+          <a:lnRef idx="2">
+            <a:schemeClr val="accent1">
+              <a:shade val="50000"/>
+            </a:schemeClr>
+          </a:lnRef>
+          <a:fillRef idx="1">
+            <a:schemeClr val="accent1"/>
+          </a:fillRef>
+          <a:effectRef idx="0">
+            <a:schemeClr val="accent1"/>
+          </a:effectRef>
+          <a:fontRef idx="minor">
+            <a:schemeClr val="lt1"/>
+          </a:fontRef>
+        </p:style>
+        <p:txBody>
+          <a:bodyPr rtlCol="0" anchor="ctr"/>
+          <a:lstStyle/>
+          <a:p>
+            <a:pPr algn="ctr"/>
+            <a:endParaRPr lang="en-IN"/>
+          </a:p>
+        </p:txBody>
+      </p:sp>
+      <p:pic>
+        <p:nvPicPr>
+          <p:cNvPr id="8" name="Picture 7" descr="feature imp.JPG"/>
+          <p:cNvPicPr>
+            <a:picLocks noChangeAspect="1"/>
+          </p:cNvPicPr>
+          <p:nvPr/>
+        </p:nvPicPr>
+        <p:blipFill>
+          <a:blip r:embed="rId3" cstate="print"/>
+          <a:stretch>
+            <a:fillRect/>
+          </a:stretch>
+        </p:blipFill>
+        <p:spPr>
+          <a:xfrm>
+            <a:off x="642910" y="2928934"/>
+            <a:ext cx="7943850" cy="3357586"/>
+          </a:xfrm>
+          <a:prstGeom prst="rect">
+            <a:avLst/>
+          </a:prstGeom>
+        </p:spPr>
+      </p:pic>
+      <p:pic>
+        <p:nvPicPr>
+          <p:cNvPr id="9" name="Picture 8" descr="f.JPG"/>
+          <p:cNvPicPr>
+            <a:picLocks noChangeAspect="1"/>
+          </p:cNvPicPr>
+          <p:nvPr/>
+        </p:nvPicPr>
+        <p:blipFill>
+          <a:blip r:embed="rId4" cstate="print"/>
+          <a:stretch>
+            <a:fillRect/>
+          </a:stretch>
+        </p:blipFill>
+        <p:spPr>
+          <a:xfrm>
+            <a:off x="6215074" y="3071810"/>
+            <a:ext cx="2124075" cy="1743075"/>
+          </a:xfrm>
+          <a:prstGeom prst="rect">
+            <a:avLst/>
+          </a:prstGeom>
+        </p:spPr>
+      </p:pic>
+      <p:sp>
+        <p:nvSpPr>
+          <p:cNvPr id="10" name="TextBox 9"/>
+          <p:cNvSpPr txBox="1"/>
+          <p:nvPr/>
+        </p:nvSpPr>
+        <p:spPr>
+          <a:xfrm>
+            <a:off x="3000364" y="6264495"/>
+            <a:ext cx="3143272" cy="307777"/>
+          </a:xfrm>
+          <a:prstGeom prst="rect">
+            <a:avLst/>
+          </a:prstGeom>
+          <a:noFill/>
+        </p:spPr>
+        <p:txBody>
+          <a:bodyPr wrap="square" rtlCol="0">
+            <a:spAutoFit/>
+          </a:bodyPr>
+          <a:lstStyle/>
+          <a:p>
+            <a:r>
+              <a:rPr lang="en-US" sz="1400" dirty="0" smtClean="0"/>
+              <a:t>Fig. ( Feature importance plotting )</a:t>
+            </a:r>
+            <a:endParaRPr lang="en-IN" sz="1400" dirty="0"/>
+          </a:p>
+        </p:txBody>
+      </p:sp>
+    </p:spTree>
+  </p:cSld>
+  <p:clrMapOvr>
+    <a:masterClrMapping/>
+  </p:clrMapOvr>
+  <p:transition>
+    <p:wipe dir="d"/>
+  </p:transition>
+  <p:timing>
+    <p:tnLst>
+      <p:par>
+        <p:cTn id="1" dur="indefinite" restart="never" nodeType="tmRoot"/>
+      </p:par>
+    </p:tnLst>
+  </p:timing>
+</p:sld>
+</file>
+
+<file path=ppt/slides/slide14.xml><?xml version="1.0" encoding="utf-8"?>
+<p:sld xmlns:a="http://schemas.openxmlformats.org/drawingml/2006/main" xmlns:r="http://schemas.openxmlformats.org/officeDocument/2006/relationships" xmlns:p="http://schemas.openxmlformats.org/presentationml/2006/main">
+  <p:cSld>
+    <p:spTree>
+      <p:nvGrpSpPr>
+        <p:cNvPr id="1" name=""/>
+        <p:cNvGrpSpPr/>
+        <p:nvPr/>
+      </p:nvGrpSpPr>
+      <p:grpSpPr>
+        <a:xfrm>
+          <a:off x="0" y="0"/>
+          <a:ext cx="0" cy="0"/>
+          <a:chOff x="0" y="0"/>
+          <a:chExt cx="0" cy="0"/>
+        </a:xfrm>
+      </p:grpSpPr>
+      <p:sp>
+        <p:nvSpPr>
+          <p:cNvPr id="2" name="Title 1"/>
+          <p:cNvSpPr>
+            <a:spLocks noGrp="1"/>
+          </p:cNvSpPr>
+          <p:nvPr>
+            <p:ph type="title"/>
+          </p:nvPr>
+        </p:nvSpPr>
+        <p:spPr/>
+        <p:txBody>
+          <a:bodyPr>
+            <a:normAutofit/>
+          </a:bodyPr>
+          <a:lstStyle/>
+          <a:p>
+            <a:pPr lvl="1" algn="l" rtl="0">
+              <a:spcBef>
+                <a:spcPct val="0"/>
+              </a:spcBef>
+            </a:pPr>
+            <a:r>
+              <a:rPr lang="en-IN" sz="3200" b="1" dirty="0" smtClean="0"/>
+              <a:t>Conclusion</a:t>
+            </a:r>
+            <a:endParaRPr lang="en-IN" sz="2800" b="1" dirty="0"/>
+          </a:p>
+        </p:txBody>
+      </p:sp>
+      <p:sp>
+        <p:nvSpPr>
+          <p:cNvPr id="3" name="Content Placeholder 2"/>
+          <p:cNvSpPr>
+            <a:spLocks noGrp="1"/>
+          </p:cNvSpPr>
+          <p:nvPr>
+            <p:ph idx="1"/>
+          </p:nvPr>
+        </p:nvSpPr>
+        <p:spPr/>
+        <p:txBody>
+          <a:bodyPr>
+            <a:normAutofit/>
+          </a:bodyPr>
+          <a:lstStyle/>
+          <a:p>
+            <a:pPr>
+              <a:buNone/>
+            </a:pPr>
+            <a:r>
+              <a:rPr lang="en-US" sz="2000" dirty="0" smtClean="0">
+                <a:cs typeface="Times New Roman" pitchFamily="18" charset="0"/>
+              </a:rPr>
+              <a:t>      As customer churn prediction model have become the major tool for telecommunications industry for sustaining and maintaining a stable profit level at top line and bottom line in a competitive environment, it means that this model must be structure in a way that is reliable.</a:t>
+            </a:r>
+            <a:endParaRPr lang="en-IN" sz="2000" dirty="0"/>
+          </a:p>
+        </p:txBody>
+      </p:sp>
+      <p:cxnSp>
+        <p:nvCxnSpPr>
+          <p:cNvPr id="5" name="Straight Connector 4"/>
+          <p:cNvCxnSpPr/>
+          <p:nvPr/>
+        </p:nvCxnSpPr>
+        <p:spPr>
+          <a:xfrm>
+            <a:off x="500034" y="1214422"/>
+            <a:ext cx="8143932" cy="1588"/>
+          </a:xfrm>
+          <a:prstGeom prst="line">
+            <a:avLst/>
+          </a:prstGeom>
+          <a:ln>
+            <a:solidFill>
+              <a:schemeClr val="tx1"/>
+            </a:solidFill>
+          </a:ln>
+        </p:spPr>
+        <p:style>
+          <a:lnRef idx="1">
+            <a:schemeClr val="accent1"/>
+          </a:lnRef>
+          <a:fillRef idx="0">
+            <a:schemeClr val="accent1"/>
+          </a:fillRef>
+          <a:effectRef idx="0">
+            <a:schemeClr val="accent1"/>
+          </a:effectRef>
+          <a:fontRef idx="minor">
+            <a:schemeClr val="tx1"/>
+          </a:fontRef>
+        </p:style>
+      </p:cxnSp>
+    </p:spTree>
+  </p:cSld>
+  <p:clrMapOvr>
+    <a:masterClrMapping/>
+  </p:clrMapOvr>
+  <p:transition>
+    <p:wipe dir="d"/>
+  </p:transition>
+  <p:timing>
+    <p:tnLst>
+      <p:par>
+        <p:cTn id="1" dur="indefinite" restart="never" nodeType="tmRoot"/>
+      </p:par>
+    </p:tnLst>
+  </p:timing>
+</p:sld>
+</file>
+
+<file path=ppt/slides/slide15.xml><?xml version="1.0" encoding="utf-8"?>
+<p:sld xmlns:a="http://schemas.openxmlformats.org/drawingml/2006/main" xmlns:r="http://schemas.openxmlformats.org/officeDocument/2006/relationships" xmlns:p="http://schemas.openxmlformats.org/presentationml/2006/main">
+  <p:cSld>
+    <p:spTree>
+      <p:nvGrpSpPr>
+        <p:cNvPr id="1" name=""/>
+        <p:cNvGrpSpPr/>
+        <p:nvPr/>
+      </p:nvGrpSpPr>
+      <p:grpSpPr>
+        <a:xfrm>
+          <a:off x="0" y="0"/>
+          <a:ext cx="0" cy="0"/>
+          <a:chOff x="0" y="0"/>
+          <a:chExt cx="0" cy="0"/>
+        </a:xfrm>
+      </p:grpSpPr>
+      <p:sp>
+        <p:nvSpPr>
+          <p:cNvPr id="2" name="Title 1"/>
+          <p:cNvSpPr>
+            <a:spLocks noGrp="1"/>
+          </p:cNvSpPr>
+          <p:nvPr>
+            <p:ph type="title"/>
+          </p:nvPr>
+        </p:nvSpPr>
+        <p:spPr/>
+        <p:txBody>
+          <a:bodyPr/>
+          <a:lstStyle/>
+          <a:p>
+            <a:pPr algn="l"/>
+            <a:r>
+              <a:rPr lang="en-US" b="1" dirty="0" smtClean="0">
+                <a:latin typeface="Times New Roman" pitchFamily="18" charset="0"/>
+                <a:cs typeface="Times New Roman" pitchFamily="18" charset="0"/>
+              </a:rPr>
+              <a:t>References</a:t>
+            </a:r>
+            <a:endParaRPr lang="en-IN" dirty="0"/>
+          </a:p>
+        </p:txBody>
+      </p:sp>
+      <p:sp>
+        <p:nvSpPr>
+          <p:cNvPr id="3" name="Content Placeholder 2"/>
+          <p:cNvSpPr>
+            <a:spLocks noGrp="1"/>
+          </p:cNvSpPr>
+          <p:nvPr>
+            <p:ph idx="1"/>
+          </p:nvPr>
+        </p:nvSpPr>
+        <p:spPr/>
+        <p:txBody>
+          <a:bodyPr>
+            <a:normAutofit/>
+          </a:bodyPr>
+          <a:lstStyle/>
+          <a:p>
+            <a:pPr marL="514350" indent="-514350">
+              <a:buFont typeface="+mj-lt"/>
+              <a:buAutoNum type="romanUcPeriod"/>
+            </a:pPr>
+            <a:r>
+              <a:rPr lang="en-US" sz="1800" dirty="0" smtClean="0">
+                <a:cs typeface="Times New Roman" pitchFamily="18" charset="0"/>
+              </a:rPr>
+              <a:t>http://ieeexplore.ieee.org/document/7570883/figures</a:t>
+            </a:r>
+          </a:p>
+          <a:p>
+            <a:pPr marL="514350" indent="-514350">
+              <a:buFont typeface="+mj-lt"/>
+              <a:buAutoNum type="romanUcPeriod"/>
+            </a:pPr>
+            <a:r>
+              <a:rPr lang="en-US" sz="1800" dirty="0" smtClean="0">
+                <a:cs typeface="Times New Roman" pitchFamily="18" charset="0"/>
+              </a:rPr>
+              <a:t>https://github.com/bensadeghi/pyspark-churn-prediction/blob/master/data/churn-bigml-80.csv</a:t>
+            </a:r>
+          </a:p>
+          <a:p>
+            <a:pPr marL="514350" indent="-514350">
+              <a:buFont typeface="+mj-lt"/>
+              <a:buAutoNum type="romanUcPeriod"/>
+            </a:pPr>
+            <a:r>
+              <a:rPr lang="en-US" sz="1800" dirty="0" smtClean="0">
+                <a:cs typeface="Times New Roman" pitchFamily="18" charset="0"/>
+              </a:rPr>
+              <a:t>https://github.com/bensadeghi/pyspark-churn-prediction/blob/master/churn-prediction.ipynb</a:t>
+            </a:r>
+          </a:p>
+          <a:p>
+            <a:pPr marL="514350" indent="-514350">
+              <a:buFont typeface="+mj-lt"/>
+              <a:buAutoNum type="romanUcPeriod"/>
+            </a:pPr>
+            <a:r>
+              <a:rPr lang="en-US" sz="1800" dirty="0" smtClean="0">
+                <a:cs typeface="Times New Roman" pitchFamily="18" charset="0"/>
+              </a:rPr>
+              <a:t>https://github.com/navdeep-G/customer-churn/blob/master/data/TelcoChurn.csv</a:t>
+            </a:r>
+          </a:p>
+          <a:p>
+            <a:pPr marL="514350" indent="-514350">
+              <a:buFont typeface="+mj-lt"/>
+              <a:buAutoNum type="romanUcPeriod"/>
+            </a:pPr>
+            <a:r>
+              <a:rPr lang="en-US" sz="1800" dirty="0" smtClean="0">
+                <a:cs typeface="Times New Roman" pitchFamily="18" charset="0"/>
+              </a:rPr>
+              <a:t>https://campus.datacamp.com/courses/cleaning-data-in-python</a:t>
+            </a:r>
+          </a:p>
+          <a:p>
+            <a:pPr marL="514350" indent="-514350">
+              <a:buFont typeface="+mj-lt"/>
+              <a:buAutoNum type="romanUcPeriod"/>
+            </a:pPr>
+            <a:r>
+              <a:rPr lang="en-US" sz="1800" dirty="0" smtClean="0">
+                <a:cs typeface="Times New Roman" pitchFamily="18" charset="0"/>
+              </a:rPr>
+              <a:t>https://qxf2.com/blog/cleaning-data-python-pandas/</a:t>
+            </a:r>
+          </a:p>
+          <a:p>
+            <a:pPr marL="514350" indent="-514350">
+              <a:buFont typeface="+mj-lt"/>
+              <a:buAutoNum type="romanUcPeriod"/>
+            </a:pPr>
+            <a:r>
+              <a:rPr lang="en-US" sz="1800" dirty="0" smtClean="0">
+                <a:cs typeface="Times New Roman" pitchFamily="18" charset="0"/>
+              </a:rPr>
+              <a:t>https://www.coursera.org/learn/machine-learning</a:t>
+            </a:r>
+          </a:p>
+          <a:p>
+            <a:pPr marL="514350" indent="-514350">
+              <a:buFont typeface="+mj-lt"/>
+              <a:buAutoNum type="romanUcPeriod"/>
+            </a:pPr>
+            <a:r>
+              <a:rPr lang="en-US" sz="1800" dirty="0" smtClean="0">
+                <a:cs typeface="Times New Roman" pitchFamily="18" charset="0"/>
+              </a:rPr>
+              <a:t>https://www.crowdanalytix.com/contests/why-customer-churn</a:t>
+            </a:r>
+          </a:p>
+          <a:p>
+            <a:pPr marL="514350" indent="-514350">
+              <a:buFont typeface="+mj-lt"/>
+              <a:buAutoNum type="romanUcPeriod"/>
+            </a:pPr>
+            <a:r>
+              <a:rPr lang="en-US" sz="1800" dirty="0" smtClean="0">
+                <a:cs typeface="Times New Roman" pitchFamily="18" charset="0"/>
+              </a:rPr>
+              <a:t>http://ieeexplore.ieee.org/document/7570883/figures</a:t>
+            </a:r>
+          </a:p>
+          <a:p>
+            <a:pPr>
+              <a:buNone/>
+            </a:pPr>
+            <a:endParaRPr lang="en-IN" sz="1800" dirty="0"/>
+          </a:p>
+        </p:txBody>
+      </p:sp>
+      <p:cxnSp>
+        <p:nvCxnSpPr>
+          <p:cNvPr id="5" name="Straight Connector 4"/>
+          <p:cNvCxnSpPr/>
+          <p:nvPr/>
+        </p:nvCxnSpPr>
+        <p:spPr>
+          <a:xfrm>
+            <a:off x="571472" y="1285860"/>
+            <a:ext cx="8072494" cy="1588"/>
+          </a:xfrm>
+          <a:prstGeom prst="line">
+            <a:avLst/>
+          </a:prstGeom>
+          <a:ln>
+            <a:solidFill>
+              <a:schemeClr val="tx1"/>
+            </a:solidFill>
+          </a:ln>
+        </p:spPr>
+        <p:style>
+          <a:lnRef idx="1">
+            <a:schemeClr val="accent1"/>
+          </a:lnRef>
+          <a:fillRef idx="0">
+            <a:schemeClr val="accent1"/>
+          </a:fillRef>
+          <a:effectRef idx="0">
+            <a:schemeClr val="accent1"/>
+          </a:effectRef>
+          <a:fontRef idx="minor">
+            <a:schemeClr val="tx1"/>
+          </a:fontRef>
+        </p:style>
+      </p:cxnSp>
+    </p:spTree>
+  </p:cSld>
+  <p:clrMapOvr>
+    <a:masterClrMapping/>
+  </p:clrMapOvr>
+  <p:transition>
+    <p:wipe dir="d"/>
+  </p:transition>
+  <p:timing>
+    <p:tnLst>
+      <p:par>
+        <p:cTn id="1" dur="indefinite" restart="never" nodeType="tmRoot"/>
+      </p:par>
+    </p:tnLst>
+  </p:timing>
+</p:sld>
+</file>
+
+<file path=ppt/slides/slide16.xml><?xml version="1.0" encoding="utf-8"?>
+<p:sld xmlns:a="http://schemas.openxmlformats.org/drawingml/2006/main" xmlns:r="http://schemas.openxmlformats.org/officeDocument/2006/relationships" xmlns:p="http://schemas.openxmlformats.org/presentationml/2006/main">
+  <p:cSld>
+    <p:spTree>
+      <p:nvGrpSpPr>
+        <p:cNvPr id="1" name=""/>
+        <p:cNvGrpSpPr/>
+        <p:nvPr/>
+      </p:nvGrpSpPr>
+      <p:grpSpPr>
+        <a:xfrm>
+          <a:off x="0" y="0"/>
+          <a:ext cx="0" cy="0"/>
+          <a:chOff x="0" y="0"/>
+          <a:chExt cx="0" cy="0"/>
+        </a:xfrm>
+      </p:grpSpPr>
+      <p:sp>
+        <p:nvSpPr>
+          <p:cNvPr id="2" name="Title 1"/>
+          <p:cNvSpPr>
+            <a:spLocks noGrp="1"/>
+          </p:cNvSpPr>
+          <p:nvPr>
+            <p:ph type="title"/>
+          </p:nvPr>
+        </p:nvSpPr>
+        <p:spPr/>
+        <p:txBody>
+          <a:bodyPr/>
+          <a:lstStyle/>
+          <a:p>
+            <a:pPr algn="l"/>
+            <a:r>
+              <a:rPr lang="en-US" b="1" dirty="0" smtClean="0">
+                <a:latin typeface="Times New Roman" pitchFamily="18" charset="0"/>
+                <a:cs typeface="Times New Roman" pitchFamily="18" charset="0"/>
+              </a:rPr>
+              <a:t>Acknowledgement</a:t>
+            </a:r>
+            <a:endParaRPr lang="en-IN" dirty="0"/>
+          </a:p>
+        </p:txBody>
+      </p:sp>
+      <p:sp>
+        <p:nvSpPr>
+          <p:cNvPr id="3" name="Content Placeholder 2"/>
+          <p:cNvSpPr>
+            <a:spLocks noGrp="1"/>
+          </p:cNvSpPr>
+          <p:nvPr>
+            <p:ph idx="1"/>
+          </p:nvPr>
+        </p:nvSpPr>
+        <p:spPr/>
+        <p:txBody>
+          <a:bodyPr/>
+          <a:lstStyle/>
+          <a:p>
+            <a:pPr>
+              <a:buNone/>
+            </a:pPr>
+            <a:r>
+              <a:rPr lang="en-US" dirty="0" smtClean="0"/>
+              <a:t>   </a:t>
+            </a:r>
+            <a:r>
+              <a:rPr lang="en-US" sz="2000" dirty="0" smtClean="0"/>
+              <a:t>We are very grateful to </a:t>
+            </a:r>
+            <a:r>
+              <a:rPr lang="en-IN" sz="2000" dirty="0" smtClean="0"/>
+              <a:t>Our Respected teacher </a:t>
+            </a:r>
+            <a:r>
+              <a:rPr lang="en-US" sz="2000" dirty="0" smtClean="0"/>
+              <a:t>for proper guidance and         support to make this presentation successful.</a:t>
+            </a:r>
+            <a:endParaRPr lang="en-US" dirty="0" smtClean="0"/>
+          </a:p>
+          <a:p>
+            <a:pPr>
+              <a:buNone/>
+            </a:pPr>
+            <a:endParaRPr lang="en-IN" dirty="0"/>
+          </a:p>
+        </p:txBody>
+      </p:sp>
+      <p:cxnSp>
+        <p:nvCxnSpPr>
+          <p:cNvPr id="5" name="Straight Connector 4"/>
+          <p:cNvCxnSpPr/>
+          <p:nvPr/>
+        </p:nvCxnSpPr>
+        <p:spPr>
+          <a:xfrm>
+            <a:off x="500034" y="1214422"/>
+            <a:ext cx="8143932" cy="1588"/>
+          </a:xfrm>
+          <a:prstGeom prst="line">
+            <a:avLst/>
+          </a:prstGeom>
+          <a:ln>
+            <a:solidFill>
+              <a:schemeClr val="tx1"/>
+            </a:solidFill>
+          </a:ln>
+        </p:spPr>
+        <p:style>
+          <a:lnRef idx="1">
+            <a:schemeClr val="accent1"/>
+          </a:lnRef>
+          <a:fillRef idx="0">
+            <a:schemeClr val="accent1"/>
+          </a:fillRef>
+          <a:effectRef idx="0">
+            <a:schemeClr val="accent1"/>
+          </a:effectRef>
+          <a:fontRef idx="minor">
+            <a:schemeClr val="tx1"/>
+          </a:fontRef>
+        </p:style>
+      </p:cxnSp>
+    </p:spTree>
+  </p:cSld>
+  <p:clrMapOvr>
+    <a:masterClrMapping/>
+  </p:clrMapOvr>
+  <p:transition>
+    <p:wipe dir="d"/>
+  </p:transition>
+  <p:timing>
+    <p:tnLst>
+      <p:par>
+        <p:cTn id="1" dur="indefinite" restart="never" nodeType="tmRoot"/>
+      </p:par>
+    </p:tnLst>
+  </p:timing>
+</p:sld>
+</file>
+
+<file path=ppt/slides/slide17.xml><?xml version="1.0" encoding="utf-8"?>
+<p:sld xmlns:a="http://schemas.openxmlformats.org/drawingml/2006/main" xmlns:r="http://schemas.openxmlformats.org/officeDocument/2006/relationships" xmlns:p="http://schemas.openxmlformats.org/presentationml/2006/main">
+  <p:cSld>
+    <p:spTree>
+      <p:nvGrpSpPr>
+        <p:cNvPr id="1" name=""/>
+        <p:cNvGrpSpPr/>
+        <p:nvPr/>
+      </p:nvGrpSpPr>
+      <p:grpSpPr>
+        <a:xfrm>
+          <a:off x="0" y="0"/>
+          <a:ext cx="0" cy="0"/>
+          <a:chOff x="0" y="0"/>
+          <a:chExt cx="0" cy="0"/>
+        </a:xfrm>
+      </p:grpSpPr>
+      <p:sp>
+        <p:nvSpPr>
+          <p:cNvPr id="2" name="TextBox 1"/>
+          <p:cNvSpPr txBox="1"/>
+          <p:nvPr/>
+        </p:nvSpPr>
+        <p:spPr>
+          <a:xfrm>
+            <a:off x="1928794" y="2928934"/>
+            <a:ext cx="4643470" cy="1107996"/>
+          </a:xfrm>
+          <a:prstGeom prst="rect">
+            <a:avLst/>
+          </a:prstGeom>
+          <a:noFill/>
+        </p:spPr>
+        <p:txBody>
+          <a:bodyPr wrap="square" rtlCol="0">
+            <a:spAutoFit/>
+          </a:bodyPr>
+          <a:lstStyle/>
+          <a:p>
+            <a:pPr algn="ctr"/>
+            <a:r>
+              <a:rPr lang="en-US" sz="6600" smtClean="0"/>
+              <a:t>Thank You..</a:t>
+            </a:r>
+            <a:endParaRPr lang="en-IN" sz="6600" dirty="0"/>
+          </a:p>
+        </p:txBody>
+      </p:sp>
+    </p:spTree>
+  </p:cSld>
+  <p:clrMapOvr>
+    <a:masterClrMapping/>
+  </p:clrMapOvr>
+  <p:transition>
+    <p:wipe dir="d"/>
+  </p:transition>
+  <p:timing>
+    <p:tnLst>
+      <p:par>
+        <p:cTn id="1" dur="indefinite" restart="never" nodeType="tmRoot"/>
+      </p:par>
+    </p:tnLst>
+  </p:timing>
+</p:sld>
+</file>
+
 <file path=ppt/slides/slide2.xml><?xml version="1.0" encoding="utf-8"?>
 <p:sld xmlns:a="http://schemas.openxmlformats.org/drawingml/2006/main" xmlns:r="http://schemas.openxmlformats.org/officeDocument/2006/relationships" xmlns:p="http://schemas.openxmlformats.org/presentationml/2006/main">
   <p:cSld>
@@ -3408,11 +5098,7 @@
             </a:pPr>
             <a:r>
               <a:rPr lang="en-IN" sz="2000" dirty="0" smtClean="0"/>
-              <a:t>Learning/Prediction </a:t>
-            </a:r>
-            <a:r>
-              <a:rPr lang="en-IN" sz="2000" dirty="0" smtClean="0"/>
-              <a:t>Steps</a:t>
+              <a:t>Learning/Prediction Steps</a:t>
             </a:r>
             <a:endParaRPr lang="en-US" sz="2000" dirty="0" smtClean="0"/>
           </a:p>
@@ -3428,7 +5114,6 @@
               <a:rPr lang="en-US" sz="2000" dirty="0" smtClean="0"/>
               <a:t>Algorithm Used</a:t>
             </a:r>
-            <a:endParaRPr lang="en-US" sz="2000" dirty="0" smtClean="0"/>
           </a:p>
           <a:p>
             <a:pPr marL="971550" lvl="1" indent="-514350">
@@ -3460,7 +5145,6 @@
               <a:rPr lang="en-US" sz="2000" dirty="0" smtClean="0"/>
               <a:t>K-fold</a:t>
             </a:r>
-            <a:endParaRPr lang="en-US" sz="2000" dirty="0" smtClean="0"/>
           </a:p>
           <a:p>
             <a:pPr marL="971550" lvl="1" indent="-514350">
@@ -3484,7 +5168,7 @@
               <a:buAutoNum type="arabicPeriod"/>
             </a:pPr>
             <a:r>
-              <a:rPr lang="en-US" sz="2000" smtClean="0"/>
+              <a:rPr lang="en-US" sz="2000" dirty="0" smtClean="0"/>
               <a:t>Random Forest </a:t>
             </a:r>
           </a:p>
@@ -3497,7 +5181,7 @@
               <a:buAutoNum type="arabicPeriod"/>
             </a:pPr>
             <a:r>
-              <a:rPr lang="en-IN" sz="2000" smtClean="0"/>
+              <a:rPr lang="en-IN" sz="2000" dirty="0" smtClean="0"/>
               <a:t>Conclusion</a:t>
             </a:r>
             <a:endParaRPr lang="en-US" sz="2000" dirty="0" smtClean="0"/>
@@ -3621,11 +5305,11 @@
               </a:spcBef>
             </a:pPr>
             <a:r>
-              <a:rPr lang="en-US" sz="2800" dirty="0" smtClean="0"/>
+              <a:rPr lang="en-US" sz="2800" b="1" dirty="0" smtClean="0"/>
               <a:t>Introduction To Machine Learning</a:t>
             </a:r>
             <a:r>
-              <a:rPr lang="en-IN" sz="2800" dirty="0" smtClean="0"/>
+              <a:rPr lang="en-IN" sz="2800" b="1" dirty="0" smtClean="0"/>
               <a:t> </a:t>
             </a:r>
             <a:r>
@@ -3810,8 +5494,8 @@
               </a:spcBef>
             </a:pPr>
             <a:r>
-              <a:rPr lang="en-US" sz="2400" dirty="0" smtClean="0"/>
-              <a:t>Several Ways To Implement Machine Learning Techniques</a:t>
+              <a:rPr lang="en-US" sz="2400" b="1" dirty="0" smtClean="0"/>
+              <a:t>Several Ways To Implement Machine Learning Techniques:</a:t>
             </a:r>
             <a:r>
               <a:rPr lang="en-IN" sz="2000" dirty="0" smtClean="0"/>
@@ -4105,7 +5789,7 @@
         </p:nvCxnSpPr>
         <p:spPr>
           <a:xfrm>
-            <a:off x="500034" y="1000108"/>
+            <a:off x="500034" y="1214422"/>
             <a:ext cx="8143932" cy="1588"/>
           </a:xfrm>
           <a:prstGeom prst="line">
@@ -4444,11 +6128,7 @@
             <a:pPr algn="l"/>
             <a:r>
               <a:rPr lang="en-IN" b="1" dirty="0" smtClean="0"/>
-              <a:t>Learning/Prediction </a:t>
-            </a:r>
-            <a:r>
-              <a:rPr lang="en-IN" b="1" dirty="0" smtClean="0"/>
-              <a:t>Steps</a:t>
+              <a:t>Learning/Prediction Steps</a:t>
             </a:r>
             <a:endParaRPr lang="en-IN" dirty="0"/>
           </a:p>
@@ -4465,7 +6145,7 @@
           </p:nvPr>
         </p:nvPicPr>
         <p:blipFill>
-          <a:blip r:embed="rId2"/>
+          <a:blip r:embed="rId2" cstate="print"/>
           <a:stretch>
             <a:fillRect/>
           </a:stretch>
@@ -4595,10 +6275,10 @@
           <a:p>
             <a:pPr algn="l"/>
             <a:r>
-              <a:rPr lang="en-US" sz="3600" dirty="0" smtClean="0"/>
+              <a:rPr lang="en-US" sz="3600" b="1" dirty="0" smtClean="0"/>
               <a:t>Algorithm Used</a:t>
             </a:r>
-            <a:endParaRPr lang="en-IN" dirty="0"/>
+            <a:endParaRPr lang="en-IN" b="1" dirty="0"/>
           </a:p>
         </p:txBody>
       </p:sp>
@@ -4623,11 +6303,7 @@
             </a:pPr>
             <a:r>
               <a:rPr lang="en-US" dirty="0" smtClean="0"/>
-              <a:t> </a:t>
-            </a:r>
-            <a:r>
-              <a:rPr lang="en-US" dirty="0" smtClean="0"/>
-              <a:t>Naive </a:t>
+              <a:t> Naive </a:t>
             </a:r>
             <a:r>
               <a:rPr lang="en-US" dirty="0" err="1" smtClean="0"/>
@@ -4648,7 +6324,6 @@
               <a:rPr lang="en-US" dirty="0" smtClean="0"/>
               <a:t>K- fold</a:t>
             </a:r>
-            <a:endParaRPr lang="en-US" dirty="0" smtClean="0"/>
           </a:p>
           <a:p>
             <a:pPr lvl="1">
@@ -4717,6 +6392,9 @@
   <p:clrMapOvr>
     <a:masterClrMapping/>
   </p:clrMapOvr>
+  <p:transition>
+    <p:wipe dir="d"/>
+  </p:transition>
   <p:timing>
     <p:tnLst>
       <p:par>
@@ -4822,11 +6500,7 @@
             </a:r>
             <a:r>
               <a:rPr lang="en-IN" sz="2000" dirty="0" smtClean="0"/>
-              <a:t>’ </a:t>
-            </a:r>
-            <a:r>
-              <a:rPr lang="en-IN" sz="2000" dirty="0" smtClean="0"/>
-              <a:t>theorem.</a:t>
+              <a:t>’ theorem.</a:t>
             </a:r>
           </a:p>
           <a:p>
@@ -4841,15 +6515,7 @@
             </a:pPr>
             <a:r>
               <a:rPr lang="en-US" sz="2000" dirty="0" smtClean="0"/>
-              <a:t>Confusion Matrix </a:t>
-            </a:r>
-            <a:r>
-              <a:rPr lang="en-US" sz="2000" dirty="0" smtClean="0"/>
-              <a:t> </a:t>
-            </a:r>
-            <a:r>
-              <a:rPr lang="en-US" sz="2000" dirty="0" smtClean="0"/>
-              <a:t>                                     Accuracy: </a:t>
+              <a:t>Confusion Matrix                                       Accuracy: </a:t>
             </a:r>
           </a:p>
           <a:p>
@@ -4938,7 +6604,7 @@
           <p:nvPr/>
         </p:nvPicPr>
         <p:blipFill>
-          <a:blip r:embed="rId2"/>
+          <a:blip r:embed="rId2" cstate="print"/>
           <a:stretch>
             <a:fillRect/>
           </a:stretch>
@@ -4962,7 +6628,7 @@
           <p:nvPr/>
         </p:nvPicPr>
         <p:blipFill>
-          <a:blip r:embed="rId3"/>
+          <a:blip r:embed="rId3" cstate="print"/>
           <a:stretch>
             <a:fillRect/>
           </a:stretch>
@@ -4986,7 +6652,7 @@
           <p:nvPr/>
         </p:nvPicPr>
         <p:blipFill>
-          <a:blip r:embed="rId4"/>
+          <a:blip r:embed="rId4" cstate="print"/>
           <a:stretch>
             <a:fillRect/>
           </a:stretch>
@@ -5126,6 +6792,9 @@
   <p:clrMapOvr>
     <a:masterClrMapping/>
   </p:clrMapOvr>
+  <p:transition>
+    <p:wipe dir="d"/>
+  </p:transition>
   <p:timing>
     <p:tnLst>
       <p:par>
@@ -5168,7 +6837,12 @@
           <a:bodyPr/>
           <a:lstStyle/>
           <a:p>
-            <a:endParaRPr lang="en-IN"/>
+            <a:pPr algn="l"/>
+            <a:r>
+              <a:rPr lang="en-US" dirty="0" smtClean="0"/>
+              <a:t>K-fold</a:t>
+            </a:r>
+            <a:endParaRPr lang="en-IN" dirty="0"/>
           </a:p>
         </p:txBody>
       </p:sp>
@@ -5182,20 +6856,112 @@
             <p:ph idx="1"/>
           </p:nvPr>
         </p:nvSpPr>
-        <p:spPr/>
+        <p:spPr>
+          <a:xfrm>
+            <a:off x="457200" y="1600200"/>
+            <a:ext cx="8229600" cy="4972072"/>
+          </a:xfrm>
+        </p:spPr>
         <p:txBody>
           <a:bodyPr/>
           <a:lstStyle/>
           <a:p>
-            <a:endParaRPr lang="en-IN"/>
-          </a:p>
-        </p:txBody>
-      </p:sp>
+            <a:pPr>
+              <a:buNone/>
+            </a:pPr>
+            <a:r>
+              <a:rPr lang="en-IN" dirty="0" smtClean="0"/>
+              <a:t>   </a:t>
+            </a:r>
+            <a:r>
+              <a:rPr lang="en-IN" sz="2000" dirty="0" smtClean="0"/>
+              <a:t>K-Folds cross-</a:t>
+            </a:r>
+            <a:r>
+              <a:rPr lang="en-IN" sz="2000" dirty="0" err="1" smtClean="0"/>
+              <a:t>validator</a:t>
+            </a:r>
+            <a:r>
+              <a:rPr lang="en-IN" sz="2000" dirty="0" smtClean="0"/>
+              <a:t> provides train/test indices to split data in train/test sets. Split dataset into k consecutive folds.</a:t>
+            </a:r>
+            <a:endParaRPr lang="en-IN" dirty="0" smtClean="0"/>
+          </a:p>
+          <a:p>
+            <a:pPr>
+              <a:buNone/>
+            </a:pPr>
+            <a:endParaRPr lang="en-US" sz="2000" dirty="0" smtClean="0"/>
+          </a:p>
+          <a:p>
+            <a:pPr>
+              <a:buNone/>
+            </a:pPr>
+            <a:endParaRPr lang="en-US" sz="2000" b="1" dirty="0" smtClean="0"/>
+          </a:p>
+          <a:p>
+            <a:pPr>
+              <a:buNone/>
+            </a:pPr>
+            <a:endParaRPr lang="en-US" sz="2000" b="1" dirty="0" smtClean="0"/>
+          </a:p>
+          <a:p>
+            <a:pPr>
+              <a:buNone/>
+            </a:pPr>
+            <a:endParaRPr lang="en-US" sz="2000" b="1" dirty="0" smtClean="0"/>
+          </a:p>
+          <a:p>
+            <a:pPr>
+              <a:buNone/>
+            </a:pPr>
+            <a:endParaRPr lang="en-US" sz="2000" b="1" dirty="0" smtClean="0"/>
+          </a:p>
+        </p:txBody>
+      </p:sp>
+      <p:cxnSp>
+        <p:nvCxnSpPr>
+          <p:cNvPr id="5" name="Straight Connector 4"/>
+          <p:cNvCxnSpPr/>
+          <p:nvPr/>
+        </p:nvCxnSpPr>
+        <p:spPr>
+          <a:xfrm>
+            <a:off x="500034" y="1142984"/>
+            <a:ext cx="8143932" cy="1588"/>
+          </a:xfrm>
+          <a:prstGeom prst="line">
+            <a:avLst/>
+          </a:prstGeom>
+          <a:ln>
+            <a:solidFill>
+              <a:schemeClr val="tx1"/>
+            </a:solidFill>
+          </a:ln>
+        </p:spPr>
+        <p:style>
+          <a:lnRef idx="1">
+            <a:schemeClr val="accent1"/>
+          </a:lnRef>
+          <a:fillRef idx="0">
+            <a:schemeClr val="accent1"/>
+          </a:fillRef>
+          <a:effectRef idx="0">
+            <a:schemeClr val="accent1"/>
+          </a:effectRef>
+          <a:fontRef idx="minor">
+            <a:schemeClr val="tx1"/>
+          </a:fontRef>
+        </p:style>
+      </p:cxnSp>
     </p:spTree>
   </p:cSld>
   <p:clrMapOvr>
     <a:masterClrMapping/>
   </p:clrMapOvr>
+  <p:transition>
+    <p:wipe dir="d"/>
+  </p:transition>
   <p:timing>
     <p:tnLst>
       <p:par>

--- a/Customer Churn Prediction In Telecom Industry.pptx
+++ b/Customer Churn Prediction In Telecom Industry.pptx
@@ -4,6 +4,9 @@
   <p:sldMasterIdLst>
     <p:sldMasterId id="2147483684" r:id="rId1"/>
   </p:sldMasterIdLst>
+  <p:notesMasterIdLst>
+    <p:notesMasterId r:id="rId19"/>
+  </p:notesMasterIdLst>
   <p:sldIdLst>
     <p:sldId id="256" r:id="rId2"/>
     <p:sldId id="257" r:id="rId3"/>
@@ -12,10 +15,10 @@
     <p:sldId id="260" r:id="rId6"/>
     <p:sldId id="262" r:id="rId7"/>
     <p:sldId id="261" r:id="rId8"/>
-    <p:sldId id="265" r:id="rId9"/>
-    <p:sldId id="266" r:id="rId10"/>
+    <p:sldId id="266" r:id="rId9"/>
+    <p:sldId id="265" r:id="rId10"/>
     <p:sldId id="267" r:id="rId11"/>
-    <p:sldId id="268" r:id="rId12"/>
+    <p:sldId id="275" r:id="rId12"/>
     <p:sldId id="269" r:id="rId13"/>
     <p:sldId id="270" r:id="rId14"/>
     <p:sldId id="271" r:id="rId15"/>
@@ -123,6 +126,434 @@
 </p:presentation>
 </file>
 
+<file path=ppt/notesMasters/notesMaster1.xml><?xml version="1.0" encoding="utf-8"?>
+<p:notesMaster xmlns:a="http://schemas.openxmlformats.org/drawingml/2006/main" xmlns:r="http://schemas.openxmlformats.org/officeDocument/2006/relationships" xmlns:p="http://schemas.openxmlformats.org/presentationml/2006/main">
+  <p:cSld>
+    <p:bg>
+      <p:bgRef idx="1001">
+        <a:schemeClr val="bg1"/>
+      </p:bgRef>
+    </p:bg>
+    <p:spTree>
+      <p:nvGrpSpPr>
+        <p:cNvPr id="1" name=""/>
+        <p:cNvGrpSpPr/>
+        <p:nvPr/>
+      </p:nvGrpSpPr>
+      <p:grpSpPr>
+        <a:xfrm>
+          <a:off x="0" y="0"/>
+          <a:ext cx="0" cy="0"/>
+          <a:chOff x="0" y="0"/>
+          <a:chExt cx="0" cy="0"/>
+        </a:xfrm>
+      </p:grpSpPr>
+      <p:sp>
+        <p:nvSpPr>
+          <p:cNvPr id="2" name="Header Placeholder 1"/>
+          <p:cNvSpPr>
+            <a:spLocks noGrp="1"/>
+          </p:cNvSpPr>
+          <p:nvPr>
+            <p:ph type="hdr" sz="quarter"/>
+          </p:nvPr>
+        </p:nvSpPr>
+        <p:spPr>
+          <a:xfrm>
+            <a:off x="0" y="0"/>
+            <a:ext cx="2971800" cy="457200"/>
+          </a:xfrm>
+          <a:prstGeom prst="rect">
+            <a:avLst/>
+          </a:prstGeom>
+        </p:spPr>
+        <p:txBody>
+          <a:bodyPr vert="horz" lIns="91440" tIns="45720" rIns="91440" bIns="45720" rtlCol="0"/>
+          <a:lstStyle>
+            <a:lvl1pPr algn="l">
+              <a:defRPr sz="1200"/>
+            </a:lvl1pPr>
+          </a:lstStyle>
+          <a:p>
+            <a:endParaRPr lang="en-IN"/>
+          </a:p>
+        </p:txBody>
+      </p:sp>
+      <p:sp>
+        <p:nvSpPr>
+          <p:cNvPr id="3" name="Date Placeholder 2"/>
+          <p:cNvSpPr>
+            <a:spLocks noGrp="1"/>
+          </p:cNvSpPr>
+          <p:nvPr>
+            <p:ph type="dt" idx="1"/>
+          </p:nvPr>
+        </p:nvSpPr>
+        <p:spPr>
+          <a:xfrm>
+            <a:off x="3884613" y="0"/>
+            <a:ext cx="2971800" cy="457200"/>
+          </a:xfrm>
+          <a:prstGeom prst="rect">
+            <a:avLst/>
+          </a:prstGeom>
+        </p:spPr>
+        <p:txBody>
+          <a:bodyPr vert="horz" lIns="91440" tIns="45720" rIns="91440" bIns="45720" rtlCol="0"/>
+          <a:lstStyle>
+            <a:lvl1pPr algn="r">
+              <a:defRPr sz="1200"/>
+            </a:lvl1pPr>
+          </a:lstStyle>
+          <a:p>
+            <a:fld id="{A7801B31-51B9-4178-B4CF-AA1F7186D430}" type="datetimeFigureOut">
+              <a:rPr lang="en-IN" smtClean="0"/>
+              <a:t>19-01-2018</a:t>
+            </a:fld>
+            <a:endParaRPr lang="en-IN"/>
+          </a:p>
+        </p:txBody>
+      </p:sp>
+      <p:sp>
+        <p:nvSpPr>
+          <p:cNvPr id="4" name="Slide Image Placeholder 3"/>
+          <p:cNvSpPr>
+            <a:spLocks noGrp="1" noRot="1" noChangeAspect="1"/>
+          </p:cNvSpPr>
+          <p:nvPr>
+            <p:ph type="sldImg" idx="2"/>
+          </p:nvPr>
+        </p:nvSpPr>
+        <p:spPr>
+          <a:xfrm>
+            <a:off x="1143000" y="685800"/>
+            <a:ext cx="4572000" cy="3429000"/>
+          </a:xfrm>
+          <a:prstGeom prst="rect">
+            <a:avLst/>
+          </a:prstGeom>
+          <a:noFill/>
+          <a:ln w="12700">
+            <a:solidFill>
+              <a:prstClr val="black"/>
+            </a:solidFill>
+          </a:ln>
+        </p:spPr>
+        <p:txBody>
+          <a:bodyPr vert="horz" lIns="91440" tIns="45720" rIns="91440" bIns="45720" rtlCol="0" anchor="ctr"/>
+          <a:lstStyle/>
+          <a:p>
+            <a:endParaRPr lang="en-IN"/>
+          </a:p>
+        </p:txBody>
+      </p:sp>
+      <p:sp>
+        <p:nvSpPr>
+          <p:cNvPr id="5" name="Notes Placeholder 4"/>
+          <p:cNvSpPr>
+            <a:spLocks noGrp="1"/>
+          </p:cNvSpPr>
+          <p:nvPr>
+            <p:ph type="body" sz="quarter" idx="3"/>
+          </p:nvPr>
+        </p:nvSpPr>
+        <p:spPr>
+          <a:xfrm>
+            <a:off x="685800" y="4343400"/>
+            <a:ext cx="5486400" cy="4114800"/>
+          </a:xfrm>
+          <a:prstGeom prst="rect">
+            <a:avLst/>
+          </a:prstGeom>
+        </p:spPr>
+        <p:txBody>
+          <a:bodyPr vert="horz" lIns="91440" tIns="45720" rIns="91440" bIns="45720" rtlCol="0">
+            <a:normAutofit/>
+          </a:bodyPr>
+          <a:lstStyle/>
+          <a:p>
+            <a:pPr lvl="0"/>
+            <a:r>
+              <a:rPr lang="en-US" smtClean="0"/>
+              <a:t>Click to edit Master text styles</a:t>
+            </a:r>
+          </a:p>
+          <a:p>
+            <a:pPr lvl="1"/>
+            <a:r>
+              <a:rPr lang="en-US" smtClean="0"/>
+              <a:t>Second level</a:t>
+            </a:r>
+          </a:p>
+          <a:p>
+            <a:pPr lvl="2"/>
+            <a:r>
+              <a:rPr lang="en-US" smtClean="0"/>
+              <a:t>Third level</a:t>
+            </a:r>
+          </a:p>
+          <a:p>
+            <a:pPr lvl="3"/>
+            <a:r>
+              <a:rPr lang="en-US" smtClean="0"/>
+              <a:t>Fourth level</a:t>
+            </a:r>
+          </a:p>
+          <a:p>
+            <a:pPr lvl="4"/>
+            <a:r>
+              <a:rPr lang="en-US" smtClean="0"/>
+              <a:t>Fifth level</a:t>
+            </a:r>
+            <a:endParaRPr lang="en-IN"/>
+          </a:p>
+        </p:txBody>
+      </p:sp>
+      <p:sp>
+        <p:nvSpPr>
+          <p:cNvPr id="6" name="Footer Placeholder 5"/>
+          <p:cNvSpPr>
+            <a:spLocks noGrp="1"/>
+          </p:cNvSpPr>
+          <p:nvPr>
+            <p:ph type="ftr" sz="quarter" idx="4"/>
+          </p:nvPr>
+        </p:nvSpPr>
+        <p:spPr>
+          <a:xfrm>
+            <a:off x="0" y="8685213"/>
+            <a:ext cx="2971800" cy="457200"/>
+          </a:xfrm>
+          <a:prstGeom prst="rect">
+            <a:avLst/>
+          </a:prstGeom>
+        </p:spPr>
+        <p:txBody>
+          <a:bodyPr vert="horz" lIns="91440" tIns="45720" rIns="91440" bIns="45720" rtlCol="0" anchor="b"/>
+          <a:lstStyle>
+            <a:lvl1pPr algn="l">
+              <a:defRPr sz="1200"/>
+            </a:lvl1pPr>
+          </a:lstStyle>
+          <a:p>
+            <a:endParaRPr lang="en-IN"/>
+          </a:p>
+        </p:txBody>
+      </p:sp>
+      <p:sp>
+        <p:nvSpPr>
+          <p:cNvPr id="7" name="Slide Number Placeholder 6"/>
+          <p:cNvSpPr>
+            <a:spLocks noGrp="1"/>
+          </p:cNvSpPr>
+          <p:nvPr>
+            <p:ph type="sldNum" sz="quarter" idx="5"/>
+          </p:nvPr>
+        </p:nvSpPr>
+        <p:spPr>
+          <a:xfrm>
+            <a:off x="3884613" y="8685213"/>
+            <a:ext cx="2971800" cy="457200"/>
+          </a:xfrm>
+          <a:prstGeom prst="rect">
+            <a:avLst/>
+          </a:prstGeom>
+        </p:spPr>
+        <p:txBody>
+          <a:bodyPr vert="horz" lIns="91440" tIns="45720" rIns="91440" bIns="45720" rtlCol="0" anchor="b"/>
+          <a:lstStyle>
+            <a:lvl1pPr algn="r">
+              <a:defRPr sz="1200"/>
+            </a:lvl1pPr>
+          </a:lstStyle>
+          <a:p>
+            <a:fld id="{C9236E78-45CE-48F6-ABE3-7B2C19E3EA7E}" type="slidenum">
+              <a:rPr lang="en-IN" smtClean="0"/>
+              <a:t>‹#›</a:t>
+            </a:fld>
+            <a:endParaRPr lang="en-IN"/>
+          </a:p>
+        </p:txBody>
+      </p:sp>
+    </p:spTree>
+  </p:cSld>
+  <p:clrMap bg1="lt1" tx1="dk1" bg2="lt2" tx2="dk2" accent1="accent1" accent2="accent2" accent3="accent3" accent4="accent4" accent5="accent5" accent6="accent6" hlink="hlink" folHlink="folHlink"/>
+  <p:notesStyle>
+    <a:lvl1pPr marL="0" algn="l" defTabSz="914400" rtl="0" eaLnBrk="1" latinLnBrk="0" hangingPunct="1">
+      <a:defRPr sz="1200" kern="1200">
+        <a:solidFill>
+          <a:schemeClr val="tx1"/>
+        </a:solidFill>
+        <a:latin typeface="+mn-lt"/>
+        <a:ea typeface="+mn-ea"/>
+        <a:cs typeface="+mn-cs"/>
+      </a:defRPr>
+    </a:lvl1pPr>
+    <a:lvl2pPr marL="457200" algn="l" defTabSz="914400" rtl="0" eaLnBrk="1" latinLnBrk="0" hangingPunct="1">
+      <a:defRPr sz="1200" kern="1200">
+        <a:solidFill>
+          <a:schemeClr val="tx1"/>
+        </a:solidFill>
+        <a:latin typeface="+mn-lt"/>
+        <a:ea typeface="+mn-ea"/>
+        <a:cs typeface="+mn-cs"/>
+      </a:defRPr>
+    </a:lvl2pPr>
+    <a:lvl3pPr marL="914400" algn="l" defTabSz="914400" rtl="0" eaLnBrk="1" latinLnBrk="0" hangingPunct="1">
+      <a:defRPr sz="1200" kern="1200">
+        <a:solidFill>
+          <a:schemeClr val="tx1"/>
+        </a:solidFill>
+        <a:latin typeface="+mn-lt"/>
+        <a:ea typeface="+mn-ea"/>
+        <a:cs typeface="+mn-cs"/>
+      </a:defRPr>
+    </a:lvl3pPr>
+    <a:lvl4pPr marL="1371600" algn="l" defTabSz="914400" rtl="0" eaLnBrk="1" latinLnBrk="0" hangingPunct="1">
+      <a:defRPr sz="1200" kern="1200">
+        <a:solidFill>
+          <a:schemeClr val="tx1"/>
+        </a:solidFill>
+        <a:latin typeface="+mn-lt"/>
+        <a:ea typeface="+mn-ea"/>
+        <a:cs typeface="+mn-cs"/>
+      </a:defRPr>
+    </a:lvl4pPr>
+    <a:lvl5pPr marL="1828800" algn="l" defTabSz="914400" rtl="0" eaLnBrk="1" latinLnBrk="0" hangingPunct="1">
+      <a:defRPr sz="1200" kern="1200">
+        <a:solidFill>
+          <a:schemeClr val="tx1"/>
+        </a:solidFill>
+        <a:latin typeface="+mn-lt"/>
+        <a:ea typeface="+mn-ea"/>
+        <a:cs typeface="+mn-cs"/>
+      </a:defRPr>
+    </a:lvl5pPr>
+    <a:lvl6pPr marL="2286000" algn="l" defTabSz="914400" rtl="0" eaLnBrk="1" latinLnBrk="0" hangingPunct="1">
+      <a:defRPr sz="1200" kern="1200">
+        <a:solidFill>
+          <a:schemeClr val="tx1"/>
+        </a:solidFill>
+        <a:latin typeface="+mn-lt"/>
+        <a:ea typeface="+mn-ea"/>
+        <a:cs typeface="+mn-cs"/>
+      </a:defRPr>
+    </a:lvl6pPr>
+    <a:lvl7pPr marL="2743200" algn="l" defTabSz="914400" rtl="0" eaLnBrk="1" latinLnBrk="0" hangingPunct="1">
+      <a:defRPr sz="1200" kern="1200">
+        <a:solidFill>
+          <a:schemeClr val="tx1"/>
+        </a:solidFill>
+        <a:latin typeface="+mn-lt"/>
+        <a:ea typeface="+mn-ea"/>
+        <a:cs typeface="+mn-cs"/>
+      </a:defRPr>
+    </a:lvl7pPr>
+    <a:lvl8pPr marL="3200400" algn="l" defTabSz="914400" rtl="0" eaLnBrk="1" latinLnBrk="0" hangingPunct="1">
+      <a:defRPr sz="1200" kern="1200">
+        <a:solidFill>
+          <a:schemeClr val="tx1"/>
+        </a:solidFill>
+        <a:latin typeface="+mn-lt"/>
+        <a:ea typeface="+mn-ea"/>
+        <a:cs typeface="+mn-cs"/>
+      </a:defRPr>
+    </a:lvl8pPr>
+    <a:lvl9pPr marL="3657600" algn="l" defTabSz="914400" rtl="0" eaLnBrk="1" latinLnBrk="0" hangingPunct="1">
+      <a:defRPr sz="1200" kern="1200">
+        <a:solidFill>
+          <a:schemeClr val="tx1"/>
+        </a:solidFill>
+        <a:latin typeface="+mn-lt"/>
+        <a:ea typeface="+mn-ea"/>
+        <a:cs typeface="+mn-cs"/>
+      </a:defRPr>
+    </a:lvl9pPr>
+  </p:notesStyle>
+</p:notesMaster>
+</file>
+
+<file path=ppt/notesSlides/notesSlide1.xml><?xml version="1.0" encoding="utf-8"?>
+<p:notes xmlns:a="http://schemas.openxmlformats.org/drawingml/2006/main" xmlns:r="http://schemas.openxmlformats.org/officeDocument/2006/relationships" xmlns:p="http://schemas.openxmlformats.org/presentationml/2006/main">
+  <p:cSld>
+    <p:spTree>
+      <p:nvGrpSpPr>
+        <p:cNvPr id="1" name=""/>
+        <p:cNvGrpSpPr/>
+        <p:nvPr/>
+      </p:nvGrpSpPr>
+      <p:grpSpPr>
+        <a:xfrm>
+          <a:off x="0" y="0"/>
+          <a:ext cx="0" cy="0"/>
+          <a:chOff x="0" y="0"/>
+          <a:chExt cx="0" cy="0"/>
+        </a:xfrm>
+      </p:grpSpPr>
+      <p:sp>
+        <p:nvSpPr>
+          <p:cNvPr id="2" name="Slide Image Placeholder 1"/>
+          <p:cNvSpPr>
+            <a:spLocks noGrp="1" noRot="1" noChangeAspect="1"/>
+          </p:cNvSpPr>
+          <p:nvPr>
+            <p:ph type="sldImg"/>
+          </p:nvPr>
+        </p:nvSpPr>
+        <p:spPr/>
+      </p:sp>
+      <p:sp>
+        <p:nvSpPr>
+          <p:cNvPr id="3" name="Notes Placeholder 2"/>
+          <p:cNvSpPr>
+            <a:spLocks noGrp="1"/>
+          </p:cNvSpPr>
+          <p:nvPr>
+            <p:ph type="body" idx="1"/>
+          </p:nvPr>
+        </p:nvSpPr>
+        <p:spPr/>
+        <p:txBody>
+          <a:bodyPr>
+            <a:normAutofit/>
+          </a:bodyPr>
+          <a:lstStyle/>
+          <a:p>
+            <a:endParaRPr lang="en-IN" dirty="0"/>
+          </a:p>
+        </p:txBody>
+      </p:sp>
+      <p:sp>
+        <p:nvSpPr>
+          <p:cNvPr id="4" name="Slide Number Placeholder 3"/>
+          <p:cNvSpPr>
+            <a:spLocks noGrp="1"/>
+          </p:cNvSpPr>
+          <p:nvPr>
+            <p:ph type="sldNum" sz="quarter" idx="10"/>
+          </p:nvPr>
+        </p:nvSpPr>
+        <p:spPr/>
+        <p:txBody>
+          <a:bodyPr/>
+          <a:lstStyle/>
+          <a:p>
+            <a:fld id="{C9236E78-45CE-48F6-ABE3-7B2C19E3EA7E}" type="slidenum">
+              <a:rPr lang="en-IN" smtClean="0"/>
+              <a:t>8</a:t>
+            </a:fld>
+            <a:endParaRPr lang="en-IN"/>
+          </a:p>
+        </p:txBody>
+      </p:sp>
+    </p:spTree>
+  </p:cSld>
+  <p:clrMapOvr>
+    <a:masterClrMapping/>
+  </p:clrMapOvr>
+</p:notes>
+</file>
+
 <file path=ppt/slideLayouts/slideLayout1.xml><?xml version="1.0" encoding="utf-8"?>
 <p:sldLayout xmlns:a="http://schemas.openxmlformats.org/drawingml/2006/main" xmlns:r="http://schemas.openxmlformats.org/officeDocument/2006/relationships" xmlns:p="http://schemas.openxmlformats.org/presentationml/2006/main" type="title" preserve="1">
   <p:cSld name="Title Slide">
@@ -302,9 +733,8 @@
           <a:bodyPr/>
           <a:lstStyle/>
           <a:p>
-            <a:fld id="{399BAB44-1D0E-4C39-A0D1-F3ADC7A21374}" type="datetimeFigureOut">
-              <a:rPr lang="en-US" smtClean="0"/>
-              <a:pPr/>
+            <a:fld id="{BD0AFEF7-3319-407A-95C5-AD41993346C6}" type="datetime1">
+              <a:rPr lang="en-US" smtClean="0"/>
               <a:t>1/19/2018</a:t>
             </a:fld>
             <a:endParaRPr lang="en-IN"/>
@@ -472,9 +902,8 @@
           <a:bodyPr/>
           <a:lstStyle/>
           <a:p>
-            <a:fld id="{399BAB44-1D0E-4C39-A0D1-F3ADC7A21374}" type="datetimeFigureOut">
-              <a:rPr lang="en-US" smtClean="0"/>
-              <a:pPr/>
+            <a:fld id="{B46A9CE4-CA11-4BCA-89C1-1D2953A28745}" type="datetime1">
+              <a:rPr lang="en-US" smtClean="0"/>
               <a:t>1/19/2018</a:t>
             </a:fld>
             <a:endParaRPr lang="en-IN"/>
@@ -652,9 +1081,8 @@
           <a:bodyPr/>
           <a:lstStyle/>
           <a:p>
-            <a:fld id="{399BAB44-1D0E-4C39-A0D1-F3ADC7A21374}" type="datetimeFigureOut">
-              <a:rPr lang="en-US" smtClean="0"/>
-              <a:pPr/>
+            <a:fld id="{10A78B6A-2252-446B-892E-F59D2A232950}" type="datetime1">
+              <a:rPr lang="en-US" smtClean="0"/>
               <a:t>1/19/2018</a:t>
             </a:fld>
             <a:endParaRPr lang="en-IN"/>
@@ -822,9 +1250,8 @@
           <a:bodyPr/>
           <a:lstStyle/>
           <a:p>
-            <a:fld id="{399BAB44-1D0E-4C39-A0D1-F3ADC7A21374}" type="datetimeFigureOut">
-              <a:rPr lang="en-US" smtClean="0"/>
-              <a:pPr/>
+            <a:fld id="{4F2F26B5-F710-420A-BA0B-BAB85524BAB1}" type="datetime1">
+              <a:rPr lang="en-US" smtClean="0"/>
               <a:t>1/19/2018</a:t>
             </a:fld>
             <a:endParaRPr lang="en-IN"/>
@@ -1068,9 +1495,8 @@
           <a:bodyPr/>
           <a:lstStyle/>
           <a:p>
-            <a:fld id="{399BAB44-1D0E-4C39-A0D1-F3ADC7A21374}" type="datetimeFigureOut">
-              <a:rPr lang="en-US" smtClean="0"/>
-              <a:pPr/>
+            <a:fld id="{FAC94E6D-E117-4F22-8941-746F114E969A}" type="datetime1">
+              <a:rPr lang="en-US" smtClean="0"/>
               <a:t>1/19/2018</a:t>
             </a:fld>
             <a:endParaRPr lang="en-IN"/>
@@ -1356,9 +1782,8 @@
           <a:bodyPr/>
           <a:lstStyle/>
           <a:p>
-            <a:fld id="{399BAB44-1D0E-4C39-A0D1-F3ADC7A21374}" type="datetimeFigureOut">
-              <a:rPr lang="en-US" smtClean="0"/>
-              <a:pPr/>
+            <a:fld id="{C1A08B55-8F00-4339-B1D3-CD44C9DEFAEF}" type="datetime1">
+              <a:rPr lang="en-US" smtClean="0"/>
               <a:t>1/19/2018</a:t>
             </a:fld>
             <a:endParaRPr lang="en-IN"/>
@@ -1778,9 +2203,8 @@
           <a:bodyPr/>
           <a:lstStyle/>
           <a:p>
-            <a:fld id="{399BAB44-1D0E-4C39-A0D1-F3ADC7A21374}" type="datetimeFigureOut">
-              <a:rPr lang="en-US" smtClean="0"/>
-              <a:pPr/>
+            <a:fld id="{474388DE-5997-4288-B776-D3204D2BA7C1}" type="datetime1">
+              <a:rPr lang="en-US" smtClean="0"/>
               <a:t>1/19/2018</a:t>
             </a:fld>
             <a:endParaRPr lang="en-IN"/>
@@ -1896,9 +2320,8 @@
           <a:bodyPr/>
           <a:lstStyle/>
           <a:p>
-            <a:fld id="{399BAB44-1D0E-4C39-A0D1-F3ADC7A21374}" type="datetimeFigureOut">
-              <a:rPr lang="en-US" smtClean="0"/>
-              <a:pPr/>
+            <a:fld id="{810A0912-86DE-40A7-BB26-FA736552E5D3}" type="datetime1">
+              <a:rPr lang="en-US" smtClean="0"/>
               <a:t>1/19/2018</a:t>
             </a:fld>
             <a:endParaRPr lang="en-IN"/>
@@ -1991,9 +2414,8 @@
           <a:bodyPr/>
           <a:lstStyle/>
           <a:p>
-            <a:fld id="{399BAB44-1D0E-4C39-A0D1-F3ADC7A21374}" type="datetimeFigureOut">
-              <a:rPr lang="en-US" smtClean="0"/>
-              <a:pPr/>
+            <a:fld id="{03C40EDB-F0DD-4835-88DD-5C436AC7DCD6}" type="datetime1">
+              <a:rPr lang="en-US" smtClean="0"/>
               <a:t>1/19/2018</a:t>
             </a:fld>
             <a:endParaRPr lang="en-IN"/>
@@ -2268,9 +2690,8 @@
           <a:bodyPr/>
           <a:lstStyle/>
           <a:p>
-            <a:fld id="{399BAB44-1D0E-4C39-A0D1-F3ADC7A21374}" type="datetimeFigureOut">
-              <a:rPr lang="en-US" smtClean="0"/>
-              <a:pPr/>
+            <a:fld id="{555A8E3D-FBE7-4907-AF96-D945EF7CB5D4}" type="datetime1">
+              <a:rPr lang="en-US" smtClean="0"/>
               <a:t>1/19/2018</a:t>
             </a:fld>
             <a:endParaRPr lang="en-IN"/>
@@ -2521,9 +2942,8 @@
           <a:bodyPr/>
           <a:lstStyle/>
           <a:p>
-            <a:fld id="{399BAB44-1D0E-4C39-A0D1-F3ADC7A21374}" type="datetimeFigureOut">
-              <a:rPr lang="en-US" smtClean="0"/>
-              <a:pPr/>
+            <a:fld id="{D90C18D7-8307-4759-977F-15D7E3A6E274}" type="datetime1">
+              <a:rPr lang="en-US" smtClean="0"/>
               <a:t>1/19/2018</a:t>
             </a:fld>
             <a:endParaRPr lang="en-IN"/>
@@ -2734,9 +3154,8 @@
             </a:lvl1pPr>
           </a:lstStyle>
           <a:p>
-            <a:fld id="{399BAB44-1D0E-4C39-A0D1-F3ADC7A21374}" type="datetimeFigureOut">
-              <a:rPr lang="en-US" smtClean="0"/>
-              <a:pPr/>
+            <a:fld id="{28571D32-21DD-4AC8-9B6C-8A1768543DF2}" type="datetime1">
+              <a:rPr lang="en-US" smtClean="0"/>
               <a:t>1/19/2018</a:t>
             </a:fld>
             <a:endParaRPr lang="en-IN"/>
@@ -2841,6 +3260,7 @@
   <p:transition>
     <p:wipe dir="d"/>
   </p:transition>
+  <p:hf hdr="0" ftr="0"/>
   <p:txStyles>
     <p:titleStyle>
       <a:lvl1pPr algn="ctr" defTabSz="914400" rtl="0" eaLnBrk="1" latinLnBrk="0" hangingPunct="1">
@@ -3138,7 +3558,21 @@
                 <a:latin typeface="Times New Roman" pitchFamily="18" charset="0"/>
                 <a:cs typeface="Times New Roman" pitchFamily="18" charset="0"/>
               </a:rPr>
-              <a:t>Customer Churn Prediction In Telecom Industry</a:t>
+              <a:t>Prediction of Customer </a:t>
+            </a:r>
+            <a:r>
+              <a:rPr lang="en-US" b="1" dirty="0" smtClean="0">
+                <a:latin typeface="Times New Roman" pitchFamily="18" charset="0"/>
+                <a:cs typeface="Times New Roman" pitchFamily="18" charset="0"/>
+              </a:rPr>
+              <a:t>Churning </a:t>
+            </a:r>
+            <a:r>
+              <a:rPr lang="en-US" b="1" dirty="0" smtClean="0">
+                <a:latin typeface="Times New Roman" pitchFamily="18" charset="0"/>
+                <a:cs typeface="Times New Roman" pitchFamily="18" charset="0"/>
+              </a:rPr>
+              <a:t>In Telecom Industry</a:t>
             </a:r>
             <a:endParaRPr lang="en-IN" dirty="0"/>
           </a:p>
@@ -3174,38 +3608,136 @@
           <a:p>
             <a:r>
               <a:rPr lang="en-US" dirty="0" smtClean="0"/>
-              <a:t>1.</a:t>
-            </a:r>
-          </a:p>
-          <a:p>
+              <a:t>1</a:t>
+            </a:r>
             <a:r>
               <a:rPr lang="en-US" dirty="0" smtClean="0"/>
-              <a:t>2.</a:t>
-            </a:r>
-          </a:p>
-          <a:p>
+              <a:t>. </a:t>
+            </a:r>
+            <a:r>
+              <a:rPr lang="en-US" dirty="0" err="1" smtClean="0"/>
+              <a:t>Sandipa</a:t>
+            </a:r>
             <a:r>
               <a:rPr lang="en-US" dirty="0" smtClean="0"/>
-              <a:t>3.</a:t>
-            </a:r>
+              <a:t> </a:t>
+            </a:r>
+            <a:r>
+              <a:rPr lang="en-US" dirty="0" err="1" smtClean="0"/>
+              <a:t>Bhowmick</a:t>
+            </a:r>
+            <a:endParaRPr lang="en-US" dirty="0" smtClean="0"/>
           </a:p>
           <a:p>
             <a:r>
               <a:rPr lang="en-US" dirty="0" smtClean="0"/>
-              <a:t>4.</a:t>
-            </a:r>
-          </a:p>
-          <a:p>
+              <a:t>2</a:t>
+            </a:r>
             <a:r>
               <a:rPr lang="en-US" dirty="0" smtClean="0"/>
-              <a:t>5.</a:t>
-            </a:r>
-          </a:p>
-          <a:p>
+              <a:t>. </a:t>
+            </a:r>
+            <a:r>
+              <a:rPr lang="en-US" dirty="0" err="1" smtClean="0"/>
+              <a:t>Sohom</a:t>
+            </a:r>
             <a:r>
               <a:rPr lang="en-US" dirty="0" smtClean="0"/>
-              <a:t>6.</a:t>
-            </a:r>
+              <a:t> </a:t>
+            </a:r>
+            <a:r>
+              <a:rPr lang="en-US" dirty="0" err="1" smtClean="0"/>
+              <a:t>Banerjee</a:t>
+            </a:r>
+            <a:endParaRPr lang="en-US" dirty="0" smtClean="0"/>
+          </a:p>
+          <a:p>
+            <a:r>
+              <a:rPr lang="en-US" dirty="0" smtClean="0"/>
+              <a:t>3</a:t>
+            </a:r>
+            <a:r>
+              <a:rPr lang="en-US" dirty="0" smtClean="0"/>
+              <a:t>. </a:t>
+            </a:r>
+            <a:r>
+              <a:rPr lang="en-US" dirty="0" err="1" smtClean="0"/>
+              <a:t>Soumita</a:t>
+            </a:r>
+            <a:r>
+              <a:rPr lang="en-US" dirty="0" smtClean="0"/>
+              <a:t> </a:t>
+            </a:r>
+            <a:r>
+              <a:rPr lang="en-US" dirty="0" err="1" smtClean="0"/>
+              <a:t>Dutta</a:t>
+            </a:r>
+            <a:endParaRPr lang="en-US" dirty="0" smtClean="0"/>
+          </a:p>
+          <a:p>
+            <a:r>
+              <a:rPr lang="en-US" dirty="0" smtClean="0"/>
+              <a:t>4</a:t>
+            </a:r>
+            <a:r>
+              <a:rPr lang="en-US" dirty="0" smtClean="0"/>
+              <a:t>. </a:t>
+            </a:r>
+            <a:r>
+              <a:rPr lang="en-US" dirty="0" err="1" smtClean="0"/>
+              <a:t>Souvik</a:t>
+            </a:r>
+            <a:r>
+              <a:rPr lang="en-US" dirty="0" smtClean="0"/>
+              <a:t> </a:t>
+            </a:r>
+            <a:r>
+              <a:rPr lang="en-US" dirty="0" err="1" smtClean="0"/>
+              <a:t>Datta</a:t>
+            </a:r>
+            <a:endParaRPr lang="en-US" dirty="0" smtClean="0"/>
+          </a:p>
+          <a:p>
+            <a:r>
+              <a:rPr lang="en-US" dirty="0" smtClean="0"/>
+              <a:t>5</a:t>
+            </a:r>
+            <a:r>
+              <a:rPr lang="en-US" dirty="0" smtClean="0"/>
+              <a:t>. </a:t>
+            </a:r>
+            <a:r>
+              <a:rPr lang="en-US" dirty="0" err="1" smtClean="0"/>
+              <a:t>Souvik</a:t>
+            </a:r>
+            <a:r>
+              <a:rPr lang="en-US" dirty="0" smtClean="0"/>
+              <a:t> </a:t>
+            </a:r>
+            <a:r>
+              <a:rPr lang="en-US" dirty="0" err="1" smtClean="0"/>
+              <a:t>Mitra</a:t>
+            </a:r>
+            <a:endParaRPr lang="en-US" dirty="0" smtClean="0"/>
+          </a:p>
+          <a:p>
+            <a:r>
+              <a:rPr lang="en-US" dirty="0" smtClean="0"/>
+              <a:t>6</a:t>
+            </a:r>
+            <a:r>
+              <a:rPr lang="en-US" dirty="0" smtClean="0"/>
+              <a:t>. </a:t>
+            </a:r>
+            <a:r>
+              <a:rPr lang="en-US" dirty="0" err="1" smtClean="0"/>
+              <a:t>Swarup</a:t>
+            </a:r>
+            <a:r>
+              <a:rPr lang="en-US" dirty="0" smtClean="0"/>
+              <a:t> Kumar Das</a:t>
+            </a:r>
+            <a:endParaRPr lang="en-US" dirty="0" smtClean="0"/>
           </a:p>
           <a:p>
             <a:endParaRPr lang="en-IN" dirty="0"/>
@@ -3319,6 +3851,53 @@
           <a:lstStyle/>
           <a:p>
             <a:pPr algn="ctr"/>
+            <a:endParaRPr lang="en-IN"/>
+          </a:p>
+        </p:txBody>
+      </p:sp>
+      <p:sp>
+        <p:nvSpPr>
+          <p:cNvPr id="6" name="Date Placeholder 5"/>
+          <p:cNvSpPr>
+            <a:spLocks noGrp="1"/>
+          </p:cNvSpPr>
+          <p:nvPr>
+            <p:ph type="dt" sz="half" idx="10"/>
+          </p:nvPr>
+        </p:nvSpPr>
+        <p:spPr/>
+        <p:txBody>
+          <a:bodyPr/>
+          <a:lstStyle/>
+          <a:p>
+            <a:fld id="{31797B57-5FDA-46CA-A9DC-1CFDBE1898E8}" type="datetime1">
+              <a:rPr lang="en-US" smtClean="0"/>
+              <a:t>1/19/2018</a:t>
+            </a:fld>
+            <a:endParaRPr lang="en-IN"/>
+          </a:p>
+        </p:txBody>
+      </p:sp>
+      <p:sp>
+        <p:nvSpPr>
+          <p:cNvPr id="7" name="Slide Number Placeholder 6"/>
+          <p:cNvSpPr>
+            <a:spLocks noGrp="1"/>
+          </p:cNvSpPr>
+          <p:nvPr>
+            <p:ph type="sldNum" sz="quarter" idx="12"/>
+          </p:nvPr>
+        </p:nvSpPr>
+        <p:spPr/>
+        <p:txBody>
+          <a:bodyPr/>
+          <a:lstStyle/>
+          <a:p>
+            <a:fld id="{5D58D9AF-4558-4E0A-A928-CE81B774F127}" type="slidenum">
+              <a:rPr lang="en-IN" smtClean="0"/>
+              <a:pPr/>
+              <a:t>1</a:t>
+            </a:fld>
             <a:endParaRPr lang="en-IN"/>
           </a:p>
         </p:txBody>
@@ -3637,6 +4216,53 @@
           </a:prstGeom>
         </p:spPr>
       </p:pic>
+      <p:sp>
+        <p:nvSpPr>
+          <p:cNvPr id="10" name="Date Placeholder 9"/>
+          <p:cNvSpPr>
+            <a:spLocks noGrp="1"/>
+          </p:cNvSpPr>
+          <p:nvPr>
+            <p:ph type="dt" sz="half" idx="10"/>
+          </p:nvPr>
+        </p:nvSpPr>
+        <p:spPr/>
+        <p:txBody>
+          <a:bodyPr/>
+          <a:lstStyle/>
+          <a:p>
+            <a:fld id="{A8E1570B-8F0F-42DB-BA1A-EE8F9565E3F7}" type="datetime1">
+              <a:rPr lang="en-US" smtClean="0"/>
+              <a:t>1/19/2018</a:t>
+            </a:fld>
+            <a:endParaRPr lang="en-IN"/>
+          </a:p>
+        </p:txBody>
+      </p:sp>
+      <p:sp>
+        <p:nvSpPr>
+          <p:cNvPr id="11" name="Slide Number Placeholder 10"/>
+          <p:cNvSpPr>
+            <a:spLocks noGrp="1"/>
+          </p:cNvSpPr>
+          <p:nvPr>
+            <p:ph type="sldNum" sz="quarter" idx="12"/>
+          </p:nvPr>
+        </p:nvSpPr>
+        <p:spPr/>
+        <p:txBody>
+          <a:bodyPr/>
+          <a:lstStyle/>
+          <a:p>
+            <a:fld id="{5D58D9AF-4558-4E0A-A928-CE81B774F127}" type="slidenum">
+              <a:rPr lang="en-IN" smtClean="0"/>
+              <a:pPr/>
+              <a:t>10</a:t>
+            </a:fld>
+            <a:endParaRPr lang="en-IN"/>
+          </a:p>
+        </p:txBody>
+      </p:sp>
     </p:spTree>
   </p:cSld>
   <p:clrMapOvr>
@@ -3692,9 +4318,13 @@
             <a:pPr algn="l"/>
             <a:r>
               <a:rPr lang="en-US" sz="3600" b="1" dirty="0" smtClean="0"/>
-              <a:t>KNN(Creating Python Code)  contd..</a:t>
-            </a:r>
-            <a:endParaRPr lang="en-IN" sz="3600" b="1" dirty="0"/>
+              <a:t>KNN </a:t>
+            </a:r>
+            <a:r>
+              <a:rPr lang="en-US" sz="3600" b="1" dirty="0" smtClean="0"/>
+              <a:t>Algorithm</a:t>
+            </a:r>
+            <a:endParaRPr lang="en-IN" sz="3600" dirty="0"/>
           </a:p>
         </p:txBody>
       </p:sp>
@@ -3708,28 +4338,182 @@
             <p:ph idx="1"/>
           </p:nvPr>
         </p:nvSpPr>
-        <p:spPr/>
+        <p:spPr>
+          <a:xfrm>
+            <a:off x="457200" y="1600200"/>
+            <a:ext cx="8229600" cy="4781128"/>
+          </a:xfrm>
+        </p:spPr>
         <p:txBody>
           <a:bodyPr/>
           <a:lstStyle/>
           <a:p>
             <a:pPr>
+              <a:buFont typeface="Wingdings" pitchFamily="2" charset="2"/>
+              <a:buChar char="q"/>
+            </a:pPr>
+            <a:r>
+              <a:rPr lang="en-US" b="1" dirty="0" smtClean="0"/>
+              <a:t>Steps:-</a:t>
+            </a:r>
+          </a:p>
+          <a:p>
+            <a:pPr lvl="1" fontAlgn="base">
+              <a:buFont typeface="Courier New" pitchFamily="49" charset="0"/>
+              <a:buChar char="o"/>
+            </a:pPr>
+            <a:r>
+              <a:rPr lang="en-IN" sz="1600" b="1" dirty="0" smtClean="0"/>
+              <a:t>Handle</a:t>
+            </a:r>
+            <a:r>
+              <a:rPr lang="en-IN" sz="1600" dirty="0" smtClean="0"/>
+              <a:t> </a:t>
+            </a:r>
+            <a:r>
+              <a:rPr lang="en-IN" sz="1600" b="1" dirty="0" smtClean="0"/>
+              <a:t>Data</a:t>
+            </a:r>
+            <a:r>
+              <a:rPr lang="en-IN" sz="1600" dirty="0" smtClean="0"/>
+              <a:t>: Open the dataset from CSV and split into test/train datasets.</a:t>
+            </a:r>
+          </a:p>
+          <a:p>
+            <a:pPr lvl="1" fontAlgn="base">
+              <a:buFont typeface="Courier New" pitchFamily="49" charset="0"/>
+              <a:buChar char="o"/>
+            </a:pPr>
+            <a:r>
+              <a:rPr lang="en-IN" sz="1600" b="1" dirty="0" smtClean="0"/>
+              <a:t>Similarity</a:t>
+            </a:r>
+            <a:r>
+              <a:rPr lang="en-IN" sz="1600" dirty="0" smtClean="0"/>
+              <a:t>: Calculate the distance between two data instances.</a:t>
+            </a:r>
+          </a:p>
+          <a:p>
+            <a:pPr lvl="1" fontAlgn="base">
+              <a:buFont typeface="Courier New" pitchFamily="49" charset="0"/>
+              <a:buChar char="o"/>
+            </a:pPr>
+            <a:r>
+              <a:rPr lang="en-IN" sz="1600" b="1" dirty="0" err="1" smtClean="0"/>
+              <a:t>Neighbors</a:t>
+            </a:r>
+            <a:r>
+              <a:rPr lang="en-IN" sz="1600" dirty="0" smtClean="0"/>
+              <a:t>: Locate k most similar data instances.</a:t>
+            </a:r>
+          </a:p>
+          <a:p>
+            <a:pPr lvl="1" fontAlgn="base">
+              <a:buFont typeface="Courier New" pitchFamily="49" charset="0"/>
+              <a:buChar char="o"/>
+            </a:pPr>
+            <a:r>
+              <a:rPr lang="en-IN" sz="1600" b="1" dirty="0" smtClean="0"/>
+              <a:t>Predict:</a:t>
+            </a:r>
+            <a:r>
+              <a:rPr lang="en-IN" sz="1600" dirty="0" smtClean="0"/>
+              <a:t> Generate a response from a set of data instances.</a:t>
+            </a:r>
+          </a:p>
+          <a:p>
+            <a:pPr lvl="1" fontAlgn="base">
+              <a:buFont typeface="Courier New" pitchFamily="49" charset="0"/>
+              <a:buChar char="o"/>
+            </a:pPr>
+            <a:r>
+              <a:rPr lang="en-IN" sz="1600" b="1" dirty="0" smtClean="0"/>
+              <a:t>Confusion Matrix</a:t>
+            </a:r>
+            <a:r>
+              <a:rPr lang="en-IN" sz="1600" dirty="0" smtClean="0"/>
+              <a:t>: Compute confusion matrix to evaluate the accuracy of a classification</a:t>
+            </a:r>
+          </a:p>
+          <a:p>
+            <a:pPr lvl="1" fontAlgn="base">
+              <a:buFont typeface="Courier New" pitchFamily="49" charset="0"/>
+              <a:buChar char="o"/>
+            </a:pPr>
+            <a:r>
+              <a:rPr lang="en-IN" sz="1600" b="1" dirty="0" smtClean="0"/>
+              <a:t>Accuracy</a:t>
+            </a:r>
+            <a:r>
+              <a:rPr lang="en-IN" sz="1600" dirty="0" smtClean="0"/>
+              <a:t>: Summarize the accuracy of predictions.</a:t>
+            </a:r>
+          </a:p>
+          <a:p>
+            <a:pPr>
               <a:buNone/>
             </a:pPr>
             <a:endParaRPr lang="en-IN" dirty="0"/>
+          </a:p>
+        </p:txBody>
+      </p:sp>
+      <p:sp>
+        <p:nvSpPr>
+          <p:cNvPr id="4" name="Date Placeholder 3"/>
+          <p:cNvSpPr>
+            <a:spLocks noGrp="1"/>
+          </p:cNvSpPr>
+          <p:nvPr>
+            <p:ph type="dt" sz="half" idx="10"/>
+          </p:nvPr>
+        </p:nvSpPr>
+        <p:spPr/>
+        <p:txBody>
+          <a:bodyPr/>
+          <a:lstStyle/>
+          <a:p>
+            <a:fld id="{4F2F26B5-F710-420A-BA0B-BAB85524BAB1}" type="datetime1">
+              <a:rPr lang="en-US" smtClean="0"/>
+              <a:t>1/19/2018</a:t>
+            </a:fld>
+            <a:endParaRPr lang="en-IN"/>
+          </a:p>
+        </p:txBody>
+      </p:sp>
+      <p:sp>
+        <p:nvSpPr>
+          <p:cNvPr id="5" name="Slide Number Placeholder 4"/>
+          <p:cNvSpPr>
+            <a:spLocks noGrp="1"/>
+          </p:cNvSpPr>
+          <p:nvPr>
+            <p:ph type="sldNum" sz="quarter" idx="12"/>
+          </p:nvPr>
+        </p:nvSpPr>
+        <p:spPr/>
+        <p:txBody>
+          <a:bodyPr/>
+          <a:lstStyle/>
+          <a:p>
+            <a:fld id="{5D58D9AF-4558-4E0A-A928-CE81B774F127}" type="slidenum">
+              <a:rPr lang="en-IN" smtClean="0"/>
+              <a:pPr/>
+              <a:t>11</a:t>
+            </a:fld>
+            <a:endParaRPr lang="en-IN"/>
           </a:p>
         </p:txBody>
       </p:sp>
       <p:cxnSp>
         <p:nvCxnSpPr>
-          <p:cNvPr id="5" name="Straight Connector 4"/>
+          <p:cNvPr id="9" name="Straight Connector 8"/>
           <p:cNvCxnSpPr/>
           <p:nvPr/>
         </p:nvCxnSpPr>
         <p:spPr>
           <a:xfrm>
-            <a:off x="500034" y="1142984"/>
-            <a:ext cx="8143932" cy="1588"/>
+            <a:off x="467544" y="1196752"/>
+            <a:ext cx="8208912" cy="0"/>
           </a:xfrm>
           <a:prstGeom prst="line">
             <a:avLst/>
@@ -3755,6 +4539,30 @@
           </a:fontRef>
         </p:style>
       </p:cxnSp>
+      <p:pic>
+        <p:nvPicPr>
+          <p:cNvPr id="10" name="Picture 9" descr="2.JPG"/>
+          <p:cNvPicPr>
+            <a:picLocks noChangeAspect="1"/>
+          </p:cNvPicPr>
+          <p:nvPr/>
+        </p:nvPicPr>
+        <p:blipFill>
+          <a:blip r:embed="rId2" cstate="print"/>
+          <a:stretch>
+            <a:fillRect/>
+          </a:stretch>
+        </p:blipFill>
+        <p:spPr>
+          <a:xfrm>
+            <a:off x="3131840" y="4488014"/>
+            <a:ext cx="3240360" cy="1821306"/>
+          </a:xfrm>
+          <a:prstGeom prst="rect">
+            <a:avLst/>
+          </a:prstGeom>
+        </p:spPr>
+      </p:pic>
     </p:spTree>
   </p:cSld>
   <p:clrMapOvr>
@@ -3858,17 +4666,12 @@
             </a:pPr>
             <a:r>
               <a:rPr lang="en-US" sz="2000" u="sng" dirty="0" smtClean="0"/>
-              <a:t>Confusion </a:t>
-            </a:r>
-            <a:r>
-              <a:rPr lang="en-US" sz="2000" u="sng" smtClean="0"/>
-              <a:t>Matrix</a:t>
-            </a:r>
-            <a:r>
-              <a:rPr lang="en-US" sz="2000" smtClean="0"/>
+              <a:t>Confusion Matrix</a:t>
+            </a:r>
+            <a:r>
+              <a:rPr lang="en-US" sz="2000" dirty="0" smtClean="0"/>
               <a:t>:</a:t>
             </a:r>
-            <a:endParaRPr lang="en-US" sz="2000" dirty="0" smtClean="0"/>
           </a:p>
           <a:p>
             <a:pPr>
@@ -4110,6 +4913,53 @@
           </a:p>
         </p:txBody>
       </p:sp>
+      <p:sp>
+        <p:nvSpPr>
+          <p:cNvPr id="10" name="Date Placeholder 9"/>
+          <p:cNvSpPr>
+            <a:spLocks noGrp="1"/>
+          </p:cNvSpPr>
+          <p:nvPr>
+            <p:ph type="dt" sz="half" idx="10"/>
+          </p:nvPr>
+        </p:nvSpPr>
+        <p:spPr/>
+        <p:txBody>
+          <a:bodyPr/>
+          <a:lstStyle/>
+          <a:p>
+            <a:fld id="{FAE28742-D507-4271-A973-95602BB021FA}" type="datetime1">
+              <a:rPr lang="en-US" smtClean="0"/>
+              <a:t>1/19/2018</a:t>
+            </a:fld>
+            <a:endParaRPr lang="en-IN"/>
+          </a:p>
+        </p:txBody>
+      </p:sp>
+      <p:sp>
+        <p:nvSpPr>
+          <p:cNvPr id="11" name="Slide Number Placeholder 10"/>
+          <p:cNvSpPr>
+            <a:spLocks noGrp="1"/>
+          </p:cNvSpPr>
+          <p:nvPr>
+            <p:ph type="sldNum" sz="quarter" idx="12"/>
+          </p:nvPr>
+        </p:nvSpPr>
+        <p:spPr/>
+        <p:txBody>
+          <a:bodyPr/>
+          <a:lstStyle/>
+          <a:p>
+            <a:fld id="{5D58D9AF-4558-4E0A-A928-CE81B774F127}" type="slidenum">
+              <a:rPr lang="en-IN" smtClean="0"/>
+              <a:pPr/>
+              <a:t>12</a:t>
+            </a:fld>
+            <a:endParaRPr lang="en-IN"/>
+          </a:p>
+        </p:txBody>
+      </p:sp>
     </p:spTree>
   </p:cSld>
   <p:clrMapOvr>
@@ -4403,6 +5253,53 @@
           </a:p>
         </p:txBody>
       </p:sp>
+      <p:sp>
+        <p:nvSpPr>
+          <p:cNvPr id="11" name="Date Placeholder 10"/>
+          <p:cNvSpPr>
+            <a:spLocks noGrp="1"/>
+          </p:cNvSpPr>
+          <p:nvPr>
+            <p:ph type="dt" sz="half" idx="10"/>
+          </p:nvPr>
+        </p:nvSpPr>
+        <p:spPr/>
+        <p:txBody>
+          <a:bodyPr/>
+          <a:lstStyle/>
+          <a:p>
+            <a:fld id="{5CAF68EB-4A27-45BA-A4BF-36EB753465E6}" type="datetime1">
+              <a:rPr lang="en-US" smtClean="0"/>
+              <a:t>1/19/2018</a:t>
+            </a:fld>
+            <a:endParaRPr lang="en-IN"/>
+          </a:p>
+        </p:txBody>
+      </p:sp>
+      <p:sp>
+        <p:nvSpPr>
+          <p:cNvPr id="12" name="Slide Number Placeholder 11"/>
+          <p:cNvSpPr>
+            <a:spLocks noGrp="1"/>
+          </p:cNvSpPr>
+          <p:nvPr>
+            <p:ph type="sldNum" sz="quarter" idx="12"/>
+          </p:nvPr>
+        </p:nvSpPr>
+        <p:spPr/>
+        <p:txBody>
+          <a:bodyPr/>
+          <a:lstStyle/>
+          <a:p>
+            <a:fld id="{5D58D9AF-4558-4E0A-A928-CE81B774F127}" type="slidenum">
+              <a:rPr lang="en-IN" smtClean="0"/>
+              <a:pPr/>
+              <a:t>13</a:t>
+            </a:fld>
+            <a:endParaRPr lang="en-IN"/>
+          </a:p>
+        </p:txBody>
+      </p:sp>
     </p:spTree>
   </p:cSld>
   <p:clrMapOvr>
@@ -4533,6 +5430,53 @@
           </a:fontRef>
         </p:style>
       </p:cxnSp>
+      <p:sp>
+        <p:nvSpPr>
+          <p:cNvPr id="6" name="Date Placeholder 5"/>
+          <p:cNvSpPr>
+            <a:spLocks noGrp="1"/>
+          </p:cNvSpPr>
+          <p:nvPr>
+            <p:ph type="dt" sz="half" idx="10"/>
+          </p:nvPr>
+        </p:nvSpPr>
+        <p:spPr/>
+        <p:txBody>
+          <a:bodyPr/>
+          <a:lstStyle/>
+          <a:p>
+            <a:fld id="{56B504D5-C299-47F5-A5FE-24D900F83764}" type="datetime1">
+              <a:rPr lang="en-US" smtClean="0"/>
+              <a:t>1/19/2018</a:t>
+            </a:fld>
+            <a:endParaRPr lang="en-IN"/>
+          </a:p>
+        </p:txBody>
+      </p:sp>
+      <p:sp>
+        <p:nvSpPr>
+          <p:cNvPr id="7" name="Slide Number Placeholder 6"/>
+          <p:cNvSpPr>
+            <a:spLocks noGrp="1"/>
+          </p:cNvSpPr>
+          <p:nvPr>
+            <p:ph type="sldNum" sz="quarter" idx="12"/>
+          </p:nvPr>
+        </p:nvSpPr>
+        <p:spPr/>
+        <p:txBody>
+          <a:bodyPr/>
+          <a:lstStyle/>
+          <a:p>
+            <a:fld id="{5D58D9AF-4558-4E0A-A928-CE81B774F127}" type="slidenum">
+              <a:rPr lang="en-IN" smtClean="0"/>
+              <a:pPr/>
+              <a:t>14</a:t>
+            </a:fld>
+            <a:endParaRPr lang="en-IN"/>
+          </a:p>
+        </p:txBody>
+      </p:sp>
     </p:spTree>
   </p:cSld>
   <p:clrMapOvr>
@@ -4762,6 +5706,53 @@
           </a:fontRef>
         </p:style>
       </p:cxnSp>
+      <p:sp>
+        <p:nvSpPr>
+          <p:cNvPr id="6" name="Date Placeholder 5"/>
+          <p:cNvSpPr>
+            <a:spLocks noGrp="1"/>
+          </p:cNvSpPr>
+          <p:nvPr>
+            <p:ph type="dt" sz="half" idx="10"/>
+          </p:nvPr>
+        </p:nvSpPr>
+        <p:spPr/>
+        <p:txBody>
+          <a:bodyPr/>
+          <a:lstStyle/>
+          <a:p>
+            <a:fld id="{A56BA8E3-A8D0-4940-8D3E-116892F5B2C8}" type="datetime1">
+              <a:rPr lang="en-US" smtClean="0"/>
+              <a:t>1/19/2018</a:t>
+            </a:fld>
+            <a:endParaRPr lang="en-IN"/>
+          </a:p>
+        </p:txBody>
+      </p:sp>
+      <p:sp>
+        <p:nvSpPr>
+          <p:cNvPr id="7" name="Slide Number Placeholder 6"/>
+          <p:cNvSpPr>
+            <a:spLocks noGrp="1"/>
+          </p:cNvSpPr>
+          <p:nvPr>
+            <p:ph type="sldNum" sz="quarter" idx="12"/>
+          </p:nvPr>
+        </p:nvSpPr>
+        <p:spPr/>
+        <p:txBody>
+          <a:bodyPr/>
+          <a:lstStyle/>
+          <a:p>
+            <a:fld id="{5D58D9AF-4558-4E0A-A928-CE81B774F127}" type="slidenum">
+              <a:rPr lang="en-IN" smtClean="0"/>
+              <a:pPr/>
+              <a:t>15</a:t>
+            </a:fld>
+            <a:endParaRPr lang="en-IN"/>
+          </a:p>
+        </p:txBody>
+      </p:sp>
     </p:spTree>
   </p:cSld>
   <p:clrMapOvr>
@@ -4903,6 +5894,53 @@
           </a:fontRef>
         </p:style>
       </p:cxnSp>
+      <p:sp>
+        <p:nvSpPr>
+          <p:cNvPr id="6" name="Date Placeholder 5"/>
+          <p:cNvSpPr>
+            <a:spLocks noGrp="1"/>
+          </p:cNvSpPr>
+          <p:nvPr>
+            <p:ph type="dt" sz="half" idx="10"/>
+          </p:nvPr>
+        </p:nvSpPr>
+        <p:spPr/>
+        <p:txBody>
+          <a:bodyPr/>
+          <a:lstStyle/>
+          <a:p>
+            <a:fld id="{59723C9C-2DC8-4520-B919-FD6F5127F6A9}" type="datetime1">
+              <a:rPr lang="en-US" smtClean="0"/>
+              <a:t>1/19/2018</a:t>
+            </a:fld>
+            <a:endParaRPr lang="en-IN"/>
+          </a:p>
+        </p:txBody>
+      </p:sp>
+      <p:sp>
+        <p:nvSpPr>
+          <p:cNvPr id="7" name="Slide Number Placeholder 6"/>
+          <p:cNvSpPr>
+            <a:spLocks noGrp="1"/>
+          </p:cNvSpPr>
+          <p:nvPr>
+            <p:ph type="sldNum" sz="quarter" idx="12"/>
+          </p:nvPr>
+        </p:nvSpPr>
+        <p:spPr/>
+        <p:txBody>
+          <a:bodyPr/>
+          <a:lstStyle/>
+          <a:p>
+            <a:fld id="{5D58D9AF-4558-4E0A-A928-CE81B774F127}" type="slidenum">
+              <a:rPr lang="en-IN" smtClean="0"/>
+              <a:pPr/>
+              <a:t>16</a:t>
+            </a:fld>
+            <a:endParaRPr lang="en-IN"/>
+          </a:p>
+        </p:txBody>
+      </p:sp>
     </p:spTree>
   </p:cSld>
   <p:clrMapOvr>
@@ -4969,6 +6007,53 @@
           </a:p>
         </p:txBody>
       </p:sp>
+      <p:sp>
+        <p:nvSpPr>
+          <p:cNvPr id="3" name="Date Placeholder 2"/>
+          <p:cNvSpPr>
+            <a:spLocks noGrp="1"/>
+          </p:cNvSpPr>
+          <p:nvPr>
+            <p:ph type="dt" sz="half" idx="10"/>
+          </p:nvPr>
+        </p:nvSpPr>
+        <p:spPr/>
+        <p:txBody>
+          <a:bodyPr/>
+          <a:lstStyle/>
+          <a:p>
+            <a:fld id="{FF4AEDB3-71D3-43CD-A499-B90B92A6DB5E}" type="datetime1">
+              <a:rPr lang="en-US" smtClean="0"/>
+              <a:t>1/19/2018</a:t>
+            </a:fld>
+            <a:endParaRPr lang="en-IN"/>
+          </a:p>
+        </p:txBody>
+      </p:sp>
+      <p:sp>
+        <p:nvSpPr>
+          <p:cNvPr id="4" name="Slide Number Placeholder 3"/>
+          <p:cNvSpPr>
+            <a:spLocks noGrp="1"/>
+          </p:cNvSpPr>
+          <p:nvPr>
+            <p:ph type="sldNum" sz="quarter" idx="12"/>
+          </p:nvPr>
+        </p:nvSpPr>
+        <p:spPr/>
+        <p:txBody>
+          <a:bodyPr/>
+          <a:lstStyle/>
+          <a:p>
+            <a:fld id="{5D58D9AF-4558-4E0A-A928-CE81B774F127}" type="slidenum">
+              <a:rPr lang="en-IN" smtClean="0"/>
+              <a:pPr/>
+              <a:t>17</a:t>
+            </a:fld>
+            <a:endParaRPr lang="en-IN"/>
+          </a:p>
+        </p:txBody>
+      </p:sp>
     </p:spTree>
   </p:cSld>
   <p:clrMapOvr>
@@ -5131,6 +6216,14 @@
               <a:rPr lang="en-US" sz="2000" dirty="0" err="1" smtClean="0"/>
               <a:t>Bayes</a:t>
             </a:r>
+            <a:r>
+              <a:rPr lang="en-US" sz="2000" dirty="0" smtClean="0"/>
+              <a:t> </a:t>
+            </a:r>
+            <a:r>
+              <a:rPr lang="en-US" sz="2000" dirty="0" smtClean="0"/>
+              <a:t>Classification</a:t>
+            </a:r>
             <a:endParaRPr lang="en-US" sz="2000" dirty="0" smtClean="0"/>
           </a:p>
           <a:p>
@@ -5143,8 +6236,9 @@
             </a:pPr>
             <a:r>
               <a:rPr lang="en-US" sz="2000" dirty="0" smtClean="0"/>
-              <a:t>K-fold</a:t>
-            </a:r>
+              <a:t>K-fold Cross validation</a:t>
+            </a:r>
+            <a:endParaRPr lang="en-US" sz="2000" dirty="0" smtClean="0"/>
           </a:p>
           <a:p>
             <a:pPr marL="971550" lvl="1" indent="-514350">
@@ -5156,8 +6250,9 @@
             </a:pPr>
             <a:r>
               <a:rPr lang="en-US" sz="2000" dirty="0" smtClean="0"/>
-              <a:t>KNN</a:t>
-            </a:r>
+              <a:t>K Nearest Neighbors</a:t>
+            </a:r>
+            <a:endParaRPr lang="en-US" sz="2000" dirty="0" smtClean="0"/>
           </a:p>
           <a:p>
             <a:pPr marL="971550" lvl="1" indent="-514350">
@@ -5171,6 +6266,24 @@
               <a:rPr lang="en-US" sz="2000" dirty="0" smtClean="0"/>
               <a:t>Random Forest </a:t>
             </a:r>
+            <a:r>
+              <a:rPr lang="en-US" sz="2000" dirty="0" smtClean="0"/>
+              <a:t>Classification</a:t>
+            </a:r>
+          </a:p>
+          <a:p>
+            <a:pPr marL="971550" lvl="1" indent="-514350">
+              <a:lnSpc>
+                <a:spcPct val="90000"/>
+              </a:lnSpc>
+              <a:buFont typeface="Impact" pitchFamily="34" charset="0"/>
+              <a:buAutoNum type="arabicPeriod"/>
+            </a:pPr>
+            <a:r>
+              <a:rPr lang="en-US" sz="2000" dirty="0" smtClean="0"/>
+              <a:t>KNN Algorithm</a:t>
+            </a:r>
+            <a:endParaRPr lang="en-US" sz="2000" dirty="0" smtClean="0"/>
           </a:p>
           <a:p>
             <a:pPr marL="971550" lvl="1" indent="-514350">
@@ -5249,6 +6362,53 @@
           </a:fontRef>
         </p:style>
       </p:cxnSp>
+      <p:sp>
+        <p:nvSpPr>
+          <p:cNvPr id="6" name="Date Placeholder 5"/>
+          <p:cNvSpPr>
+            <a:spLocks noGrp="1"/>
+          </p:cNvSpPr>
+          <p:nvPr>
+            <p:ph type="dt" sz="half" idx="10"/>
+          </p:nvPr>
+        </p:nvSpPr>
+        <p:spPr/>
+        <p:txBody>
+          <a:bodyPr/>
+          <a:lstStyle/>
+          <a:p>
+            <a:fld id="{CDC86CDD-086F-4C97-AB9D-E198DA7D3B72}" type="datetime1">
+              <a:rPr lang="en-US" smtClean="0"/>
+              <a:t>1/19/2018</a:t>
+            </a:fld>
+            <a:endParaRPr lang="en-IN"/>
+          </a:p>
+        </p:txBody>
+      </p:sp>
+      <p:sp>
+        <p:nvSpPr>
+          <p:cNvPr id="7" name="Slide Number Placeholder 6"/>
+          <p:cNvSpPr>
+            <a:spLocks noGrp="1"/>
+          </p:cNvSpPr>
+          <p:nvPr>
+            <p:ph type="sldNum" sz="quarter" idx="12"/>
+          </p:nvPr>
+        </p:nvSpPr>
+        <p:spPr/>
+        <p:txBody>
+          <a:bodyPr/>
+          <a:lstStyle/>
+          <a:p>
+            <a:fld id="{5D58D9AF-4558-4E0A-A928-CE81B774F127}" type="slidenum">
+              <a:rPr lang="en-IN" smtClean="0"/>
+              <a:pPr/>
+              <a:t>2</a:t>
+            </a:fld>
+            <a:endParaRPr lang="en-IN"/>
+          </a:p>
+        </p:txBody>
+      </p:sp>
     </p:spTree>
   </p:cSld>
   <p:clrMapOvr>
@@ -5438,6 +6598,53 @@
           </a:fontRef>
         </p:style>
       </p:cxnSp>
+      <p:sp>
+        <p:nvSpPr>
+          <p:cNvPr id="6" name="Date Placeholder 5"/>
+          <p:cNvSpPr>
+            <a:spLocks noGrp="1"/>
+          </p:cNvSpPr>
+          <p:nvPr>
+            <p:ph type="dt" sz="half" idx="10"/>
+          </p:nvPr>
+        </p:nvSpPr>
+        <p:spPr/>
+        <p:txBody>
+          <a:bodyPr/>
+          <a:lstStyle/>
+          <a:p>
+            <a:fld id="{31718EDC-B7F5-4DDE-B84A-D4C0A3B72478}" type="datetime1">
+              <a:rPr lang="en-US" smtClean="0"/>
+              <a:t>1/19/2018</a:t>
+            </a:fld>
+            <a:endParaRPr lang="en-IN"/>
+          </a:p>
+        </p:txBody>
+      </p:sp>
+      <p:sp>
+        <p:nvSpPr>
+          <p:cNvPr id="7" name="Slide Number Placeholder 6"/>
+          <p:cNvSpPr>
+            <a:spLocks noGrp="1"/>
+          </p:cNvSpPr>
+          <p:nvPr>
+            <p:ph type="sldNum" sz="quarter" idx="12"/>
+          </p:nvPr>
+        </p:nvSpPr>
+        <p:spPr/>
+        <p:txBody>
+          <a:bodyPr/>
+          <a:lstStyle/>
+          <a:p>
+            <a:fld id="{5D58D9AF-4558-4E0A-A928-CE81B774F127}" type="slidenum">
+              <a:rPr lang="en-IN" smtClean="0"/>
+              <a:pPr/>
+              <a:t>3</a:t>
+            </a:fld>
+            <a:endParaRPr lang="en-IN"/>
+          </a:p>
+        </p:txBody>
+      </p:sp>
     </p:spTree>
   </p:cSld>
   <p:clrMapOvr>
@@ -5604,8 +6811,13 @@
             </a:pPr>
             <a:r>
               <a:rPr lang="en-US" dirty="0" smtClean="0"/>
-              <a:t>-  SVM</a:t>
-            </a:r>
+              <a:t>-  </a:t>
+            </a:r>
+            <a:r>
+              <a:rPr lang="en-US" dirty="0" smtClean="0"/>
+              <a:t>SVM (Support Vector Machine)</a:t>
+            </a:r>
+            <a:endParaRPr lang="en-US" dirty="0" smtClean="0"/>
           </a:p>
           <a:p>
             <a:pPr lvl="1">
@@ -5775,7 +6987,11 @@
             </a:pPr>
             <a:r>
               <a:rPr lang="en-US" dirty="0" smtClean="0"/>
-              <a:t>- SVD</a:t>
+              <a:t>- </a:t>
+            </a:r>
+            <a:r>
+              <a:rPr lang="en-US" dirty="0" smtClean="0"/>
+              <a:t>SVD (Singular Value Decomposition)</a:t>
             </a:r>
             <a:endParaRPr lang="en-IN" dirty="0"/>
           </a:p>
@@ -5851,6 +7067,53 @@
           </a:fontRef>
         </p:style>
       </p:cxnSp>
+      <p:sp>
+        <p:nvSpPr>
+          <p:cNvPr id="9" name="Date Placeholder 8"/>
+          <p:cNvSpPr>
+            <a:spLocks noGrp="1"/>
+          </p:cNvSpPr>
+          <p:nvPr>
+            <p:ph type="dt" sz="half" idx="10"/>
+          </p:nvPr>
+        </p:nvSpPr>
+        <p:spPr/>
+        <p:txBody>
+          <a:bodyPr/>
+          <a:lstStyle/>
+          <a:p>
+            <a:fld id="{A3815F1C-67E9-4777-9DB0-67C4699F9571}" type="datetime1">
+              <a:rPr lang="en-US" smtClean="0"/>
+              <a:t>1/19/2018</a:t>
+            </a:fld>
+            <a:endParaRPr lang="en-IN"/>
+          </a:p>
+        </p:txBody>
+      </p:sp>
+      <p:sp>
+        <p:nvSpPr>
+          <p:cNvPr id="11" name="Slide Number Placeholder 10"/>
+          <p:cNvSpPr>
+            <a:spLocks noGrp="1"/>
+          </p:cNvSpPr>
+          <p:nvPr>
+            <p:ph type="sldNum" sz="quarter" idx="12"/>
+          </p:nvPr>
+        </p:nvSpPr>
+        <p:spPr/>
+        <p:txBody>
+          <a:bodyPr/>
+          <a:lstStyle/>
+          <a:p>
+            <a:fld id="{5D58D9AF-4558-4E0A-A928-CE81B774F127}" type="slidenum">
+              <a:rPr lang="en-IN" smtClean="0"/>
+              <a:pPr/>
+              <a:t>4</a:t>
+            </a:fld>
+            <a:endParaRPr lang="en-IN"/>
+          </a:p>
+        </p:txBody>
+      </p:sp>
     </p:spTree>
   </p:cSld>
   <p:clrMapOvr>
@@ -5925,7 +7188,12 @@
             <p:ph idx="1"/>
           </p:nvPr>
         </p:nvSpPr>
-        <p:spPr/>
+        <p:spPr>
+          <a:xfrm>
+            <a:off x="457200" y="1600200"/>
+            <a:ext cx="8229600" cy="4853136"/>
+          </a:xfrm>
+        </p:spPr>
         <p:txBody>
           <a:bodyPr>
             <a:normAutofit fontScale="85000" lnSpcReduction="20000"/>
@@ -6009,6 +7277,9 @@
           </a:p>
           <a:p>
             <a:pPr lvl="1">
+              <a:lnSpc>
+                <a:spcPct val="160000"/>
+              </a:lnSpc>
               <a:buNone/>
             </a:pPr>
             <a:r>
@@ -6073,6 +7344,53 @@
           </a:fontRef>
         </p:style>
       </p:cxnSp>
+      <p:sp>
+        <p:nvSpPr>
+          <p:cNvPr id="6" name="Date Placeholder 5"/>
+          <p:cNvSpPr>
+            <a:spLocks noGrp="1"/>
+          </p:cNvSpPr>
+          <p:nvPr>
+            <p:ph type="dt" sz="half" idx="10"/>
+          </p:nvPr>
+        </p:nvSpPr>
+        <p:spPr/>
+        <p:txBody>
+          <a:bodyPr/>
+          <a:lstStyle/>
+          <a:p>
+            <a:fld id="{33C772F1-BB7F-4DA9-B57F-B6936D4BFD61}" type="datetime1">
+              <a:rPr lang="en-US" smtClean="0"/>
+              <a:t>1/19/2018</a:t>
+            </a:fld>
+            <a:endParaRPr lang="en-IN"/>
+          </a:p>
+        </p:txBody>
+      </p:sp>
+      <p:sp>
+        <p:nvSpPr>
+          <p:cNvPr id="7" name="Slide Number Placeholder 6"/>
+          <p:cNvSpPr>
+            <a:spLocks noGrp="1"/>
+          </p:cNvSpPr>
+          <p:nvPr>
+            <p:ph type="sldNum" sz="quarter" idx="12"/>
+          </p:nvPr>
+        </p:nvSpPr>
+        <p:spPr/>
+        <p:txBody>
+          <a:bodyPr/>
+          <a:lstStyle/>
+          <a:p>
+            <a:fld id="{5D58D9AF-4558-4E0A-A928-CE81B774F127}" type="slidenum">
+              <a:rPr lang="en-IN" smtClean="0"/>
+              <a:pPr/>
+              <a:t>5</a:t>
+            </a:fld>
+            <a:endParaRPr lang="en-IN"/>
+          </a:p>
+        </p:txBody>
+      </p:sp>
     </p:spTree>
   </p:cSld>
   <p:clrMapOvr>
@@ -6223,6 +7541,53 @@
           </a:p>
         </p:txBody>
       </p:sp>
+      <p:sp>
+        <p:nvSpPr>
+          <p:cNvPr id="8" name="Date Placeholder 7"/>
+          <p:cNvSpPr>
+            <a:spLocks noGrp="1"/>
+          </p:cNvSpPr>
+          <p:nvPr>
+            <p:ph type="dt" sz="half" idx="10"/>
+          </p:nvPr>
+        </p:nvSpPr>
+        <p:spPr/>
+        <p:txBody>
+          <a:bodyPr/>
+          <a:lstStyle/>
+          <a:p>
+            <a:fld id="{2FE17802-CD93-413F-8F86-CB058E1CAC30}" type="datetime1">
+              <a:rPr lang="en-US" smtClean="0"/>
+              <a:t>1/19/2018</a:t>
+            </a:fld>
+            <a:endParaRPr lang="en-IN"/>
+          </a:p>
+        </p:txBody>
+      </p:sp>
+      <p:sp>
+        <p:nvSpPr>
+          <p:cNvPr id="9" name="Slide Number Placeholder 8"/>
+          <p:cNvSpPr>
+            <a:spLocks noGrp="1"/>
+          </p:cNvSpPr>
+          <p:nvPr>
+            <p:ph type="sldNum" sz="quarter" idx="12"/>
+          </p:nvPr>
+        </p:nvSpPr>
+        <p:spPr/>
+        <p:txBody>
+          <a:bodyPr/>
+          <a:lstStyle/>
+          <a:p>
+            <a:fld id="{5D58D9AF-4558-4E0A-A928-CE81B774F127}" type="slidenum">
+              <a:rPr lang="en-IN" smtClean="0"/>
+              <a:pPr/>
+              <a:t>6</a:t>
+            </a:fld>
+            <a:endParaRPr lang="en-IN"/>
+          </a:p>
+        </p:txBody>
+      </p:sp>
     </p:spTree>
   </p:cSld>
   <p:clrMapOvr>
@@ -6298,11 +7663,35 @@
           <a:lstStyle/>
           <a:p>
             <a:pPr lvl="1">
+              <a:lnSpc>
+                <a:spcPct val="150000"/>
+              </a:lnSpc>
               <a:buFont typeface="Wingdings" pitchFamily="2" charset="2"/>
               <a:buChar char="Ø"/>
             </a:pPr>
             <a:r>
               <a:rPr lang="en-US" dirty="0" smtClean="0"/>
+              <a:t> </a:t>
+            </a:r>
+            <a:r>
+              <a:rPr lang="en-US" dirty="0" smtClean="0"/>
+              <a:t>K- </a:t>
+            </a:r>
+            <a:r>
+              <a:rPr lang="en-US" dirty="0" smtClean="0"/>
+              <a:t>fold Cross Validation</a:t>
+            </a:r>
+          </a:p>
+          <a:p>
+            <a:pPr lvl="1">
+              <a:lnSpc>
+                <a:spcPct val="150000"/>
+              </a:lnSpc>
+              <a:buFont typeface="Wingdings" pitchFamily="2" charset="2"/>
+              <a:buChar char="Ø"/>
+            </a:pPr>
+            <a:r>
+              <a:rPr lang="en-US" dirty="0" smtClean="0"/>
               <a:t> Naive </a:t>
             </a:r>
             <a:r>
@@ -6313,6 +7702,9 @@
           </a:p>
           <a:p>
             <a:pPr lvl="1">
+              <a:lnSpc>
+                <a:spcPct val="150000"/>
+              </a:lnSpc>
               <a:buFont typeface="Wingdings" pitchFamily="2" charset="2"/>
               <a:buChar char="Ø"/>
             </a:pPr>
@@ -6322,31 +7714,25 @@
             </a:r>
             <a:r>
               <a:rPr lang="en-US" dirty="0" smtClean="0"/>
-              <a:t>K- fold</a:t>
-            </a:r>
+              <a:t>K Nearest Neighbors</a:t>
+            </a:r>
+            <a:endParaRPr lang="en-US" dirty="0" smtClean="0"/>
           </a:p>
           <a:p>
             <a:pPr lvl="1">
+              <a:lnSpc>
+                <a:spcPct val="150000"/>
+              </a:lnSpc>
               <a:buFont typeface="Wingdings" pitchFamily="2" charset="2"/>
               <a:buChar char="Ø"/>
             </a:pPr>
             <a:r>
-              <a:rPr lang="en-US" dirty="0"/>
-              <a:t> </a:t>
-            </a:r>
-            <a:r>
               <a:rPr lang="en-US" dirty="0" smtClean="0"/>
-              <a:t>KNN</a:t>
-            </a:r>
-          </a:p>
-          <a:p>
-            <a:pPr lvl="1">
-              <a:buFont typeface="Wingdings" pitchFamily="2" charset="2"/>
-              <a:buChar char="Ø"/>
-            </a:pPr>
+              <a:t> Random </a:t>
+            </a:r>
             <a:r>
               <a:rPr lang="en-US" dirty="0" smtClean="0"/>
-              <a:t> Random forest</a:t>
+              <a:t>forest Classifier </a:t>
             </a:r>
             <a:endParaRPr lang="en-IN" dirty="0"/>
           </a:p>
@@ -6387,6 +7773,53 @@
           </a:fontRef>
         </p:style>
       </p:cxnSp>
+      <p:sp>
+        <p:nvSpPr>
+          <p:cNvPr id="6" name="Date Placeholder 5"/>
+          <p:cNvSpPr>
+            <a:spLocks noGrp="1"/>
+          </p:cNvSpPr>
+          <p:nvPr>
+            <p:ph type="dt" sz="half" idx="10"/>
+          </p:nvPr>
+        </p:nvSpPr>
+        <p:spPr/>
+        <p:txBody>
+          <a:bodyPr/>
+          <a:lstStyle/>
+          <a:p>
+            <a:fld id="{26B8036B-A58C-4E7E-8923-68EB7A4BEDAC}" type="datetime1">
+              <a:rPr lang="en-US" smtClean="0"/>
+              <a:t>1/19/2018</a:t>
+            </a:fld>
+            <a:endParaRPr lang="en-IN"/>
+          </a:p>
+        </p:txBody>
+      </p:sp>
+      <p:sp>
+        <p:nvSpPr>
+          <p:cNvPr id="7" name="Slide Number Placeholder 6"/>
+          <p:cNvSpPr>
+            <a:spLocks noGrp="1"/>
+          </p:cNvSpPr>
+          <p:nvPr>
+            <p:ph type="sldNum" sz="quarter" idx="12"/>
+          </p:nvPr>
+        </p:nvSpPr>
+        <p:spPr/>
+        <p:txBody>
+          <a:bodyPr/>
+          <a:lstStyle/>
+          <a:p>
+            <a:fld id="{5D58D9AF-4558-4E0A-A928-CE81B774F127}" type="slidenum">
+              <a:rPr lang="en-IN" smtClean="0"/>
+              <a:pPr/>
+              <a:t>7</a:t>
+            </a:fld>
+            <a:endParaRPr lang="en-IN"/>
+          </a:p>
+        </p:txBody>
+      </p:sp>
     </p:spTree>
   </p:cSld>
   <p:clrMapOvr>
@@ -6406,6 +7839,390 @@
 </file>
 
 <file path=ppt/slides/slide8.xml><?xml version="1.0" encoding="utf-8"?>
+<p:sld xmlns:a="http://schemas.openxmlformats.org/drawingml/2006/main" xmlns:r="http://schemas.openxmlformats.org/officeDocument/2006/relationships" xmlns:p="http://schemas.openxmlformats.org/presentationml/2006/main">
+  <p:cSld>
+    <p:spTree>
+      <p:nvGrpSpPr>
+        <p:cNvPr id="1" name=""/>
+        <p:cNvGrpSpPr/>
+        <p:nvPr/>
+      </p:nvGrpSpPr>
+      <p:grpSpPr>
+        <a:xfrm>
+          <a:off x="0" y="0"/>
+          <a:ext cx="0" cy="0"/>
+          <a:chOff x="0" y="0"/>
+          <a:chExt cx="0" cy="0"/>
+        </a:xfrm>
+      </p:grpSpPr>
+      <p:sp>
+        <p:nvSpPr>
+          <p:cNvPr id="2" name="Title 1"/>
+          <p:cNvSpPr>
+            <a:spLocks noGrp="1"/>
+          </p:cNvSpPr>
+          <p:nvPr>
+            <p:ph type="title"/>
+          </p:nvPr>
+        </p:nvSpPr>
+        <p:spPr/>
+        <p:txBody>
+          <a:bodyPr/>
+          <a:lstStyle/>
+          <a:p>
+            <a:pPr algn="l"/>
+            <a:r>
+              <a:rPr lang="en-US" dirty="0" smtClean="0"/>
+              <a:t>K-fold</a:t>
+            </a:r>
+            <a:endParaRPr lang="en-IN" dirty="0"/>
+          </a:p>
+        </p:txBody>
+      </p:sp>
+      <p:sp>
+        <p:nvSpPr>
+          <p:cNvPr id="3" name="Content Placeholder 2"/>
+          <p:cNvSpPr>
+            <a:spLocks noGrp="1"/>
+          </p:cNvSpPr>
+          <p:nvPr>
+            <p:ph idx="1"/>
+          </p:nvPr>
+        </p:nvSpPr>
+        <p:spPr>
+          <a:xfrm>
+            <a:off x="457200" y="1600200"/>
+            <a:ext cx="8229600" cy="4972072"/>
+          </a:xfrm>
+        </p:spPr>
+        <p:txBody>
+          <a:bodyPr/>
+          <a:lstStyle/>
+          <a:p>
+            <a:pPr>
+              <a:buNone/>
+            </a:pPr>
+            <a:r>
+              <a:rPr lang="en-IN" dirty="0" smtClean="0"/>
+              <a:t>   </a:t>
+            </a:r>
+            <a:r>
+              <a:rPr lang="en-IN" sz="2000" dirty="0" smtClean="0"/>
+              <a:t>K-Folds </a:t>
+            </a:r>
+            <a:r>
+              <a:rPr lang="en-IN" sz="2000" dirty="0" smtClean="0"/>
+              <a:t>cross-validation method </a:t>
+            </a:r>
+            <a:r>
+              <a:rPr lang="en-IN" sz="2000" dirty="0" smtClean="0"/>
+              <a:t>provides train/test indices to split data in train/test sets. </a:t>
+            </a:r>
+            <a:r>
+              <a:rPr lang="en-IN" sz="2000" dirty="0" smtClean="0"/>
+              <a:t>It splits </a:t>
+            </a:r>
+            <a:r>
+              <a:rPr lang="en-IN" sz="2000" dirty="0" smtClean="0"/>
+              <a:t>dataset into k consecutive folds.</a:t>
+            </a:r>
+            <a:endParaRPr lang="en-IN" dirty="0" smtClean="0"/>
+          </a:p>
+          <a:p>
+            <a:pPr>
+              <a:buNone/>
+            </a:pPr>
+            <a:endParaRPr lang="en-US" sz="2000" dirty="0" smtClean="0"/>
+          </a:p>
+          <a:p>
+            <a:pPr>
+              <a:buNone/>
+            </a:pPr>
+            <a:endParaRPr lang="en-US" sz="2000" dirty="0" smtClean="0"/>
+          </a:p>
+          <a:p>
+            <a:pPr>
+              <a:buNone/>
+            </a:pPr>
+            <a:r>
+              <a:rPr lang="en-US" sz="2000" dirty="0" smtClean="0"/>
+              <a:t>Code:</a:t>
+            </a:r>
+            <a:endParaRPr lang="en-US" sz="2000" dirty="0" smtClean="0"/>
+          </a:p>
+          <a:p>
+            <a:pPr>
+              <a:buNone/>
+            </a:pPr>
+            <a:endParaRPr lang="en-US" sz="2000" b="1" dirty="0" smtClean="0"/>
+          </a:p>
+          <a:p>
+            <a:pPr>
+              <a:buNone/>
+            </a:pPr>
+            <a:endParaRPr lang="en-US" sz="2000" b="1" dirty="0" smtClean="0"/>
+          </a:p>
+          <a:p>
+            <a:pPr>
+              <a:buNone/>
+            </a:pPr>
+            <a:r>
+              <a:rPr lang="en-US" sz="2000" b="1" u="sng" dirty="0" smtClean="0"/>
+              <a:t>Advantages</a:t>
+            </a:r>
+            <a:r>
+              <a:rPr lang="en-US" sz="2000" b="1" dirty="0" smtClean="0"/>
+              <a:t>:</a:t>
+            </a:r>
+          </a:p>
+          <a:p>
+            <a:pPr lvl="1">
+              <a:buFont typeface="Wingdings" pitchFamily="2" charset="2"/>
+              <a:buChar char="§"/>
+            </a:pPr>
+            <a:r>
+              <a:rPr lang="en-US" sz="1600" dirty="0" smtClean="0"/>
+              <a:t>In this method the dataset can be partitioned into separate train and test set </a:t>
+            </a:r>
+            <a:r>
+              <a:rPr lang="en-IN" sz="1600" dirty="0" smtClean="0"/>
+              <a:t> without losing significant modelling or testing capability.</a:t>
+            </a:r>
+            <a:r>
+              <a:rPr lang="en-US" sz="1600" dirty="0" smtClean="0"/>
+              <a:t> </a:t>
+            </a:r>
+          </a:p>
+          <a:p>
+            <a:pPr lvl="1">
+              <a:buFont typeface="Wingdings" pitchFamily="2" charset="2"/>
+              <a:buChar char="§"/>
+            </a:pPr>
+            <a:r>
+              <a:rPr lang="en-US" sz="1600" dirty="0" smtClean="0"/>
+              <a:t>Less Noise</a:t>
+            </a:r>
+          </a:p>
+          <a:p>
+            <a:pPr>
+              <a:buNone/>
+            </a:pPr>
+            <a:r>
+              <a:rPr lang="en-US" sz="2000" b="1" u="sng" dirty="0" smtClean="0"/>
+              <a:t>Disadvantages:</a:t>
+            </a:r>
+            <a:endParaRPr lang="en-US" sz="2000" b="1" u="sng" dirty="0" smtClean="0"/>
+          </a:p>
+          <a:p>
+            <a:pPr lvl="1">
+              <a:buFont typeface="Wingdings" pitchFamily="2" charset="2"/>
+              <a:buChar char="§"/>
+            </a:pPr>
+            <a:r>
+              <a:rPr lang="en-US" sz="1600" dirty="0" smtClean="0"/>
+              <a:t>Computationally expensive</a:t>
+            </a:r>
+          </a:p>
+          <a:p>
+            <a:pPr lvl="1">
+              <a:buFont typeface="Wingdings" pitchFamily="2" charset="2"/>
+              <a:buChar char="§"/>
+            </a:pPr>
+            <a:r>
+              <a:rPr lang="en-IN" sz="1600" dirty="0" smtClean="0"/>
+              <a:t>It </a:t>
+            </a:r>
+            <a:r>
+              <a:rPr lang="en-IN" sz="1600" dirty="0" smtClean="0"/>
+              <a:t>represents a biased model.</a:t>
+            </a:r>
+            <a:endParaRPr lang="en-US" sz="1600" dirty="0" smtClean="0"/>
+          </a:p>
+          <a:p>
+            <a:pPr>
+              <a:buNone/>
+            </a:pPr>
+            <a:endParaRPr lang="en-US" sz="2000" b="1" dirty="0" smtClean="0"/>
+          </a:p>
+          <a:p>
+            <a:pPr>
+              <a:buNone/>
+            </a:pPr>
+            <a:endParaRPr lang="en-US" sz="2000" b="1" dirty="0" smtClean="0"/>
+          </a:p>
+          <a:p>
+            <a:pPr>
+              <a:buNone/>
+            </a:pPr>
+            <a:endParaRPr lang="en-US" sz="2000" b="1" dirty="0" smtClean="0"/>
+          </a:p>
+        </p:txBody>
+      </p:sp>
+      <p:cxnSp>
+        <p:nvCxnSpPr>
+          <p:cNvPr id="5" name="Straight Connector 4"/>
+          <p:cNvCxnSpPr/>
+          <p:nvPr/>
+        </p:nvCxnSpPr>
+        <p:spPr>
+          <a:xfrm>
+            <a:off x="500034" y="1142984"/>
+            <a:ext cx="8143932" cy="1588"/>
+          </a:xfrm>
+          <a:prstGeom prst="line">
+            <a:avLst/>
+          </a:prstGeom>
+          <a:ln>
+            <a:solidFill>
+              <a:schemeClr val="tx1"/>
+            </a:solidFill>
+          </a:ln>
+        </p:spPr>
+        <p:style>
+          <a:lnRef idx="1">
+            <a:schemeClr val="accent1"/>
+          </a:lnRef>
+          <a:fillRef idx="0">
+            <a:schemeClr val="accent1"/>
+          </a:fillRef>
+          <a:effectRef idx="0">
+            <a:schemeClr val="accent1"/>
+          </a:effectRef>
+          <a:fontRef idx="minor">
+            <a:schemeClr val="tx1"/>
+          </a:fontRef>
+        </p:style>
+      </p:cxnSp>
+      <p:pic>
+        <p:nvPicPr>
+          <p:cNvPr id="6" name="Picture 5" descr="1.JPG"/>
+          <p:cNvPicPr>
+            <a:picLocks noChangeAspect="1"/>
+          </p:cNvPicPr>
+          <p:nvPr/>
+        </p:nvPicPr>
+        <p:blipFill>
+          <a:blip r:embed="rId3" cstate="print"/>
+          <a:stretch>
+            <a:fillRect/>
+          </a:stretch>
+        </p:blipFill>
+        <p:spPr>
+          <a:xfrm>
+            <a:off x="2123728" y="2780928"/>
+            <a:ext cx="6048101" cy="1368152"/>
+          </a:xfrm>
+          <a:prstGeom prst="rect">
+            <a:avLst/>
+          </a:prstGeom>
+        </p:spPr>
+      </p:pic>
+      <p:sp>
+        <p:nvSpPr>
+          <p:cNvPr id="7" name="Right Arrow 6"/>
+          <p:cNvSpPr/>
+          <p:nvPr/>
+        </p:nvSpPr>
+        <p:spPr>
+          <a:xfrm>
+            <a:off x="1259632" y="3356992"/>
+            <a:ext cx="360040" cy="144016"/>
+          </a:xfrm>
+          <a:prstGeom prst="rightArrow">
+            <a:avLst/>
+          </a:prstGeom>
+        </p:spPr>
+        <p:style>
+          <a:lnRef idx="2">
+            <a:schemeClr val="accent1">
+              <a:shade val="50000"/>
+            </a:schemeClr>
+          </a:lnRef>
+          <a:fillRef idx="1">
+            <a:schemeClr val="accent1"/>
+          </a:fillRef>
+          <a:effectRef idx="0">
+            <a:schemeClr val="accent1"/>
+          </a:effectRef>
+          <a:fontRef idx="minor">
+            <a:schemeClr val="lt1"/>
+          </a:fontRef>
+        </p:style>
+        <p:txBody>
+          <a:bodyPr rtlCol="0" anchor="ctr"/>
+          <a:lstStyle/>
+          <a:p>
+            <a:pPr algn="ctr"/>
+            <a:endParaRPr lang="en-IN"/>
+          </a:p>
+        </p:txBody>
+      </p:sp>
+      <p:sp>
+        <p:nvSpPr>
+          <p:cNvPr id="8" name="Date Placeholder 7"/>
+          <p:cNvSpPr>
+            <a:spLocks noGrp="1"/>
+          </p:cNvSpPr>
+          <p:nvPr>
+            <p:ph type="dt" sz="half" idx="10"/>
+          </p:nvPr>
+        </p:nvSpPr>
+        <p:spPr/>
+        <p:txBody>
+          <a:bodyPr/>
+          <a:lstStyle/>
+          <a:p>
+            <a:fld id="{0ADEF219-FEFF-4044-8444-7D086B515177}" type="datetime1">
+              <a:rPr lang="en-US" smtClean="0"/>
+              <a:t>1/19/2018</a:t>
+            </a:fld>
+            <a:endParaRPr lang="en-IN"/>
+          </a:p>
+        </p:txBody>
+      </p:sp>
+      <p:sp>
+        <p:nvSpPr>
+          <p:cNvPr id="9" name="Slide Number Placeholder 8"/>
+          <p:cNvSpPr>
+            <a:spLocks noGrp="1"/>
+          </p:cNvSpPr>
+          <p:nvPr>
+            <p:ph type="sldNum" sz="quarter" idx="12"/>
+          </p:nvPr>
+        </p:nvSpPr>
+        <p:spPr/>
+        <p:txBody>
+          <a:bodyPr/>
+          <a:lstStyle/>
+          <a:p>
+            <a:fld id="{5D58D9AF-4558-4E0A-A928-CE81B774F127}" type="slidenum">
+              <a:rPr lang="en-IN" smtClean="0"/>
+              <a:pPr/>
+              <a:t>8</a:t>
+            </a:fld>
+            <a:endParaRPr lang="en-IN"/>
+          </a:p>
+        </p:txBody>
+      </p:sp>
+    </p:spTree>
+  </p:cSld>
+  <p:clrMapOvr>
+    <a:masterClrMapping/>
+  </p:clrMapOvr>
+  <p:transition>
+    <p:wipe dir="d"/>
+  </p:transition>
+  <p:timing>
+    <p:tnLst>
+      <p:par>
+        <p:cTn id="1" dur="indefinite" restart="never" nodeType="tmRoot"/>
+      </p:par>
+    </p:tnLst>
+  </p:timing>
+</p:sld>
+</file>
+
+<file path=ppt/slides/slide9.xml><?xml version="1.0" encoding="utf-8"?>
 <p:sld xmlns:a="http://schemas.openxmlformats.org/drawingml/2006/main" xmlns:r="http://schemas.openxmlformats.org/officeDocument/2006/relationships" xmlns:p="http://schemas.openxmlformats.org/presentationml/2006/main">
   <p:cSld>
     <p:spTree>
@@ -6787,173 +8604,53 @@
           </a:p>
         </p:txBody>
       </p:sp>
-    </p:spTree>
-  </p:cSld>
-  <p:clrMapOvr>
-    <a:masterClrMapping/>
-  </p:clrMapOvr>
-  <p:transition>
-    <p:wipe dir="d"/>
-  </p:transition>
-  <p:timing>
-    <p:tnLst>
-      <p:par>
-        <p:cTn id="1" dur="indefinite" restart="never" nodeType="tmRoot"/>
-      </p:par>
-    </p:tnLst>
-  </p:timing>
-</p:sld>
-</file>
-
-<file path=ppt/slides/slide9.xml><?xml version="1.0" encoding="utf-8"?>
-<p:sld xmlns:a="http://schemas.openxmlformats.org/drawingml/2006/main" xmlns:r="http://schemas.openxmlformats.org/officeDocument/2006/relationships" xmlns:p="http://schemas.openxmlformats.org/presentationml/2006/main">
-  <p:cSld>
-    <p:spTree>
-      <p:nvGrpSpPr>
-        <p:cNvPr id="1" name=""/>
-        <p:cNvGrpSpPr/>
-        <p:nvPr/>
-      </p:nvGrpSpPr>
-      <p:grpSpPr>
-        <a:xfrm>
-          <a:off x="0" y="0"/>
-          <a:ext cx="0" cy="0"/>
-          <a:chOff x="0" y="0"/>
-          <a:chExt cx="0" cy="0"/>
-        </a:xfrm>
-      </p:grpSpPr>
-      <p:sp>
-        <p:nvSpPr>
-          <p:cNvPr id="2" name="Title 1"/>
-          <p:cNvSpPr>
-            <a:spLocks noGrp="1"/>
-          </p:cNvSpPr>
-          <p:nvPr>
-            <p:ph type="title"/>
-          </p:nvPr>
-        </p:nvSpPr>
-        <p:spPr/>
-        <p:txBody>
-          <a:bodyPr/>
-          <a:lstStyle/>
-          <a:p>
-            <a:pPr algn="l"/>
-            <a:r>
-              <a:rPr lang="en-US" dirty="0" smtClean="0"/>
-              <a:t>K-fold</a:t>
-            </a:r>
-            <a:endParaRPr lang="en-IN" dirty="0"/>
-          </a:p>
-        </p:txBody>
-      </p:sp>
-      <p:sp>
-        <p:nvSpPr>
-          <p:cNvPr id="3" name="Content Placeholder 2"/>
-          <p:cNvSpPr>
-            <a:spLocks noGrp="1"/>
-          </p:cNvSpPr>
-          <p:nvPr>
-            <p:ph idx="1"/>
-          </p:nvPr>
-        </p:nvSpPr>
-        <p:spPr>
-          <a:xfrm>
-            <a:off x="457200" y="1600200"/>
-            <a:ext cx="8229600" cy="4972072"/>
-          </a:xfrm>
-        </p:spPr>
-        <p:txBody>
-          <a:bodyPr/>
-          <a:lstStyle/>
-          <a:p>
-            <a:pPr>
-              <a:buNone/>
-            </a:pPr>
-            <a:r>
-              <a:rPr lang="en-IN" dirty="0" smtClean="0"/>
-              <a:t>   </a:t>
-            </a:r>
-            <a:r>
-              <a:rPr lang="en-IN" sz="2000" dirty="0" smtClean="0"/>
-              <a:t>K-Folds cross-</a:t>
-            </a:r>
-            <a:r>
-              <a:rPr lang="en-IN" sz="2000" dirty="0" err="1" smtClean="0"/>
-              <a:t>validator</a:t>
-            </a:r>
-            <a:r>
-              <a:rPr lang="en-IN" sz="2000" dirty="0" smtClean="0"/>
-              <a:t> provides train/test indices to split data in train/test sets. Split dataset into k consecutive folds.</a:t>
-            </a:r>
-            <a:endParaRPr lang="en-IN" dirty="0" smtClean="0"/>
-          </a:p>
-          <a:p>
-            <a:pPr>
-              <a:buNone/>
-            </a:pPr>
-            <a:endParaRPr lang="en-US" sz="2000" dirty="0" smtClean="0"/>
-          </a:p>
-          <a:p>
-            <a:pPr>
-              <a:buNone/>
-            </a:pPr>
-            <a:endParaRPr lang="en-US" sz="2000" b="1" dirty="0" smtClean="0"/>
-          </a:p>
-          <a:p>
-            <a:pPr>
-              <a:buNone/>
-            </a:pPr>
-            <a:endParaRPr lang="en-US" sz="2000" b="1" dirty="0" smtClean="0"/>
-          </a:p>
-          <a:p>
-            <a:pPr>
-              <a:buNone/>
-            </a:pPr>
-            <a:endParaRPr lang="en-US" sz="2000" b="1" dirty="0" smtClean="0"/>
-          </a:p>
-          <a:p>
-            <a:pPr>
-              <a:buNone/>
-            </a:pPr>
-            <a:endParaRPr lang="en-US" sz="2000" b="1" dirty="0" smtClean="0"/>
-          </a:p>
-        </p:txBody>
-      </p:sp>
-      <p:cxnSp>
-        <p:nvCxnSpPr>
-          <p:cNvPr id="5" name="Straight Connector 4"/>
-          <p:cNvCxnSpPr/>
-          <p:nvPr/>
-        </p:nvCxnSpPr>
-        <p:spPr>
-          <a:xfrm>
-            <a:off x="500034" y="1142984"/>
-            <a:ext cx="8143932" cy="1588"/>
-          </a:xfrm>
-          <a:prstGeom prst="line">
-            <a:avLst/>
-          </a:prstGeom>
-          <a:ln>
-            <a:solidFill>
-              <a:schemeClr val="tx1"/>
-            </a:solidFill>
-          </a:ln>
-        </p:spPr>
-        <p:style>
-          <a:lnRef idx="1">
-            <a:schemeClr val="accent1"/>
-          </a:lnRef>
-          <a:fillRef idx="0">
-            <a:schemeClr val="accent1"/>
-          </a:fillRef>
-          <a:effectRef idx="0">
-            <a:schemeClr val="accent1"/>
-          </a:effectRef>
-          <a:fontRef idx="minor">
-            <a:schemeClr val="tx1"/>
-          </a:fontRef>
-        </p:style>
-      </p:cxnSp>
+      <p:sp>
+        <p:nvSpPr>
+          <p:cNvPr id="12" name="Date Placeholder 11"/>
+          <p:cNvSpPr>
+            <a:spLocks noGrp="1"/>
+          </p:cNvSpPr>
+          <p:nvPr>
+            <p:ph type="dt" sz="half" idx="10"/>
+          </p:nvPr>
+        </p:nvSpPr>
+        <p:spPr/>
+        <p:txBody>
+          <a:bodyPr/>
+          <a:lstStyle/>
+          <a:p>
+            <a:fld id="{190E4137-7CF4-40DF-B3A4-3686C2D7344B}" type="datetime1">
+              <a:rPr lang="en-US" smtClean="0"/>
+              <a:t>1/19/2018</a:t>
+            </a:fld>
+            <a:endParaRPr lang="en-IN"/>
+          </a:p>
+        </p:txBody>
+      </p:sp>
+      <p:sp>
+        <p:nvSpPr>
+          <p:cNvPr id="13" name="Slide Number Placeholder 12"/>
+          <p:cNvSpPr>
+            <a:spLocks noGrp="1"/>
+          </p:cNvSpPr>
+          <p:nvPr>
+            <p:ph type="sldNum" sz="quarter" idx="12"/>
+          </p:nvPr>
+        </p:nvSpPr>
+        <p:spPr/>
+        <p:txBody>
+          <a:bodyPr/>
+          <a:lstStyle/>
+          <a:p>
+            <a:fld id="{5D58D9AF-4558-4E0A-A928-CE81B774F127}" type="slidenum">
+              <a:rPr lang="en-IN" smtClean="0"/>
+              <a:pPr/>
+              <a:t>9</a:t>
+            </a:fld>
+            <a:endParaRPr lang="en-IN"/>
+          </a:p>
+        </p:txBody>
+      </p:sp>
     </p:spTree>
   </p:cSld>
   <p:clrMapOvr>
@@ -7279,4 +8976,287 @@
   </a:objectDefaults>
   <a:extraClrSchemeLst/>
 </a:theme>
+</file>
+
+<file path=ppt/theme/theme2.xml><?xml version="1.0" encoding="utf-8"?>
+<a:theme xmlns:a="http://schemas.openxmlformats.org/drawingml/2006/main" name="Office Theme">
+  <a:themeElements>
+    <a:clrScheme name="Office">
+      <a:dk1>
+        <a:sysClr val="windowText" lastClr="000000"/>
+      </a:dk1>
+      <a:lt1>
+        <a:sysClr val="window" lastClr="FFFFFF"/>
+      </a:lt1>
+      <a:dk2>
+        <a:srgbClr val="1F497D"/>
+      </a:dk2>
+      <a:lt2>
+        <a:srgbClr val="EEECE1"/>
+      </a:lt2>
+      <a:accent1>
+        <a:srgbClr val="4F81BD"/>
+      </a:accent1>
+      <a:accent2>
+        <a:srgbClr val="C0504D"/>
+      </a:accent2>
+      <a:accent3>
+        <a:srgbClr val="9BBB59"/>
+      </a:accent3>
+      <a:accent4>
+        <a:srgbClr val="8064A2"/>
+      </a:accent4>
+      <a:accent5>
+        <a:srgbClr val="4BACC6"/>
+      </a:accent5>
+      <a:accent6>
+        <a:srgbClr val="F79646"/>
+      </a:accent6>
+      <a:hlink>
+        <a:srgbClr val="0000FF"/>
+      </a:hlink>
+      <a:folHlink>
+        <a:srgbClr val="800080"/>
+      </a:folHlink>
+    </a:clrScheme>
+    <a:fontScheme name="Office">
+      <a:majorFont>
+        <a:latin typeface="Calibri"/>
+        <a:ea typeface=""/>
+        <a:cs typeface=""/>
+        <a:font script="Jpan" typeface="ＭＳ Ｐゴシック"/>
+        <a:font script="Hang" typeface="맑은 고딕"/>
+        <a:font script="Hans" typeface="宋体"/>
+        <a:font script="Hant" typeface="新細明體"/>
+        <a:font script="Arab" typeface="Times New Roman"/>
+        <a:font script="Hebr" typeface="Times New Roman"/>
+        <a:font script="Thai" typeface="Angsana New"/>
+        <a:font script="Ethi" typeface="Nyala"/>
+        <a:font script="Beng" typeface="Vrinda"/>
+        <a:font script="Gujr" typeface="Shruti"/>
+        <a:font script="Khmr" typeface="MoolBoran"/>
+        <a:font script="Knda" typeface="Tunga"/>
+        <a:font script="Guru" typeface="Raavi"/>
+        <a:font script="Cans" typeface="Euphemia"/>
+        <a:font script="Cher" typeface="Plantagenet Cherokee"/>
+        <a:font script="Yiii" typeface="Microsoft Yi Baiti"/>
+        <a:font script="Tibt" typeface="Microsoft Himalaya"/>
+        <a:font script="Thaa" typeface="MV Boli"/>
+        <a:font script="Deva" typeface="Mangal"/>
+        <a:font script="Telu" typeface="Gautami"/>
+        <a:font script="Taml" typeface="Latha"/>
+        <a:font script="Syrc" typeface="Estrangelo Edessa"/>
+        <a:font script="Orya" typeface="Kalinga"/>
+        <a:font script="Mlym" typeface="Kartika"/>
+        <a:font script="Laoo" typeface="DokChampa"/>
+        <a:font script="Sinh" typeface="Iskoola Pota"/>
+        <a:font script="Mong" typeface="Mongolian Baiti"/>
+        <a:font script="Viet" typeface="Times New Roman"/>
+        <a:font script="Uigh" typeface="Microsoft Uighur"/>
+      </a:majorFont>
+      <a:minorFont>
+        <a:latin typeface="Calibri"/>
+        <a:ea typeface=""/>
+        <a:cs typeface=""/>
+        <a:font script="Jpan" typeface="ＭＳ Ｐゴシック"/>
+        <a:font script="Hang" typeface="맑은 고딕"/>
+        <a:font script="Hans" typeface="宋体"/>
+        <a:font script="Hant" typeface="新細明體"/>
+        <a:font script="Arab" typeface="Arial"/>
+        <a:font script="Hebr" typeface="Arial"/>
+        <a:font script="Thai" typeface="Cordia New"/>
+        <a:font script="Ethi" typeface="Nyala"/>
+        <a:font script="Beng" typeface="Vrinda"/>
+        <a:font script="Gujr" typeface="Shruti"/>
+        <a:font script="Khmr" typeface="DaunPenh"/>
+        <a:font script="Knda" typeface="Tunga"/>
+        <a:font script="Guru" typeface="Raavi"/>
+        <a:font script="Cans" typeface="Euphemia"/>
+        <a:font script="Cher" typeface="Plantagenet Cherokee"/>
+        <a:font script="Yiii" typeface="Microsoft Yi Baiti"/>
+        <a:font script="Tibt" typeface="Microsoft Himalaya"/>
+        <a:font script="Thaa" typeface="MV Boli"/>
+        <a:font script="Deva" typeface="Mangal"/>
+        <a:font script="Telu" typeface="Gautami"/>
+        <a:font script="Taml" typeface="Latha"/>
+        <a:font script="Syrc" typeface="Estrangelo Edessa"/>
+        <a:font script="Orya" typeface="Kalinga"/>
+        <a:font script="Mlym" typeface="Kartika"/>
+        <a:font script="Laoo" typeface="DokChampa"/>
+        <a:font script="Sinh" typeface="Iskoola Pota"/>
+        <a:font script="Mong" typeface="Mongolian Baiti"/>
+        <a:font script="Viet" typeface="Arial"/>
+        <a:font script="Uigh" typeface="Microsoft Uighur"/>
+      </a:minorFont>
+    </a:fontScheme>
+    <a:fmtScheme name="Office">
+      <a:fillStyleLst>
+        <a:solidFill>
+          <a:schemeClr val="phClr"/>
+        </a:solidFill>
+        <a:gradFill rotWithShape="1">
+          <a:gsLst>
+            <a:gs pos="0">
+              <a:schemeClr val="phClr">
+                <a:tint val="50000"/>
+                <a:satMod val="300000"/>
+              </a:schemeClr>
+            </a:gs>
+            <a:gs pos="35000">
+              <a:schemeClr val="phClr">
+                <a:tint val="37000"/>
+                <a:satMod val="300000"/>
+              </a:schemeClr>
+            </a:gs>
+            <a:gs pos="100000">
+              <a:schemeClr val="phClr">
+                <a:tint val="15000"/>
+                <a:satMod val="350000"/>
+              </a:schemeClr>
+            </a:gs>
+          </a:gsLst>
+          <a:lin ang="16200000" scaled="1"/>
+        </a:gradFill>
+        <a:gradFill rotWithShape="1">
+          <a:gsLst>
+            <a:gs pos="0">
+              <a:schemeClr val="phClr">
+                <a:shade val="51000"/>
+                <a:satMod val="130000"/>
+              </a:schemeClr>
+            </a:gs>
+            <a:gs pos="80000">
+              <a:schemeClr val="phClr">
+                <a:shade val="93000"/>
+                <a:satMod val="130000"/>
+              </a:schemeClr>
+            </a:gs>
+            <a:gs pos="100000">
+              <a:schemeClr val="phClr">
+                <a:shade val="94000"/>
+                <a:satMod val="135000"/>
+              </a:schemeClr>
+            </a:gs>
+          </a:gsLst>
+          <a:lin ang="16200000" scaled="0"/>
+        </a:gradFill>
+      </a:fillStyleLst>
+      <a:lnStyleLst>
+        <a:ln w="9525" cap="flat" cmpd="sng" algn="ctr">
+          <a:solidFill>
+            <a:schemeClr val="phClr">
+              <a:shade val="95000"/>
+              <a:satMod val="105000"/>
+            </a:schemeClr>
+          </a:solidFill>
+          <a:prstDash val="solid"/>
+        </a:ln>
+        <a:ln w="25400" cap="flat" cmpd="sng" algn="ctr">
+          <a:solidFill>
+            <a:schemeClr val="phClr"/>
+          </a:solidFill>
+          <a:prstDash val="solid"/>
+        </a:ln>
+        <a:ln w="38100" cap="flat" cmpd="sng" algn="ctr">
+          <a:solidFill>
+            <a:schemeClr val="phClr"/>
+          </a:solidFill>
+          <a:prstDash val="solid"/>
+        </a:ln>
+      </a:lnStyleLst>
+      <a:effectStyleLst>
+        <a:effectStyle>
+          <a:effectLst>
+            <a:outerShdw blurRad="40000" dist="20000" dir="5400000" rotWithShape="0">
+              <a:srgbClr val="000000">
+                <a:alpha val="38000"/>
+              </a:srgbClr>
+            </a:outerShdw>
+          </a:effectLst>
+        </a:effectStyle>
+        <a:effectStyle>
+          <a:effectLst>
+            <a:outerShdw blurRad="40000" dist="23000" dir="5400000" rotWithShape="0">
+              <a:srgbClr val="000000">
+                <a:alpha val="35000"/>
+              </a:srgbClr>
+            </a:outerShdw>
+          </a:effectLst>
+        </a:effectStyle>
+        <a:effectStyle>
+          <a:effectLst>
+            <a:outerShdw blurRad="40000" dist="23000" dir="5400000" rotWithShape="0">
+              <a:srgbClr val="000000">
+                <a:alpha val="35000"/>
+              </a:srgbClr>
+            </a:outerShdw>
+          </a:effectLst>
+          <a:scene3d>
+            <a:camera prst="orthographicFront">
+              <a:rot lat="0" lon="0" rev="0"/>
+            </a:camera>
+            <a:lightRig rig="threePt" dir="t">
+              <a:rot lat="0" lon="0" rev="1200000"/>
+            </a:lightRig>
+          </a:scene3d>
+          <a:sp3d>
+            <a:bevelT w="63500" h="25400"/>
+          </a:sp3d>
+        </a:effectStyle>
+      </a:effectStyleLst>
+      <a:bgFillStyleLst>
+        <a:solidFill>
+          <a:schemeClr val="phClr"/>
+        </a:solidFill>
+        <a:gradFill rotWithShape="1">
+          <a:gsLst>
+            <a:gs pos="0">
+              <a:schemeClr val="phClr">
+                <a:tint val="40000"/>
+                <a:satMod val="350000"/>
+              </a:schemeClr>
+            </a:gs>
+            <a:gs pos="40000">
+              <a:schemeClr val="phClr">
+                <a:tint val="45000"/>
+                <a:shade val="99000"/>
+                <a:satMod val="350000"/>
+              </a:schemeClr>
+            </a:gs>
+            <a:gs pos="100000">
+              <a:schemeClr val="phClr">
+                <a:shade val="20000"/>
+                <a:satMod val="255000"/>
+              </a:schemeClr>
+            </a:gs>
+          </a:gsLst>
+          <a:path path="circle">
+            <a:fillToRect l="50000" t="-80000" r="50000" b="180000"/>
+          </a:path>
+        </a:gradFill>
+        <a:gradFill rotWithShape="1">
+          <a:gsLst>
+            <a:gs pos="0">
+              <a:schemeClr val="phClr">
+                <a:tint val="80000"/>
+                <a:satMod val="300000"/>
+              </a:schemeClr>
+            </a:gs>
+            <a:gs pos="100000">
+              <a:schemeClr val="phClr">
+                <a:shade val="30000"/>
+                <a:satMod val="200000"/>
+              </a:schemeClr>
+            </a:gs>
+          </a:gsLst>
+          <a:path path="circle">
+            <a:fillToRect l="50000" t="50000" r="50000" b="50000"/>
+          </a:path>
+        </a:gradFill>
+      </a:bgFillStyleLst>
+    </a:fmtScheme>
+  </a:themeElements>
+  <a:objectDefaults/>
+  <a:extraClrSchemeLst/>
+</a:theme>
 </file>
--- a/Customer Churn Prediction In Telecom Industry.pptx
+++ b/Customer Churn Prediction In Telecom Industry.pptx
@@ -208,6 +208,7 @@
           <a:p>
             <a:fld id="{A7801B31-51B9-4178-B4CF-AA1F7186D430}" type="datetimeFigureOut">
               <a:rPr lang="en-IN" smtClean="0"/>
+              <a:pPr/>
               <a:t>19-01-2018</a:t>
             </a:fld>
             <a:endParaRPr lang="en-IN"/>
@@ -369,6 +370,7 @@
           <a:p>
             <a:fld id="{C9236E78-45CE-48F6-ABE3-7B2C19E3EA7E}" type="slidenum">
               <a:rPr lang="en-IN" smtClean="0"/>
+              <a:pPr/>
               <a:t>‹#›</a:t>
             </a:fld>
             <a:endParaRPr lang="en-IN"/>
@@ -540,6 +542,7 @@
           <a:p>
             <a:fld id="{C9236E78-45CE-48F6-ABE3-7B2C19E3EA7E}" type="slidenum">
               <a:rPr lang="en-IN" smtClean="0"/>
+              <a:pPr/>
               <a:t>8</a:t>
             </a:fld>
             <a:endParaRPr lang="en-IN"/>
@@ -735,6 +738,7 @@
           <a:p>
             <a:fld id="{BD0AFEF7-3319-407A-95C5-AD41993346C6}" type="datetime1">
               <a:rPr lang="en-US" smtClean="0"/>
+              <a:pPr/>
               <a:t>1/19/2018</a:t>
             </a:fld>
             <a:endParaRPr lang="en-IN"/>
@@ -904,6 +908,7 @@
           <a:p>
             <a:fld id="{B46A9CE4-CA11-4BCA-89C1-1D2953A28745}" type="datetime1">
               <a:rPr lang="en-US" smtClean="0"/>
+              <a:pPr/>
               <a:t>1/19/2018</a:t>
             </a:fld>
             <a:endParaRPr lang="en-IN"/>
@@ -1083,6 +1088,7 @@
           <a:p>
             <a:fld id="{10A78B6A-2252-446B-892E-F59D2A232950}" type="datetime1">
               <a:rPr lang="en-US" smtClean="0"/>
+              <a:pPr/>
               <a:t>1/19/2018</a:t>
             </a:fld>
             <a:endParaRPr lang="en-IN"/>
@@ -1252,6 +1258,7 @@
           <a:p>
             <a:fld id="{4F2F26B5-F710-420A-BA0B-BAB85524BAB1}" type="datetime1">
               <a:rPr lang="en-US" smtClean="0"/>
+              <a:pPr/>
               <a:t>1/19/2018</a:t>
             </a:fld>
             <a:endParaRPr lang="en-IN"/>
@@ -1497,6 +1504,7 @@
           <a:p>
             <a:fld id="{FAC94E6D-E117-4F22-8941-746F114E969A}" type="datetime1">
               <a:rPr lang="en-US" smtClean="0"/>
+              <a:pPr/>
               <a:t>1/19/2018</a:t>
             </a:fld>
             <a:endParaRPr lang="en-IN"/>
@@ -1784,6 +1792,7 @@
           <a:p>
             <a:fld id="{C1A08B55-8F00-4339-B1D3-CD44C9DEFAEF}" type="datetime1">
               <a:rPr lang="en-US" smtClean="0"/>
+              <a:pPr/>
               <a:t>1/19/2018</a:t>
             </a:fld>
             <a:endParaRPr lang="en-IN"/>
@@ -2205,6 +2214,7 @@
           <a:p>
             <a:fld id="{474388DE-5997-4288-B776-D3204D2BA7C1}" type="datetime1">
               <a:rPr lang="en-US" smtClean="0"/>
+              <a:pPr/>
               <a:t>1/19/2018</a:t>
             </a:fld>
             <a:endParaRPr lang="en-IN"/>
@@ -2322,6 +2332,7 @@
           <a:p>
             <a:fld id="{810A0912-86DE-40A7-BB26-FA736552E5D3}" type="datetime1">
               <a:rPr lang="en-US" smtClean="0"/>
+              <a:pPr/>
               <a:t>1/19/2018</a:t>
             </a:fld>
             <a:endParaRPr lang="en-IN"/>
@@ -2416,6 +2427,7 @@
           <a:p>
             <a:fld id="{03C40EDB-F0DD-4835-88DD-5C436AC7DCD6}" type="datetime1">
               <a:rPr lang="en-US" smtClean="0"/>
+              <a:pPr/>
               <a:t>1/19/2018</a:t>
             </a:fld>
             <a:endParaRPr lang="en-IN"/>
@@ -2692,6 +2704,7 @@
           <a:p>
             <a:fld id="{555A8E3D-FBE7-4907-AF96-D945EF7CB5D4}" type="datetime1">
               <a:rPr lang="en-US" smtClean="0"/>
+              <a:pPr/>
               <a:t>1/19/2018</a:t>
             </a:fld>
             <a:endParaRPr lang="en-IN"/>
@@ -2944,6 +2957,7 @@
           <a:p>
             <a:fld id="{D90C18D7-8307-4759-977F-15D7E3A6E274}" type="datetime1">
               <a:rPr lang="en-US" smtClean="0"/>
+              <a:pPr/>
               <a:t>1/19/2018</a:t>
             </a:fld>
             <a:endParaRPr lang="en-IN"/>
@@ -3156,6 +3170,7 @@
           <a:p>
             <a:fld id="{28571D32-21DD-4AC8-9B6C-8A1768543DF2}" type="datetime1">
               <a:rPr lang="en-US" smtClean="0"/>
+              <a:pPr/>
               <a:t>1/19/2018</a:t>
             </a:fld>
             <a:endParaRPr lang="en-IN"/>
@@ -3558,21 +3573,7 @@
                 <a:latin typeface="Times New Roman" pitchFamily="18" charset="0"/>
                 <a:cs typeface="Times New Roman" pitchFamily="18" charset="0"/>
               </a:rPr>
-              <a:t>Prediction of Customer </a:t>
-            </a:r>
-            <a:r>
-              <a:rPr lang="en-US" b="1" dirty="0" smtClean="0">
-                <a:latin typeface="Times New Roman" pitchFamily="18" charset="0"/>
-                <a:cs typeface="Times New Roman" pitchFamily="18" charset="0"/>
-              </a:rPr>
-              <a:t>Churning </a:t>
-            </a:r>
-            <a:r>
-              <a:rPr lang="en-US" b="1" dirty="0" smtClean="0">
-                <a:latin typeface="Times New Roman" pitchFamily="18" charset="0"/>
-                <a:cs typeface="Times New Roman" pitchFamily="18" charset="0"/>
-              </a:rPr>
-              <a:t>In Telecom Industry</a:t>
+              <a:t>Prediction of Customer Churning In Telecom Industry</a:t>
             </a:r>
             <a:endParaRPr lang="en-IN" dirty="0"/>
           </a:p>
@@ -3608,11 +3609,7 @@
           <a:p>
             <a:r>
               <a:rPr lang="en-US" dirty="0" smtClean="0"/>
-              <a:t>1</a:t>
-            </a:r>
-            <a:r>
-              <a:rPr lang="en-US" dirty="0" smtClean="0"/>
-              <a:t>. </a:t>
+              <a:t>1. </a:t>
             </a:r>
             <a:r>
               <a:rPr lang="en-US" dirty="0" err="1" smtClean="0"/>
@@ -3631,11 +3628,7 @@
           <a:p>
             <a:r>
               <a:rPr lang="en-US" dirty="0" smtClean="0"/>
-              <a:t>2</a:t>
-            </a:r>
-            <a:r>
-              <a:rPr lang="en-US" dirty="0" smtClean="0"/>
-              <a:t>. </a:t>
+              <a:t>2. </a:t>
             </a:r>
             <a:r>
               <a:rPr lang="en-US" dirty="0" err="1" smtClean="0"/>
@@ -3654,11 +3647,7 @@
           <a:p>
             <a:r>
               <a:rPr lang="en-US" dirty="0" smtClean="0"/>
-              <a:t>3</a:t>
-            </a:r>
-            <a:r>
-              <a:rPr lang="en-US" dirty="0" smtClean="0"/>
-              <a:t>. </a:t>
+              <a:t>3. </a:t>
             </a:r>
             <a:r>
               <a:rPr lang="en-US" dirty="0" err="1" smtClean="0"/>
@@ -3677,11 +3666,7 @@
           <a:p>
             <a:r>
               <a:rPr lang="en-US" dirty="0" smtClean="0"/>
-              <a:t>4</a:t>
-            </a:r>
-            <a:r>
-              <a:rPr lang="en-US" dirty="0" smtClean="0"/>
-              <a:t>. </a:t>
+              <a:t>4. </a:t>
             </a:r>
             <a:r>
               <a:rPr lang="en-US" dirty="0" err="1" smtClean="0"/>
@@ -3700,11 +3685,7 @@
           <a:p>
             <a:r>
               <a:rPr lang="en-US" dirty="0" smtClean="0"/>
-              <a:t>5</a:t>
-            </a:r>
-            <a:r>
-              <a:rPr lang="en-US" dirty="0" smtClean="0"/>
-              <a:t>. </a:t>
+              <a:t>5. </a:t>
             </a:r>
             <a:r>
               <a:rPr lang="en-US" dirty="0" err="1" smtClean="0"/>
@@ -3723,11 +3704,7 @@
           <a:p>
             <a:r>
               <a:rPr lang="en-US" dirty="0" smtClean="0"/>
-              <a:t>6</a:t>
-            </a:r>
-            <a:r>
-              <a:rPr lang="en-US" dirty="0" smtClean="0"/>
-              <a:t>. </a:t>
+              <a:t>6. </a:t>
             </a:r>
             <a:r>
               <a:rPr lang="en-US" dirty="0" err="1" smtClean="0"/>
@@ -3737,7 +3714,6 @@
               <a:rPr lang="en-US" dirty="0" smtClean="0"/>
               <a:t> Kumar Das</a:t>
             </a:r>
-            <a:endParaRPr lang="en-US" dirty="0" smtClean="0"/>
           </a:p>
           <a:p>
             <a:endParaRPr lang="en-IN" dirty="0"/>
@@ -3872,6 +3848,7 @@
           <a:p>
             <a:fld id="{31797B57-5FDA-46CA-A9DC-1CFDBE1898E8}" type="datetime1">
               <a:rPr lang="en-US" smtClean="0"/>
+              <a:pPr/>
               <a:t>1/19/2018</a:t>
             </a:fld>
             <a:endParaRPr lang="en-IN"/>
@@ -4233,6 +4210,7 @@
           <a:p>
             <a:fld id="{A8E1570B-8F0F-42DB-BA1A-EE8F9565E3F7}" type="datetime1">
               <a:rPr lang="en-US" smtClean="0"/>
+              <a:pPr/>
               <a:t>1/19/2018</a:t>
             </a:fld>
             <a:endParaRPr lang="en-IN"/>
@@ -4318,11 +4296,7 @@
             <a:pPr algn="l"/>
             <a:r>
               <a:rPr lang="en-US" sz="3600" b="1" dirty="0" smtClean="0"/>
-              <a:t>KNN </a:t>
-            </a:r>
-            <a:r>
-              <a:rPr lang="en-US" sz="3600" b="1" dirty="0" smtClean="0"/>
-              <a:t>Algorithm</a:t>
+              <a:t>KNN Algorithm</a:t>
             </a:r>
             <a:endParaRPr lang="en-IN" sz="3600" dirty="0"/>
           </a:p>
@@ -4474,6 +4448,7 @@
           <a:p>
             <a:fld id="{4F2F26B5-F710-420A-BA0B-BAB85524BAB1}" type="datetime1">
               <a:rPr lang="en-US" smtClean="0"/>
+              <a:pPr/>
               <a:t>1/19/2018</a:t>
             </a:fld>
             <a:endParaRPr lang="en-IN"/>
@@ -4930,6 +4905,7 @@
           <a:p>
             <a:fld id="{FAE28742-D507-4271-A973-95602BB021FA}" type="datetime1">
               <a:rPr lang="en-US" smtClean="0"/>
+              <a:pPr/>
               <a:t>1/19/2018</a:t>
             </a:fld>
             <a:endParaRPr lang="en-IN"/>
@@ -5270,6 +5246,7 @@
           <a:p>
             <a:fld id="{5CAF68EB-4A27-45BA-A4BF-36EB753465E6}" type="datetime1">
               <a:rPr lang="en-US" smtClean="0"/>
+              <a:pPr/>
               <a:t>1/19/2018</a:t>
             </a:fld>
             <a:endParaRPr lang="en-IN"/>
@@ -5447,6 +5424,7 @@
           <a:p>
             <a:fld id="{56B504D5-C299-47F5-A5FE-24D900F83764}" type="datetime1">
               <a:rPr lang="en-US" smtClean="0"/>
+              <a:pPr/>
               <a:t>1/19/2018</a:t>
             </a:fld>
             <a:endParaRPr lang="en-IN"/>
@@ -5723,6 +5701,7 @@
           <a:p>
             <a:fld id="{A56BA8E3-A8D0-4940-8D3E-116892F5B2C8}" type="datetime1">
               <a:rPr lang="en-US" smtClean="0"/>
+              <a:pPr/>
               <a:t>1/19/2018</a:t>
             </a:fld>
             <a:endParaRPr lang="en-IN"/>
@@ -5911,6 +5890,7 @@
           <a:p>
             <a:fld id="{59723C9C-2DC8-4520-B919-FD6F5127F6A9}" type="datetime1">
               <a:rPr lang="en-US" smtClean="0"/>
+              <a:pPr/>
               <a:t>1/19/2018</a:t>
             </a:fld>
             <a:endParaRPr lang="en-IN"/>
@@ -6024,6 +6004,7 @@
           <a:p>
             <a:fld id="{FF4AEDB3-71D3-43CD-A499-B90B92A6DB5E}" type="datetime1">
               <a:rPr lang="en-US" smtClean="0"/>
+              <a:pPr/>
               <a:t>1/19/2018</a:t>
             </a:fld>
             <a:endParaRPr lang="en-IN"/>
@@ -6218,13 +6199,8 @@
             </a:r>
             <a:r>
               <a:rPr lang="en-US" sz="2000" dirty="0" smtClean="0"/>
-              <a:t> </a:t>
-            </a:r>
-            <a:r>
-              <a:rPr lang="en-US" sz="2000" dirty="0" smtClean="0"/>
-              <a:t>Classification</a:t>
-            </a:r>
-            <a:endParaRPr lang="en-US" sz="2000" dirty="0" smtClean="0"/>
+              <a:t> Classification</a:t>
+            </a:r>
           </a:p>
           <a:p>
             <a:pPr marL="971550" lvl="1" indent="-514350">
@@ -6238,7 +6214,6 @@
               <a:rPr lang="en-US" sz="2000" dirty="0" smtClean="0"/>
               <a:t>K-fold Cross validation</a:t>
             </a:r>
-            <a:endParaRPr lang="en-US" sz="2000" dirty="0" smtClean="0"/>
           </a:p>
           <a:p>
             <a:pPr marL="971550" lvl="1" indent="-514350">
@@ -6252,7 +6227,6 @@
               <a:rPr lang="en-US" sz="2000" dirty="0" smtClean="0"/>
               <a:t>K Nearest Neighbors</a:t>
             </a:r>
-            <a:endParaRPr lang="en-US" sz="2000" dirty="0" smtClean="0"/>
           </a:p>
           <a:p>
             <a:pPr marL="971550" lvl="1" indent="-514350">
@@ -6264,11 +6238,7 @@
             </a:pPr>
             <a:r>
               <a:rPr lang="en-US" sz="2000" dirty="0" smtClean="0"/>
-              <a:t>Random Forest </a:t>
-            </a:r>
-            <a:r>
-              <a:rPr lang="en-US" sz="2000" dirty="0" smtClean="0"/>
-              <a:t>Classification</a:t>
+              <a:t>Random Forest Classification</a:t>
             </a:r>
           </a:p>
           <a:p>
@@ -6283,7 +6253,6 @@
               <a:rPr lang="en-US" sz="2000" dirty="0" smtClean="0"/>
               <a:t>KNN Algorithm</a:t>
             </a:r>
-            <a:endParaRPr lang="en-US" sz="2000" dirty="0" smtClean="0"/>
           </a:p>
           <a:p>
             <a:pPr marL="971550" lvl="1" indent="-514350">
@@ -6379,6 +6348,7 @@
           <a:p>
             <a:fld id="{CDC86CDD-086F-4C97-AB9D-E198DA7D3B72}" type="datetime1">
               <a:rPr lang="en-US" smtClean="0"/>
+              <a:pPr/>
               <a:t>1/19/2018</a:t>
             </a:fld>
             <a:endParaRPr lang="en-IN"/>
@@ -6615,6 +6585,7 @@
           <a:p>
             <a:fld id="{31718EDC-B7F5-4DDE-B84A-D4C0A3B72478}" type="datetime1">
               <a:rPr lang="en-US" smtClean="0"/>
+              <a:pPr/>
               <a:t>1/19/2018</a:t>
             </a:fld>
             <a:endParaRPr lang="en-IN"/>
@@ -6811,13 +6782,8 @@
             </a:pPr>
             <a:r>
               <a:rPr lang="en-US" dirty="0" smtClean="0"/>
-              <a:t>-  </a:t>
-            </a:r>
-            <a:r>
-              <a:rPr lang="en-US" dirty="0" smtClean="0"/>
-              <a:t>SVM (Support Vector Machine)</a:t>
-            </a:r>
-            <a:endParaRPr lang="en-US" dirty="0" smtClean="0"/>
+              <a:t>-  SVM (Support Vector Machine)</a:t>
+            </a:r>
           </a:p>
           <a:p>
             <a:pPr lvl="1">
@@ -6987,11 +6953,7 @@
             </a:pPr>
             <a:r>
               <a:rPr lang="en-US" dirty="0" smtClean="0"/>
-              <a:t>- </a:t>
-            </a:r>
-            <a:r>
-              <a:rPr lang="en-US" dirty="0" smtClean="0"/>
-              <a:t>SVD (Singular Value Decomposition)</a:t>
+              <a:t>- SVD (Singular Value Decomposition)</a:t>
             </a:r>
             <a:endParaRPr lang="en-IN" dirty="0"/>
           </a:p>
@@ -7084,6 +7046,7 @@
           <a:p>
             <a:fld id="{A3815F1C-67E9-4777-9DB0-67C4699F9571}" type="datetime1">
               <a:rPr lang="en-US" smtClean="0"/>
+              <a:pPr/>
               <a:t>1/19/2018</a:t>
             </a:fld>
             <a:endParaRPr lang="en-IN"/>
@@ -7190,17 +7153,20 @@
         </p:nvSpPr>
         <p:spPr>
           <a:xfrm>
-            <a:off x="457200" y="1600200"/>
-            <a:ext cx="8229600" cy="4853136"/>
+            <a:off x="457200" y="1484784"/>
+            <a:ext cx="8229600" cy="4968552"/>
           </a:xfrm>
         </p:spPr>
         <p:txBody>
           <a:bodyPr>
-            <a:normAutofit fontScale="85000" lnSpcReduction="20000"/>
+            <a:normAutofit fontScale="70000" lnSpcReduction="20000"/>
           </a:bodyPr>
           <a:lstStyle/>
           <a:p>
             <a:pPr algn="just">
+              <a:lnSpc>
+                <a:spcPct val="120000"/>
+              </a:lnSpc>
               <a:buNone/>
             </a:pPr>
             <a:r>
@@ -7208,72 +7174,103 @@
               <a:t>   </a:t>
             </a:r>
             <a:r>
+              <a:rPr lang="en-US" sz="2800" dirty="0" smtClean="0"/>
+              <a:t>The </a:t>
+            </a:r>
+            <a:r>
+              <a:rPr lang="en-US" sz="2800" dirty="0" smtClean="0"/>
+              <a:t>objective of this project is to predict customer churn. </a:t>
+            </a:r>
+            <a:r>
+              <a:rPr lang="en-US" sz="2800" dirty="0" smtClean="0"/>
+              <a:t>Based on the public dataset that </a:t>
+            </a:r>
+            <a:r>
+              <a:rPr lang="en-US" sz="2800" dirty="0" smtClean="0"/>
+              <a:t>has customer usage </a:t>
+            </a:r>
+            <a:r>
+              <a:rPr lang="en-US" sz="2800" dirty="0" smtClean="0"/>
+              <a:t>pattern, we have predicted whether the customer </a:t>
+            </a:r>
+            <a:r>
+              <a:rPr lang="en-US" sz="2800" dirty="0" smtClean="0"/>
+              <a:t>has churned or not depending on following </a:t>
+            </a:r>
+            <a:r>
+              <a:rPr lang="en-US" sz="2800" dirty="0" smtClean="0"/>
+              <a:t>features:</a:t>
+            </a:r>
+          </a:p>
+          <a:p>
+            <a:pPr algn="just">
+              <a:lnSpc>
+                <a:spcPct val="120000"/>
+              </a:lnSpc>
+              <a:buNone/>
+            </a:pPr>
+            <a:endParaRPr lang="en-US" sz="2600" dirty="0" smtClean="0"/>
+          </a:p>
+          <a:p>
+            <a:pPr lvl="1"/>
+            <a:r>
               <a:rPr lang="en-US" sz="2600" dirty="0" smtClean="0"/>
-              <a:t>The objective of this project is to predict customer churn. Already we have a public dataset that has customer usage pattern and if the customer has churned or not depending on following features.</a:t>
-            </a:r>
-            <a:endParaRPr lang="en-US" dirty="0" smtClean="0"/>
+              <a:t>account length</a:t>
+            </a:r>
           </a:p>
           <a:p>
             <a:pPr lvl="1"/>
             <a:r>
-              <a:rPr lang="en-US" sz="2200" dirty="0" smtClean="0"/>
-              <a:t>account length</a:t>
+              <a:rPr lang="en-US" sz="2600" dirty="0" smtClean="0"/>
+              <a:t>international plan</a:t>
             </a:r>
           </a:p>
           <a:p>
             <a:pPr lvl="1"/>
             <a:r>
-              <a:rPr lang="en-US" sz="2200" dirty="0" smtClean="0"/>
-              <a:t>international plan</a:t>
+              <a:rPr lang="en-US" sz="2600" dirty="0" smtClean="0"/>
+              <a:t>voice mail plan</a:t>
             </a:r>
           </a:p>
           <a:p>
             <a:pPr lvl="1"/>
             <a:r>
-              <a:rPr lang="en-US" sz="2200" dirty="0" smtClean="0"/>
-              <a:t>voice mail plan</a:t>
+              <a:rPr lang="en-US" sz="2600" dirty="0" smtClean="0"/>
+              <a:t>number of voice mail messages</a:t>
             </a:r>
           </a:p>
           <a:p>
             <a:pPr lvl="1"/>
             <a:r>
-              <a:rPr lang="en-US" sz="2200" dirty="0" smtClean="0"/>
-              <a:t>number of voice mail messages</a:t>
+              <a:rPr lang="en-US" sz="2600" dirty="0" smtClean="0"/>
+              <a:t>total day minutes used</a:t>
             </a:r>
           </a:p>
           <a:p>
             <a:pPr lvl="1"/>
             <a:r>
-              <a:rPr lang="en-US" sz="2200" dirty="0" smtClean="0"/>
-              <a:t>total day minutes used</a:t>
+              <a:rPr lang="en-US" sz="2600" dirty="0" smtClean="0"/>
+              <a:t>day calls made</a:t>
             </a:r>
           </a:p>
           <a:p>
             <a:pPr lvl="1"/>
             <a:r>
-              <a:rPr lang="en-US" sz="2200" dirty="0" smtClean="0"/>
-              <a:t>day calls made</a:t>
+              <a:rPr lang="en-US" sz="2600" dirty="0" smtClean="0"/>
+              <a:t>total day charge</a:t>
             </a:r>
           </a:p>
           <a:p>
             <a:pPr lvl="1"/>
             <a:r>
-              <a:rPr lang="en-US" sz="2200" dirty="0" smtClean="0"/>
-              <a:t>total day charge</a:t>
-            </a:r>
-          </a:p>
-          <a:p>
-            <a:pPr lvl="1"/>
-            <a:r>
-              <a:rPr lang="en-US" sz="2200" dirty="0" smtClean="0"/>
-              <a:t>total evening minutes, etc</a:t>
-            </a:r>
-          </a:p>
-          <a:p>
-            <a:pPr lvl="1">
-              <a:buNone/>
-            </a:pPr>
-            <a:endParaRPr lang="en-US" sz="2200" dirty="0" smtClean="0"/>
+              <a:rPr lang="en-US" sz="2600" dirty="0" smtClean="0"/>
+              <a:t>total evening minutes, </a:t>
+            </a:r>
+            <a:r>
+              <a:rPr lang="en-US" sz="2600" dirty="0" smtClean="0"/>
+              <a:t>etc</a:t>
+            </a:r>
+            <a:endParaRPr lang="en-US" sz="2900" dirty="0" smtClean="0"/>
           </a:p>
           <a:p>
             <a:pPr lvl="1">
@@ -7283,25 +7280,25 @@
               <a:buNone/>
             </a:pPr>
             <a:r>
-              <a:rPr lang="en-IN" sz="2400" b="1" u="sng" dirty="0" smtClean="0"/>
+              <a:rPr lang="en-IN" sz="2900" b="1" u="sng" dirty="0" smtClean="0"/>
               <a:t>Target Variable</a:t>
             </a:r>
             <a:r>
-              <a:rPr lang="en-IN" sz="2400" b="1" dirty="0" smtClean="0"/>
+              <a:rPr lang="en-IN" sz="2900" b="1" dirty="0" smtClean="0"/>
               <a:t>:</a:t>
             </a:r>
             <a:r>
-              <a:rPr lang="en-IN" sz="2400" dirty="0" smtClean="0"/>
+              <a:rPr lang="en-IN" sz="2900" dirty="0" smtClean="0"/>
               <a:t/>
             </a:r>
             <a:br>
-              <a:rPr lang="en-IN" sz="2400" dirty="0" smtClean="0"/>
+              <a:rPr lang="en-IN" sz="2900" dirty="0" smtClean="0"/>
             </a:br>
             <a:r>
-              <a:rPr lang="en-IN" sz="2400" dirty="0" smtClean="0"/>
+              <a:rPr lang="en-IN" sz="2900" dirty="0" smtClean="0"/>
               <a:t>Churn: if the customer has churned (1=yes; 0 = no)</a:t>
             </a:r>
-            <a:endParaRPr lang="en-US" sz="2200" dirty="0" smtClean="0"/>
+            <a:endParaRPr lang="en-US" sz="2600" dirty="0" smtClean="0"/>
           </a:p>
           <a:p>
             <a:pPr lvl="1"/>
@@ -7361,6 +7358,7 @@
           <a:p>
             <a:fld id="{33C772F1-BB7F-4DA9-B57F-B6936D4BFD61}" type="datetime1">
               <a:rPr lang="en-US" smtClean="0"/>
+              <a:pPr/>
               <a:t>1/19/2018</a:t>
             </a:fld>
             <a:endParaRPr lang="en-IN"/>
@@ -7558,6 +7556,7 @@
           <a:p>
             <a:fld id="{2FE17802-CD93-413F-8F86-CB058E1CAC30}" type="datetime1">
               <a:rPr lang="en-US" smtClean="0"/>
+              <a:pPr/>
               <a:t>1/19/2018</a:t>
             </a:fld>
             <a:endParaRPr lang="en-IN"/>
@@ -7671,15 +7670,7 @@
             </a:pPr>
             <a:r>
               <a:rPr lang="en-US" dirty="0" smtClean="0"/>
-              <a:t> </a:t>
-            </a:r>
-            <a:r>
-              <a:rPr lang="en-US" dirty="0" smtClean="0"/>
-              <a:t>K- </a:t>
-            </a:r>
-            <a:r>
-              <a:rPr lang="en-US" dirty="0" smtClean="0"/>
-              <a:t>fold Cross Validation</a:t>
+              <a:t> K- fold Cross Validation</a:t>
             </a:r>
           </a:p>
           <a:p>
@@ -7716,7 +7707,6 @@
               <a:rPr lang="en-US" dirty="0" smtClean="0"/>
               <a:t>K Nearest Neighbors</a:t>
             </a:r>
-            <a:endParaRPr lang="en-US" dirty="0" smtClean="0"/>
           </a:p>
           <a:p>
             <a:pPr lvl="1">
@@ -7728,11 +7718,7 @@
             </a:pPr>
             <a:r>
               <a:rPr lang="en-US" dirty="0" smtClean="0"/>
-              <a:t> Random </a:t>
-            </a:r>
-            <a:r>
-              <a:rPr lang="en-US" dirty="0" smtClean="0"/>
-              <a:t>forest Classifier </a:t>
+              <a:t> Random forest Classifier </a:t>
             </a:r>
             <a:endParaRPr lang="en-IN" dirty="0"/>
           </a:p>
@@ -7790,6 +7776,7 @@
           <a:p>
             <a:fld id="{26B8036B-A58C-4E7E-8923-68EB7A4BEDAC}" type="datetime1">
               <a:rPr lang="en-US" smtClean="0"/>
+              <a:pPr/>
               <a:t>1/19/2018</a:t>
             </a:fld>
             <a:endParaRPr lang="en-IN"/>
@@ -7908,23 +7895,7 @@
             </a:r>
             <a:r>
               <a:rPr lang="en-IN" sz="2000" dirty="0" smtClean="0"/>
-              <a:t>K-Folds </a:t>
-            </a:r>
-            <a:r>
-              <a:rPr lang="en-IN" sz="2000" dirty="0" smtClean="0"/>
-              <a:t>cross-validation method </a:t>
-            </a:r>
-            <a:r>
-              <a:rPr lang="en-IN" sz="2000" dirty="0" smtClean="0"/>
-              <a:t>provides train/test indices to split data in train/test sets. </a:t>
-            </a:r>
-            <a:r>
-              <a:rPr lang="en-IN" sz="2000" dirty="0" smtClean="0"/>
-              <a:t>It splits </a:t>
-            </a:r>
-            <a:r>
-              <a:rPr lang="en-IN" sz="2000" dirty="0" smtClean="0"/>
-              <a:t>dataset into k consecutive folds.</a:t>
+              <a:t>K-Folds cross-validation method provides train/test indices to split data in train/test sets. It splits dataset into k consecutive folds.</a:t>
             </a:r>
             <a:endParaRPr lang="en-IN" dirty="0" smtClean="0"/>
           </a:p>
@@ -7948,7 +7919,6 @@
               <a:rPr lang="en-US" sz="2000" dirty="0" smtClean="0"/>
               <a:t>Code:</a:t>
             </a:r>
-            <a:endParaRPr lang="en-US" sz="2000" dirty="0" smtClean="0"/>
           </a:p>
           <a:p>
             <a:pPr>
@@ -8011,7 +7981,6 @@
               <a:rPr lang="en-US" sz="2000" b="1" u="sng" dirty="0" smtClean="0"/>
               <a:t>Disadvantages:</a:t>
             </a:r>
-            <a:endParaRPr lang="en-US" sz="2000" b="1" u="sng" dirty="0" smtClean="0"/>
           </a:p>
           <a:p>
             <a:pPr lvl="1">
@@ -8030,11 +7999,7 @@
             </a:pPr>
             <a:r>
               <a:rPr lang="en-IN" sz="1600" dirty="0" smtClean="0"/>
-              <a:t>It </a:t>
-            </a:r>
-            <a:r>
-              <a:rPr lang="en-IN" sz="1600" dirty="0" smtClean="0"/>
-              <a:t>represents a biased model.</a:t>
+              <a:t>It represents a biased model.</a:t>
             </a:r>
             <a:endParaRPr lang="en-US" sz="1600" dirty="0" smtClean="0"/>
           </a:p>
@@ -8174,6 +8139,7 @@
           <a:p>
             <a:fld id="{0ADEF219-FEFF-4044-8444-7D086B515177}" type="datetime1">
               <a:rPr lang="en-US" smtClean="0"/>
+              <a:pPr/>
               <a:t>1/19/2018</a:t>
             </a:fld>
             <a:endParaRPr lang="en-IN"/>
@@ -8621,6 +8587,7 @@
           <a:p>
             <a:fld id="{190E4137-7CF4-40DF-B3A4-3686C2D7344B}" type="datetime1">
               <a:rPr lang="en-US" smtClean="0"/>
+              <a:pPr/>
               <a:t>1/19/2018</a:t>
             </a:fld>
             <a:endParaRPr lang="en-IN"/>

--- a/Customer Churn Prediction In Telecom Industry.pptx
+++ b/Customer Churn Prediction In Telecom Industry.pptx
@@ -13,7 +13,7 @@
     <p:sldId id="258" r:id="rId4"/>
     <p:sldId id="259" r:id="rId5"/>
     <p:sldId id="260" r:id="rId6"/>
-    <p:sldId id="262" r:id="rId7"/>
+    <p:sldId id="276" r:id="rId7"/>
     <p:sldId id="261" r:id="rId8"/>
     <p:sldId id="266" r:id="rId9"/>
     <p:sldId id="265" r:id="rId10"/>
@@ -3558,8 +3558,8 @@
         </p:nvSpPr>
         <p:spPr>
           <a:xfrm>
-            <a:off x="714348" y="857232"/>
-            <a:ext cx="7772400" cy="1785950"/>
+            <a:off x="714348" y="500042"/>
+            <a:ext cx="7772400" cy="2143140"/>
           </a:xfrm>
         </p:spPr>
         <p:txBody>
@@ -3569,13 +3569,13 @@
           <a:lstStyle/>
           <a:p>
             <a:r>
-              <a:rPr lang="en-US" b="1" dirty="0" smtClean="0">
+              <a:rPr lang="en-US" sz="4800" b="1" dirty="0" smtClean="0">
                 <a:latin typeface="Times New Roman" pitchFamily="18" charset="0"/>
                 <a:cs typeface="Times New Roman" pitchFamily="18" charset="0"/>
               </a:rPr>
               <a:t>Prediction of Customer Churning In Telecom Industry</a:t>
             </a:r>
-            <a:endParaRPr lang="en-IN" dirty="0"/>
+            <a:endParaRPr lang="en-IN" sz="4800" dirty="0"/>
           </a:p>
         </p:txBody>
       </p:sp>
@@ -3587,7 +3587,7 @@
         </p:nvSpPr>
         <p:spPr>
           <a:xfrm>
-            <a:off x="4714876" y="4000504"/>
+            <a:off x="4929190" y="4000504"/>
             <a:ext cx="3857652" cy="2308324"/>
           </a:xfrm>
           <a:prstGeom prst="rect">
@@ -3799,7 +3799,7 @@
         </p:nvSpPr>
         <p:spPr>
           <a:xfrm>
-            <a:off x="785786" y="2857496"/>
+            <a:off x="785786" y="3071810"/>
             <a:ext cx="7643866" cy="142876"/>
           </a:xfrm>
           <a:prstGeom prst="rect">
@@ -3938,16 +3938,8 @@
           <a:p>
             <a:pPr algn="l"/>
             <a:r>
-              <a:rPr lang="en-US" sz="3600" b="1" dirty="0" smtClean="0"/>
-              <a:t>KNN(</a:t>
-            </a:r>
-            <a:r>
-              <a:rPr lang="en-US" sz="3200" b="1" dirty="0" smtClean="0"/>
-              <a:t>Using Library Function</a:t>
-            </a:r>
-            <a:r>
               <a:rPr lang="en-US" sz="4000" b="1" dirty="0" smtClean="0"/>
-              <a:t>)</a:t>
+              <a:t>KNN(Using Library Function)</a:t>
             </a:r>
             <a:endParaRPr lang="en-IN" sz="4000" b="1" dirty="0"/>
           </a:p>
@@ -4080,7 +4072,11 @@
             </a:pPr>
             <a:r>
               <a:rPr lang="en-US" sz="1600" dirty="0" smtClean="0"/>
-              <a:t>Fig.  (ROC curve for Different K values)</a:t>
+              <a:t>Fig.3  </a:t>
+            </a:r>
+            <a:r>
+              <a:rPr lang="en-US" sz="1600" dirty="0" smtClean="0"/>
+              <a:t>(ROC curve for Different K values)</a:t>
             </a:r>
             <a:endParaRPr lang="en-IN" sz="1600" dirty="0"/>
           </a:p>
@@ -4241,6 +4237,46 @@
           </a:p>
         </p:txBody>
       </p:sp>
+      <p:sp>
+        <p:nvSpPr>
+          <p:cNvPr id="13" name="Right Arrow 12"/>
+          <p:cNvSpPr/>
+          <p:nvPr/>
+        </p:nvSpPr>
+        <p:spPr>
+          <a:xfrm>
+            <a:off x="1928794" y="4714884"/>
+            <a:ext cx="357190" cy="142876"/>
+          </a:xfrm>
+          <a:prstGeom prst="rightArrow">
+            <a:avLst/>
+          </a:prstGeom>
+        </p:spPr>
+        <p:style>
+          <a:lnRef idx="2">
+            <a:schemeClr val="accent1">
+              <a:shade val="50000"/>
+            </a:schemeClr>
+          </a:lnRef>
+          <a:fillRef idx="1">
+            <a:schemeClr val="accent1"/>
+          </a:fillRef>
+          <a:effectRef idx="0">
+            <a:schemeClr val="accent1"/>
+          </a:effectRef>
+          <a:fontRef idx="minor">
+            <a:schemeClr val="lt1"/>
+          </a:fontRef>
+        </p:style>
+        <p:txBody>
+          <a:bodyPr rtlCol="0" anchor="ctr"/>
+          <a:lstStyle/>
+          <a:p>
+            <a:pPr algn="ctr"/>
+            <a:endParaRPr lang="en-IN"/>
+          </a:p>
+        </p:txBody>
+      </p:sp>
     </p:spTree>
   </p:cSld>
   <p:clrMapOvr>
@@ -4295,10 +4331,10 @@
           <a:p>
             <a:pPr algn="l"/>
             <a:r>
-              <a:rPr lang="en-US" sz="3600" b="1" dirty="0" smtClean="0"/>
+              <a:rPr lang="en-US" sz="4000" b="1" dirty="0" smtClean="0"/>
               <a:t>KNN Algorithm</a:t>
             </a:r>
-            <a:endParaRPr lang="en-IN" sz="3600" dirty="0"/>
+            <a:endParaRPr lang="en-IN" sz="4000" dirty="0"/>
           </a:p>
         </p:txBody>
       </p:sp>
@@ -4592,10 +4628,10 @@
           <a:p>
             <a:pPr algn="l"/>
             <a:r>
-              <a:rPr lang="en-US" sz="3600" b="1" dirty="0" smtClean="0"/>
+              <a:rPr lang="en-US" sz="4000" b="1" dirty="0" smtClean="0"/>
               <a:t>Random Forest Classification</a:t>
             </a:r>
-            <a:endParaRPr lang="en-IN" sz="3600" b="1" dirty="0"/>
+            <a:endParaRPr lang="en-IN" sz="4000" b="1" dirty="0"/>
           </a:p>
         </p:txBody>
       </p:sp>
@@ -4786,7 +4822,7 @@
         <p:spPr>
           <a:xfrm>
             <a:off x="3500430" y="6264495"/>
-            <a:ext cx="2143140" cy="307777"/>
+            <a:ext cx="2143140" cy="276999"/>
           </a:xfrm>
           <a:prstGeom prst="rect">
             <a:avLst/>
@@ -4801,10 +4837,14 @@
           <a:p>
             <a:pPr algn="ctr"/>
             <a:r>
-              <a:rPr lang="en-US" sz="1400" dirty="0" smtClean="0"/>
-              <a:t>Fig.  (ROC Curve)</a:t>
-            </a:r>
-            <a:endParaRPr lang="en-IN" sz="1400" dirty="0"/>
+              <a:rPr lang="en-US" sz="1200" dirty="0" smtClean="0"/>
+              <a:t>Fig.4  </a:t>
+            </a:r>
+            <a:r>
+              <a:rPr lang="en-US" sz="1200" dirty="0" smtClean="0"/>
+              <a:t>(ROC Curve)</a:t>
+            </a:r>
+            <a:endParaRPr lang="en-IN" sz="1200" dirty="0"/>
           </a:p>
         </p:txBody>
       </p:sp>
@@ -4981,19 +5021,24 @@
             <p:ph type="title"/>
           </p:nvPr>
         </p:nvSpPr>
-        <p:spPr/>
+        <p:spPr>
+          <a:xfrm>
+            <a:off x="457200" y="0"/>
+            <a:ext cx="8229600" cy="1417638"/>
+          </a:xfrm>
+        </p:spPr>
         <p:txBody>
           <a:bodyPr>
-            <a:normAutofit fontScale="90000"/>
+            <a:noAutofit/>
           </a:bodyPr>
           <a:lstStyle/>
           <a:p>
             <a:pPr algn="l"/>
             <a:r>
-              <a:rPr lang="en-US" sz="3600" b="1" dirty="0" smtClean="0"/>
+              <a:rPr lang="en-US" sz="4000" b="1" dirty="0" smtClean="0"/>
               <a:t>Random Forest Classification(contd.)</a:t>
             </a:r>
-            <a:endParaRPr lang="en-IN" sz="3600" dirty="0"/>
+            <a:endParaRPr lang="en-IN" sz="4000" dirty="0"/>
           </a:p>
         </p:txBody>
       </p:sp>
@@ -5020,20 +5065,30 @@
             <a:pPr>
               <a:buNone/>
             </a:pPr>
-            <a:r>
-              <a:rPr lang="en-US" sz="2400" u="sng" dirty="0" smtClean="0"/>
+            <a:endParaRPr lang="en-US" sz="2400" u="sng" dirty="0" smtClean="0"/>
+          </a:p>
+          <a:p>
+            <a:pPr>
+              <a:buNone/>
+            </a:pPr>
+            <a:r>
+              <a:rPr lang="en-US" sz="2000" u="sng" dirty="0" smtClean="0"/>
               <a:t>Accuracy</a:t>
             </a:r>
             <a:r>
+              <a:rPr lang="en-US" sz="2000" dirty="0" smtClean="0"/>
+              <a:t>:</a:t>
+            </a:r>
+            <a:r>
               <a:rPr lang="en-US" sz="2400" dirty="0" smtClean="0"/>
-              <a:t>:                                                                           </a:t>
+              <a:t>                                                                           </a:t>
             </a:r>
           </a:p>
           <a:p>
             <a:pPr>
               <a:buNone/>
             </a:pPr>
-            <a:endParaRPr lang="en-US" sz="2400" dirty="0" smtClean="0"/>
+            <a:endParaRPr lang="en-US" sz="2000" u="sng" dirty="0" smtClean="0"/>
           </a:p>
           <a:p>
             <a:pPr>
@@ -5041,7 +5096,11 @@
             </a:pPr>
             <a:r>
               <a:rPr lang="en-US" sz="2000" u="sng" dirty="0" smtClean="0"/>
-              <a:t>Feature Importance:</a:t>
+              <a:t>Feature </a:t>
+            </a:r>
+            <a:r>
+              <a:rPr lang="en-US" sz="2000" u="sng" dirty="0" smtClean="0"/>
+              <a:t>Importance:</a:t>
             </a:r>
           </a:p>
           <a:p>
@@ -5060,7 +5119,7 @@
         </p:nvCxnSpPr>
         <p:spPr>
           <a:xfrm>
-            <a:off x="500034" y="1142984"/>
+            <a:off x="500034" y="1357298"/>
             <a:ext cx="8143932" cy="1588"/>
           </a:xfrm>
           <a:prstGeom prst="line">
@@ -5103,7 +5162,7 @@
         </p:blipFill>
         <p:spPr>
           <a:xfrm>
-            <a:off x="3143240" y="1428736"/>
+            <a:off x="3143240" y="1566855"/>
             <a:ext cx="3753200" cy="1004889"/>
           </a:xfrm>
           <a:prstGeom prst="rect">
@@ -5119,7 +5178,7 @@
         </p:nvSpPr>
         <p:spPr>
           <a:xfrm>
-            <a:off x="2071670" y="1500174"/>
+            <a:off x="2071670" y="1928802"/>
             <a:ext cx="428628" cy="214314"/>
           </a:xfrm>
           <a:prstGeom prst="rightArrow">
@@ -5167,8 +5226,8 @@
         </p:blipFill>
         <p:spPr>
           <a:xfrm>
-            <a:off x="642910" y="2928934"/>
-            <a:ext cx="7943850" cy="3357586"/>
+            <a:off x="642910" y="3071810"/>
+            <a:ext cx="7943850" cy="3214710"/>
           </a:xfrm>
           <a:prstGeom prst="rect">
             <a:avLst/>
@@ -5223,7 +5282,15 @@
           <a:p>
             <a:r>
               <a:rPr lang="en-US" sz="1400" dirty="0" smtClean="0"/>
-              <a:t>Fig. ( Feature importance plotting )</a:t>
+              <a:t>Fig</a:t>
+            </a:r>
+            <a:r>
+              <a:rPr lang="en-US" sz="1400" dirty="0" smtClean="0"/>
+              <a:t>. 5 </a:t>
+            </a:r>
+            <a:r>
+              <a:rPr lang="en-US" sz="1400" dirty="0" smtClean="0"/>
+              <a:t>( Feature importance plotting )</a:t>
             </a:r>
             <a:endParaRPr lang="en-IN" sz="1400" dirty="0"/>
           </a:p>
@@ -5335,10 +5402,10 @@
               </a:spcBef>
             </a:pPr>
             <a:r>
-              <a:rPr lang="en-IN" sz="3200" b="1" dirty="0" smtClean="0"/>
+              <a:rPr lang="en-IN" sz="4000" b="1" dirty="0" smtClean="0"/>
               <a:t>Conclusion</a:t>
             </a:r>
-            <a:endParaRPr lang="en-IN" sz="2800" b="1" dirty="0"/>
+            <a:endParaRPr lang="en-IN" sz="4000" b="1" dirty="0"/>
           </a:p>
         </p:txBody>
       </p:sp>
@@ -5502,18 +5569,20 @@
         </p:nvSpPr>
         <p:spPr/>
         <p:txBody>
-          <a:bodyPr/>
+          <a:bodyPr>
+            <a:normAutofit/>
+          </a:bodyPr>
           <a:lstStyle/>
           <a:p>
             <a:pPr algn="l"/>
             <a:r>
-              <a:rPr lang="en-US" b="1" dirty="0" smtClean="0">
+              <a:rPr lang="en-US" sz="4000" b="1" dirty="0" smtClean="0">
                 <a:latin typeface="Times New Roman" pitchFamily="18" charset="0"/>
                 <a:cs typeface="Times New Roman" pitchFamily="18" charset="0"/>
               </a:rPr>
               <a:t>References</a:t>
             </a:r>
-            <a:endParaRPr lang="en-IN" dirty="0"/>
+            <a:endParaRPr lang="en-IN" sz="4000" dirty="0"/>
           </a:p>
         </p:txBody>
       </p:sp>
@@ -5779,18 +5848,20 @@
         </p:nvSpPr>
         <p:spPr/>
         <p:txBody>
-          <a:bodyPr/>
+          <a:bodyPr>
+            <a:normAutofit/>
+          </a:bodyPr>
           <a:lstStyle/>
           <a:p>
             <a:pPr algn="l"/>
             <a:r>
-              <a:rPr lang="en-US" b="1" dirty="0" smtClean="0">
+              <a:rPr lang="en-US" sz="4000" b="1" dirty="0" smtClean="0">
                 <a:latin typeface="Times New Roman" pitchFamily="18" charset="0"/>
                 <a:cs typeface="Times New Roman" pitchFamily="18" charset="0"/>
               </a:rPr>
               <a:t>Acknowledgement</a:t>
             </a:r>
-            <a:endParaRPr lang="en-IN" dirty="0"/>
+            <a:endParaRPr lang="en-IN" sz="4000" dirty="0"/>
           </a:p>
         </p:txBody>
       </p:sp>
@@ -6082,15 +6153,17 @@
         </p:nvSpPr>
         <p:spPr/>
         <p:txBody>
-          <a:bodyPr/>
+          <a:bodyPr>
+            <a:normAutofit/>
+          </a:bodyPr>
           <a:lstStyle/>
           <a:p>
             <a:pPr algn="l"/>
             <a:r>
-              <a:rPr lang="en-US" dirty="0" smtClean="0"/>
+              <a:rPr lang="en-US" sz="4000" b="1" dirty="0" smtClean="0"/>
               <a:t>Contents</a:t>
             </a:r>
-            <a:endParaRPr lang="en-IN" dirty="0"/>
+            <a:endParaRPr lang="en-IN" sz="4000" b="1" dirty="0"/>
           </a:p>
         </p:txBody>
       </p:sp>
@@ -6426,7 +6499,9 @@
         </p:nvSpPr>
         <p:spPr/>
         <p:txBody>
-          <a:bodyPr/>
+          <a:bodyPr>
+            <a:normAutofit fontScale="90000"/>
+          </a:bodyPr>
           <a:lstStyle/>
           <a:p>
             <a:pPr lvl="1" algn="l" rtl="0">
@@ -6435,11 +6510,11 @@
               </a:spcBef>
             </a:pPr>
             <a:r>
-              <a:rPr lang="en-US" sz="2800" b="1" dirty="0" smtClean="0"/>
+              <a:rPr lang="en-US" sz="4900" b="1" dirty="0" smtClean="0"/>
               <a:t>Introduction To Machine Learning</a:t>
             </a:r>
             <a:r>
-              <a:rPr lang="en-IN" sz="2800" b="1" dirty="0" smtClean="0"/>
+              <a:rPr lang="en-IN" sz="4900" b="1" dirty="0" smtClean="0"/>
               <a:t> </a:t>
             </a:r>
             <a:r>
@@ -6541,7 +6616,7 @@
         </p:nvCxnSpPr>
         <p:spPr>
           <a:xfrm>
-            <a:off x="500034" y="1000108"/>
+            <a:off x="500034" y="1428736"/>
             <a:ext cx="8143932" cy="1588"/>
           </a:xfrm>
           <a:prstGeom prst="line">
@@ -6663,7 +6738,9 @@
         </p:nvSpPr>
         <p:spPr/>
         <p:txBody>
-          <a:bodyPr/>
+          <a:bodyPr>
+            <a:normAutofit fontScale="90000"/>
+          </a:bodyPr>
           <a:lstStyle/>
           <a:p>
             <a:pPr lvl="1" algn="l" rtl="0">
@@ -6672,7 +6749,7 @@
               </a:spcBef>
             </a:pPr>
             <a:r>
-              <a:rPr lang="en-US" sz="2400" b="1" dirty="0" smtClean="0"/>
+              <a:rPr lang="en-US" sz="4000" b="1" dirty="0" smtClean="0"/>
               <a:t>Several Ways To Implement Machine Learning Techniques:</a:t>
             </a:r>
             <a:r>
@@ -6967,7 +7044,7 @@
         </p:nvCxnSpPr>
         <p:spPr>
           <a:xfrm>
-            <a:off x="500034" y="1214422"/>
+            <a:off x="500034" y="1357298"/>
             <a:ext cx="8143932" cy="1588"/>
           </a:xfrm>
           <a:prstGeom prst="line">
@@ -7175,31 +7252,7 @@
             </a:r>
             <a:r>
               <a:rPr lang="en-US" sz="2800" dirty="0" smtClean="0"/>
-              <a:t>The </a:t>
-            </a:r>
-            <a:r>
-              <a:rPr lang="en-US" sz="2800" dirty="0" smtClean="0"/>
-              <a:t>objective of this project is to predict customer churn. </a:t>
-            </a:r>
-            <a:r>
-              <a:rPr lang="en-US" sz="2800" dirty="0" smtClean="0"/>
-              <a:t>Based on the public dataset that </a:t>
-            </a:r>
-            <a:r>
-              <a:rPr lang="en-US" sz="2800" dirty="0" smtClean="0"/>
-              <a:t>has customer usage </a:t>
-            </a:r>
-            <a:r>
-              <a:rPr lang="en-US" sz="2800" dirty="0" smtClean="0"/>
-              <a:t>pattern, we have predicted whether the customer </a:t>
-            </a:r>
-            <a:r>
-              <a:rPr lang="en-US" sz="2800" dirty="0" smtClean="0"/>
-              <a:t>has churned or not depending on following </a:t>
-            </a:r>
-            <a:r>
-              <a:rPr lang="en-US" sz="2800" dirty="0" smtClean="0"/>
-              <a:t>features:</a:t>
+              <a:t>The objective of this project is to predict customer churn. Based on the public dataset that has customer usage pattern, we have predicted whether the customer has churned or not depending on following features:</a:t>
             </a:r>
           </a:p>
           <a:p>
@@ -7264,11 +7317,7 @@
             <a:pPr lvl="1"/>
             <a:r>
               <a:rPr lang="en-US" sz="2600" dirty="0" smtClean="0"/>
-              <a:t>total evening minutes, </a:t>
-            </a:r>
-            <a:r>
-              <a:rPr lang="en-US" sz="2600" dirty="0" smtClean="0"/>
-              <a:t>etc</a:t>
+              <a:t>total evening minutes, etc</a:t>
             </a:r>
             <a:endParaRPr lang="en-US" sz="2900" dirty="0" smtClean="0"/>
           </a:p>
@@ -7434,11 +7483,14 @@
             <p:ph type="title"/>
           </p:nvPr>
         </p:nvSpPr>
-        <p:spPr/>
-        <p:txBody>
-          <a:bodyPr>
-            <a:normAutofit/>
-          </a:bodyPr>
+        <p:spPr>
+          <a:xfrm>
+            <a:off x="428596" y="142852"/>
+            <a:ext cx="8229600" cy="928718"/>
+          </a:xfrm>
+        </p:spPr>
+        <p:txBody>
+          <a:bodyPr/>
           <a:lstStyle/>
           <a:p>
             <a:pPr algn="l"/>
@@ -7450,38 +7502,442 @@
           </a:p>
         </p:txBody>
       </p:sp>
-      <p:pic>
-        <p:nvPicPr>
-          <p:cNvPr id="6" name="Content Placeholder 5" descr="Capture.JPG"/>
-          <p:cNvPicPr>
-            <a:picLocks noGrp="1" noChangeAspect="1"/>
-          </p:cNvPicPr>
+      <p:sp>
+        <p:nvSpPr>
+          <p:cNvPr id="3" name="Content Placeholder 2"/>
+          <p:cNvSpPr>
+            <a:spLocks noGrp="1"/>
+          </p:cNvSpPr>
           <p:nvPr>
             <p:ph idx="1"/>
           </p:nvPr>
-        </p:nvPicPr>
-        <p:blipFill>
-          <a:blip r:embed="rId2" cstate="print"/>
-          <a:stretch>
-            <a:fillRect/>
-          </a:stretch>
-        </p:blipFill>
+        </p:nvSpPr>
         <p:spPr>
           <a:xfrm>
-            <a:off x="500034" y="2071678"/>
-            <a:ext cx="8205028" cy="3500462"/>
+            <a:off x="500034" y="1285860"/>
+            <a:ext cx="8229600" cy="5143536"/>
           </a:xfrm>
         </p:spPr>
-      </p:pic>
+        <p:txBody>
+          <a:bodyPr/>
+          <a:lstStyle/>
+          <a:p>
+            <a:pPr>
+              <a:buNone/>
+            </a:pPr>
+            <a:endParaRPr lang="en-IN" dirty="0"/>
+          </a:p>
+        </p:txBody>
+      </p:sp>
+      <p:sp>
+        <p:nvSpPr>
+          <p:cNvPr id="4" name="Date Placeholder 3"/>
+          <p:cNvSpPr>
+            <a:spLocks noGrp="1"/>
+          </p:cNvSpPr>
+          <p:nvPr>
+            <p:ph type="dt" sz="half" idx="10"/>
+          </p:nvPr>
+        </p:nvSpPr>
+        <p:spPr/>
+        <p:txBody>
+          <a:bodyPr/>
+          <a:lstStyle/>
+          <a:p>
+            <a:fld id="{4F2F26B5-F710-420A-BA0B-BAB85524BAB1}" type="datetime1">
+              <a:rPr lang="en-US" smtClean="0"/>
+              <a:pPr/>
+              <a:t>1/19/2018</a:t>
+            </a:fld>
+            <a:endParaRPr lang="en-IN"/>
+          </a:p>
+        </p:txBody>
+      </p:sp>
+      <p:sp>
+        <p:nvSpPr>
+          <p:cNvPr id="5" name="Slide Number Placeholder 4"/>
+          <p:cNvSpPr>
+            <a:spLocks noGrp="1"/>
+          </p:cNvSpPr>
+          <p:nvPr>
+            <p:ph type="sldNum" sz="quarter" idx="12"/>
+          </p:nvPr>
+        </p:nvSpPr>
+        <p:spPr/>
+        <p:txBody>
+          <a:bodyPr/>
+          <a:lstStyle/>
+          <a:p>
+            <a:fld id="{5D58D9AF-4558-4E0A-A928-CE81B774F127}" type="slidenum">
+              <a:rPr lang="en-IN" smtClean="0"/>
+              <a:pPr/>
+              <a:t>6</a:t>
+            </a:fld>
+            <a:endParaRPr lang="en-IN"/>
+          </a:p>
+        </p:txBody>
+      </p:sp>
+      <p:sp>
+        <p:nvSpPr>
+          <p:cNvPr id="6" name="Rectangle 5"/>
+          <p:cNvSpPr/>
+          <p:nvPr/>
+        </p:nvSpPr>
+        <p:spPr>
+          <a:xfrm>
+            <a:off x="642910" y="1428736"/>
+            <a:ext cx="1071570" cy="928694"/>
+          </a:xfrm>
+          <a:prstGeom prst="rect">
+            <a:avLst/>
+          </a:prstGeom>
+        </p:spPr>
+        <p:style>
+          <a:lnRef idx="2">
+            <a:schemeClr val="accent1">
+              <a:shade val="50000"/>
+            </a:schemeClr>
+          </a:lnRef>
+          <a:fillRef idx="1">
+            <a:schemeClr val="accent1"/>
+          </a:fillRef>
+          <a:effectRef idx="0">
+            <a:schemeClr val="accent1"/>
+          </a:effectRef>
+          <a:fontRef idx="minor">
+            <a:schemeClr val="lt1"/>
+          </a:fontRef>
+        </p:style>
+        <p:txBody>
+          <a:bodyPr rtlCol="0" anchor="ctr"/>
+          <a:lstStyle/>
+          <a:p>
+            <a:pPr algn="ctr"/>
+            <a:r>
+              <a:rPr lang="en-US" dirty="0" smtClean="0"/>
+              <a:t>Get Dataset</a:t>
+            </a:r>
+            <a:endParaRPr lang="en-IN" dirty="0"/>
+          </a:p>
+        </p:txBody>
+      </p:sp>
+      <p:sp>
+        <p:nvSpPr>
+          <p:cNvPr id="7" name="Rectangle 6"/>
+          <p:cNvSpPr/>
+          <p:nvPr/>
+        </p:nvSpPr>
+        <p:spPr>
+          <a:xfrm>
+            <a:off x="2000232" y="2428868"/>
+            <a:ext cx="1071570" cy="928694"/>
+          </a:xfrm>
+          <a:prstGeom prst="rect">
+            <a:avLst/>
+          </a:prstGeom>
+        </p:spPr>
+        <p:style>
+          <a:lnRef idx="2">
+            <a:schemeClr val="accent1">
+              <a:shade val="50000"/>
+            </a:schemeClr>
+          </a:lnRef>
+          <a:fillRef idx="1">
+            <a:schemeClr val="accent1"/>
+          </a:fillRef>
+          <a:effectRef idx="0">
+            <a:schemeClr val="accent1"/>
+          </a:effectRef>
+          <a:fontRef idx="minor">
+            <a:schemeClr val="lt1"/>
+          </a:fontRef>
+        </p:style>
+        <p:txBody>
+          <a:bodyPr rtlCol="0" anchor="ctr"/>
+          <a:lstStyle/>
+          <a:p>
+            <a:pPr algn="ctr"/>
+            <a:r>
+              <a:rPr lang="en-US" dirty="0" smtClean="0"/>
+              <a:t>Clean Dataset</a:t>
+            </a:r>
+            <a:endParaRPr lang="en-IN" dirty="0"/>
+          </a:p>
+        </p:txBody>
+      </p:sp>
+      <p:sp>
+        <p:nvSpPr>
+          <p:cNvPr id="8" name="Rectangle 7"/>
+          <p:cNvSpPr/>
+          <p:nvPr/>
+        </p:nvSpPr>
+        <p:spPr>
+          <a:xfrm>
+            <a:off x="3428992" y="3357562"/>
+            <a:ext cx="1071570" cy="928694"/>
+          </a:xfrm>
+          <a:prstGeom prst="rect">
+            <a:avLst/>
+          </a:prstGeom>
+        </p:spPr>
+        <p:style>
+          <a:lnRef idx="2">
+            <a:schemeClr val="accent1">
+              <a:shade val="50000"/>
+            </a:schemeClr>
+          </a:lnRef>
+          <a:fillRef idx="1">
+            <a:schemeClr val="accent1"/>
+          </a:fillRef>
+          <a:effectRef idx="0">
+            <a:schemeClr val="accent1"/>
+          </a:effectRef>
+          <a:fontRef idx="minor">
+            <a:schemeClr val="lt1"/>
+          </a:fontRef>
+        </p:style>
+        <p:txBody>
+          <a:bodyPr rtlCol="0" anchor="ctr"/>
+          <a:lstStyle/>
+          <a:p>
+            <a:pPr algn="ctr"/>
+            <a:r>
+              <a:rPr lang="en-US" dirty="0" smtClean="0"/>
+              <a:t>Train Model</a:t>
+            </a:r>
+            <a:endParaRPr lang="en-IN" dirty="0"/>
+          </a:p>
+        </p:txBody>
+      </p:sp>
+      <p:sp>
+        <p:nvSpPr>
+          <p:cNvPr id="9" name="Rectangle 8"/>
+          <p:cNvSpPr/>
+          <p:nvPr/>
+        </p:nvSpPr>
+        <p:spPr>
+          <a:xfrm>
+            <a:off x="4857752" y="4357694"/>
+            <a:ext cx="1071570" cy="928694"/>
+          </a:xfrm>
+          <a:prstGeom prst="rect">
+            <a:avLst/>
+          </a:prstGeom>
+        </p:spPr>
+        <p:style>
+          <a:lnRef idx="2">
+            <a:schemeClr val="accent1">
+              <a:shade val="50000"/>
+            </a:schemeClr>
+          </a:lnRef>
+          <a:fillRef idx="1">
+            <a:schemeClr val="accent1"/>
+          </a:fillRef>
+          <a:effectRef idx="0">
+            <a:schemeClr val="accent1"/>
+          </a:effectRef>
+          <a:fontRef idx="minor">
+            <a:schemeClr val="lt1"/>
+          </a:fontRef>
+        </p:style>
+        <p:txBody>
+          <a:bodyPr rtlCol="0" anchor="ctr"/>
+          <a:lstStyle/>
+          <a:p>
+            <a:pPr algn="ctr"/>
+            <a:r>
+              <a:rPr lang="en-US" dirty="0" smtClean="0"/>
+              <a:t>Test Data</a:t>
+            </a:r>
+            <a:endParaRPr lang="en-IN" dirty="0"/>
+          </a:p>
+        </p:txBody>
+      </p:sp>
+      <p:sp>
+        <p:nvSpPr>
+          <p:cNvPr id="10" name="Bent Arrow 9"/>
+          <p:cNvSpPr/>
+          <p:nvPr/>
+        </p:nvSpPr>
+        <p:spPr>
+          <a:xfrm rot="5400000">
+            <a:off x="2000232" y="1785926"/>
+            <a:ext cx="500066" cy="500066"/>
+          </a:xfrm>
+          <a:prstGeom prst="bentArrow">
+            <a:avLst/>
+          </a:prstGeom>
+        </p:spPr>
+        <p:style>
+          <a:lnRef idx="2">
+            <a:schemeClr val="accent1">
+              <a:shade val="50000"/>
+            </a:schemeClr>
+          </a:lnRef>
+          <a:fillRef idx="1">
+            <a:schemeClr val="accent1"/>
+          </a:fillRef>
+          <a:effectRef idx="0">
+            <a:schemeClr val="accent1"/>
+          </a:effectRef>
+          <a:fontRef idx="minor">
+            <a:schemeClr val="lt1"/>
+          </a:fontRef>
+        </p:style>
+        <p:txBody>
+          <a:bodyPr rtlCol="0" anchor="ctr"/>
+          <a:lstStyle/>
+          <a:p>
+            <a:pPr algn="ctr"/>
+            <a:endParaRPr lang="en-IN">
+              <a:solidFill>
+                <a:schemeClr val="tx1"/>
+              </a:solidFill>
+            </a:endParaRPr>
+          </a:p>
+        </p:txBody>
+      </p:sp>
+      <p:sp>
+        <p:nvSpPr>
+          <p:cNvPr id="11" name="Bent Arrow 10"/>
+          <p:cNvSpPr/>
+          <p:nvPr/>
+        </p:nvSpPr>
+        <p:spPr>
+          <a:xfrm rot="5400000">
+            <a:off x="3428992" y="2714620"/>
+            <a:ext cx="500066" cy="500066"/>
+          </a:xfrm>
+          <a:prstGeom prst="bentArrow">
+            <a:avLst/>
+          </a:prstGeom>
+        </p:spPr>
+        <p:style>
+          <a:lnRef idx="2">
+            <a:schemeClr val="accent1">
+              <a:shade val="50000"/>
+            </a:schemeClr>
+          </a:lnRef>
+          <a:fillRef idx="1">
+            <a:schemeClr val="accent1"/>
+          </a:fillRef>
+          <a:effectRef idx="0">
+            <a:schemeClr val="accent1"/>
+          </a:effectRef>
+          <a:fontRef idx="minor">
+            <a:schemeClr val="lt1"/>
+          </a:fontRef>
+        </p:style>
+        <p:txBody>
+          <a:bodyPr rtlCol="0" anchor="ctr"/>
+          <a:lstStyle/>
+          <a:p>
+            <a:pPr algn="ctr"/>
+            <a:endParaRPr lang="en-IN">
+              <a:solidFill>
+                <a:schemeClr val="tx1"/>
+              </a:solidFill>
+            </a:endParaRPr>
+          </a:p>
+        </p:txBody>
+      </p:sp>
+      <p:sp>
+        <p:nvSpPr>
+          <p:cNvPr id="12" name="Bent Arrow 11"/>
+          <p:cNvSpPr/>
+          <p:nvPr/>
+        </p:nvSpPr>
+        <p:spPr>
+          <a:xfrm rot="5400000">
+            <a:off x="4857752" y="3714752"/>
+            <a:ext cx="500066" cy="500066"/>
+          </a:xfrm>
+          <a:prstGeom prst="bentArrow">
+            <a:avLst/>
+          </a:prstGeom>
+        </p:spPr>
+        <p:style>
+          <a:lnRef idx="2">
+            <a:schemeClr val="accent1">
+              <a:shade val="50000"/>
+            </a:schemeClr>
+          </a:lnRef>
+          <a:fillRef idx="1">
+            <a:schemeClr val="accent1"/>
+          </a:fillRef>
+          <a:effectRef idx="0">
+            <a:schemeClr val="accent1"/>
+          </a:effectRef>
+          <a:fontRef idx="minor">
+            <a:schemeClr val="lt1"/>
+          </a:fontRef>
+        </p:style>
+        <p:txBody>
+          <a:bodyPr rtlCol="0" anchor="ctr"/>
+          <a:lstStyle/>
+          <a:p>
+            <a:pPr algn="ctr"/>
+            <a:endParaRPr lang="en-IN">
+              <a:solidFill>
+                <a:schemeClr val="tx1"/>
+              </a:solidFill>
+            </a:endParaRPr>
+          </a:p>
+        </p:txBody>
+      </p:sp>
+      <p:sp>
+        <p:nvSpPr>
+          <p:cNvPr id="13" name="Bent Arrow 12"/>
+          <p:cNvSpPr/>
+          <p:nvPr/>
+        </p:nvSpPr>
+        <p:spPr>
+          <a:xfrm rot="5400000">
+            <a:off x="6357950" y="4714884"/>
+            <a:ext cx="500066" cy="500066"/>
+          </a:xfrm>
+          <a:prstGeom prst="bentArrow">
+            <a:avLst/>
+          </a:prstGeom>
+        </p:spPr>
+        <p:style>
+          <a:lnRef idx="2">
+            <a:schemeClr val="accent1">
+              <a:shade val="50000"/>
+            </a:schemeClr>
+          </a:lnRef>
+          <a:fillRef idx="1">
+            <a:schemeClr val="accent1"/>
+          </a:fillRef>
+          <a:effectRef idx="0">
+            <a:schemeClr val="accent1"/>
+          </a:effectRef>
+          <a:fontRef idx="minor">
+            <a:schemeClr val="lt1"/>
+          </a:fontRef>
+        </p:style>
+        <p:txBody>
+          <a:bodyPr rtlCol="0" anchor="ctr"/>
+          <a:lstStyle/>
+          <a:p>
+            <a:pPr algn="ctr"/>
+            <a:endParaRPr lang="en-IN">
+              <a:solidFill>
+                <a:schemeClr val="tx1"/>
+              </a:solidFill>
+            </a:endParaRPr>
+          </a:p>
+        </p:txBody>
+      </p:sp>
       <p:cxnSp>
         <p:nvCxnSpPr>
-          <p:cNvPr id="5" name="Straight Connector 4"/>
+          <p:cNvPr id="15" name="Straight Connector 14"/>
           <p:cNvCxnSpPr/>
           <p:nvPr/>
         </p:nvCxnSpPr>
         <p:spPr>
           <a:xfrm>
-            <a:off x="500034" y="1285860"/>
+            <a:off x="500034" y="1000108"/>
             <a:ext cx="8143932" cy="1588"/>
           </a:xfrm>
           <a:prstGeom prst="line">
@@ -7510,14 +7966,58 @@
       </p:cxnSp>
       <p:sp>
         <p:nvSpPr>
-          <p:cNvPr id="7" name="TextBox 6"/>
+          <p:cNvPr id="17" name="Rectangle 16"/>
+          <p:cNvSpPr/>
+          <p:nvPr/>
+        </p:nvSpPr>
+        <p:spPr>
+          <a:xfrm>
+            <a:off x="6286512" y="5357826"/>
+            <a:ext cx="1071570" cy="928694"/>
+          </a:xfrm>
+          <a:prstGeom prst="rect">
+            <a:avLst/>
+          </a:prstGeom>
+        </p:spPr>
+        <p:style>
+          <a:lnRef idx="2">
+            <a:schemeClr val="accent1">
+              <a:shade val="50000"/>
+            </a:schemeClr>
+          </a:lnRef>
+          <a:fillRef idx="1">
+            <a:schemeClr val="accent1"/>
+          </a:fillRef>
+          <a:effectRef idx="0">
+            <a:schemeClr val="accent1"/>
+          </a:effectRef>
+          <a:fontRef idx="minor">
+            <a:schemeClr val="lt1"/>
+          </a:fontRef>
+        </p:style>
+        <p:txBody>
+          <a:bodyPr rtlCol="0" anchor="ctr"/>
+          <a:lstStyle/>
+          <a:p>
+            <a:pPr algn="ctr"/>
+            <a:r>
+              <a:rPr lang="en-US" dirty="0" smtClean="0"/>
+              <a:t>Result &amp; Accuracy</a:t>
+            </a:r>
+            <a:endParaRPr lang="en-IN" dirty="0"/>
+          </a:p>
+        </p:txBody>
+      </p:sp>
+      <p:sp>
+        <p:nvSpPr>
+          <p:cNvPr id="18" name="TextBox 17"/>
           <p:cNvSpPr txBox="1"/>
           <p:nvPr/>
         </p:nvSpPr>
         <p:spPr>
           <a:xfrm>
-            <a:off x="2857488" y="5715016"/>
-            <a:ext cx="2786082" cy="338554"/>
+            <a:off x="3071802" y="6072206"/>
+            <a:ext cx="2357454" cy="307777"/>
           </a:xfrm>
           <a:prstGeom prst="rect">
             <a:avLst/>
@@ -7530,60 +8030,11 @@
           </a:bodyPr>
           <a:lstStyle/>
           <a:p>
-            <a:pPr algn="ctr"/>
-            <a:r>
-              <a:rPr lang="en-US" sz="1600" dirty="0" smtClean="0"/>
-              <a:t>Fig.1 (Prediction Model)</a:t>
-            </a:r>
-            <a:endParaRPr lang="en-IN" sz="1600" dirty="0"/>
-          </a:p>
-        </p:txBody>
-      </p:sp>
-      <p:sp>
-        <p:nvSpPr>
-          <p:cNvPr id="8" name="Date Placeholder 7"/>
-          <p:cNvSpPr>
-            <a:spLocks noGrp="1"/>
-          </p:cNvSpPr>
-          <p:nvPr>
-            <p:ph type="dt" sz="half" idx="10"/>
-          </p:nvPr>
-        </p:nvSpPr>
-        <p:spPr/>
-        <p:txBody>
-          <a:bodyPr/>
-          <a:lstStyle/>
-          <a:p>
-            <a:fld id="{2FE17802-CD93-413F-8F86-CB058E1CAC30}" type="datetime1">
-              <a:rPr lang="en-US" smtClean="0"/>
-              <a:pPr/>
-              <a:t>1/19/2018</a:t>
-            </a:fld>
-            <a:endParaRPr lang="en-IN"/>
-          </a:p>
-        </p:txBody>
-      </p:sp>
-      <p:sp>
-        <p:nvSpPr>
-          <p:cNvPr id="9" name="Slide Number Placeholder 8"/>
-          <p:cNvSpPr>
-            <a:spLocks noGrp="1"/>
-          </p:cNvSpPr>
-          <p:nvPr>
-            <p:ph type="sldNum" sz="quarter" idx="12"/>
-          </p:nvPr>
-        </p:nvSpPr>
-        <p:spPr/>
-        <p:txBody>
-          <a:bodyPr/>
-          <a:lstStyle/>
-          <a:p>
-            <a:fld id="{5D58D9AF-4558-4E0A-A928-CE81B774F127}" type="slidenum">
-              <a:rPr lang="en-IN" smtClean="0"/>
-              <a:pPr/>
-              <a:t>6</a:t>
-            </a:fld>
-            <a:endParaRPr lang="en-IN"/>
+            <a:r>
+              <a:rPr lang="en-US" sz="1400" dirty="0" smtClean="0"/>
+              <a:t>Fig. 1 (Predicting Model)</a:t>
+            </a:r>
+            <a:endParaRPr lang="en-IN" dirty="0"/>
           </a:p>
         </p:txBody>
       </p:sp>
@@ -7634,15 +8085,21 @@
         </p:nvSpPr>
         <p:spPr/>
         <p:txBody>
-          <a:bodyPr/>
+          <a:bodyPr>
+            <a:normAutofit/>
+          </a:bodyPr>
           <a:lstStyle/>
           <a:p>
             <a:pPr algn="l"/>
             <a:r>
-              <a:rPr lang="en-US" sz="3600" b="1" dirty="0" smtClean="0"/>
-              <a:t>Algorithm Used</a:t>
-            </a:r>
-            <a:endParaRPr lang="en-IN" b="1" dirty="0"/>
+              <a:rPr lang="en-US" sz="4000" b="1" dirty="0" smtClean="0"/>
+              <a:t>Algorithms </a:t>
+            </a:r>
+            <a:r>
+              <a:rPr lang="en-US" sz="4000" b="1" dirty="0" smtClean="0"/>
+              <a:t>Used</a:t>
+            </a:r>
+            <a:endParaRPr lang="en-IN" sz="4000" b="1" dirty="0"/>
           </a:p>
         </p:txBody>
       </p:sp>
@@ -7854,15 +8311,17 @@
         </p:nvSpPr>
         <p:spPr/>
         <p:txBody>
-          <a:bodyPr/>
+          <a:bodyPr>
+            <a:normAutofit/>
+          </a:bodyPr>
           <a:lstStyle/>
           <a:p>
             <a:pPr algn="l"/>
             <a:r>
-              <a:rPr lang="en-US" dirty="0" smtClean="0"/>
-              <a:t>K-fold</a:t>
-            </a:r>
-            <a:endParaRPr lang="en-IN" dirty="0"/>
+              <a:rPr lang="en-US" sz="4000" b="1" dirty="0" smtClean="0"/>
+              <a:t>K-fold Cross Validation</a:t>
+            </a:r>
+            <a:endParaRPr lang="en-IN" sz="4000" b="1" dirty="0"/>
           </a:p>
         </p:txBody>
       </p:sp>
@@ -8222,19 +8681,21 @@
           </a:xfrm>
         </p:spPr>
         <p:txBody>
-          <a:bodyPr/>
+          <a:bodyPr>
+            <a:normAutofit/>
+          </a:bodyPr>
           <a:lstStyle/>
           <a:p>
             <a:pPr algn="l"/>
             <a:r>
-              <a:rPr lang="en-US" dirty="0" smtClean="0"/>
+              <a:rPr lang="en-US" sz="4000" b="1" dirty="0" smtClean="0"/>
               <a:t>Naive </a:t>
             </a:r>
             <a:r>
-              <a:rPr lang="en-US" dirty="0" err="1" smtClean="0"/>
+              <a:rPr lang="en-US" sz="4000" b="1" dirty="0" err="1" smtClean="0"/>
               <a:t>Bayes</a:t>
             </a:r>
-            <a:endParaRPr lang="en-IN" dirty="0"/>
+            <a:endParaRPr lang="en-IN" sz="4000" b="1" dirty="0"/>
           </a:p>
         </p:txBody>
       </p:sp>
@@ -8251,7 +8712,7 @@
         <p:spPr>
           <a:xfrm>
             <a:off x="428596" y="1357298"/>
-            <a:ext cx="8358246" cy="5214974"/>
+            <a:ext cx="8358246" cy="5286412"/>
           </a:xfrm>
         </p:spPr>
         <p:txBody>
@@ -8418,7 +8879,7 @@
         </p:blipFill>
         <p:spPr>
           <a:xfrm>
-            <a:off x="2643174" y="3857628"/>
+            <a:off x="2643174" y="3786190"/>
             <a:ext cx="3771900" cy="2571750"/>
           </a:xfrm>
           <a:prstGeom prst="rect">
@@ -8615,6 +9076,36 @@
               <a:t>9</a:t>
             </a:fld>
             <a:endParaRPr lang="en-IN"/>
+          </a:p>
+        </p:txBody>
+      </p:sp>
+      <p:sp>
+        <p:nvSpPr>
+          <p:cNvPr id="14" name="TextBox 13"/>
+          <p:cNvSpPr txBox="1"/>
+          <p:nvPr/>
+        </p:nvSpPr>
+        <p:spPr>
+          <a:xfrm>
+            <a:off x="3714744" y="6357958"/>
+            <a:ext cx="2143140" cy="276999"/>
+          </a:xfrm>
+          <a:prstGeom prst="rect">
+            <a:avLst/>
+          </a:prstGeom>
+          <a:noFill/>
+        </p:spPr>
+        <p:txBody>
+          <a:bodyPr wrap="square" rtlCol="0">
+            <a:spAutoFit/>
+          </a:bodyPr>
+          <a:lstStyle/>
+          <a:p>
+            <a:r>
+              <a:rPr lang="en-US" sz="1200" dirty="0" smtClean="0"/>
+              <a:t>Fig.2(ROC Curve)</a:t>
+            </a:r>
+            <a:endParaRPr lang="en-IN" sz="1200" dirty="0"/>
           </a:p>
         </p:txBody>
       </p:sp>

--- a/Customer Churn Prediction In Telecom Industry.pptx
+++ b/Customer Churn Prediction In Telecom Industry.pptx
@@ -209,7 +209,7 @@
             <a:fld id="{A7801B31-51B9-4178-B4CF-AA1F7186D430}" type="datetimeFigureOut">
               <a:rPr lang="en-IN" smtClean="0"/>
               <a:pPr/>
-              <a:t>19-01-2018</a:t>
+              <a:t>20-01-2018</a:t>
             </a:fld>
             <a:endParaRPr lang="en-IN"/>
           </a:p>
@@ -739,7 +739,7 @@
             <a:fld id="{BD0AFEF7-3319-407A-95C5-AD41993346C6}" type="datetime1">
               <a:rPr lang="en-US" smtClean="0"/>
               <a:pPr/>
-              <a:t>1/19/2018</a:t>
+              <a:t>20-Jan-18</a:t>
             </a:fld>
             <a:endParaRPr lang="en-IN"/>
           </a:p>
@@ -909,7 +909,7 @@
             <a:fld id="{B46A9CE4-CA11-4BCA-89C1-1D2953A28745}" type="datetime1">
               <a:rPr lang="en-US" smtClean="0"/>
               <a:pPr/>
-              <a:t>1/19/2018</a:t>
+              <a:t>20-Jan-18</a:t>
             </a:fld>
             <a:endParaRPr lang="en-IN"/>
           </a:p>
@@ -1089,7 +1089,7 @@
             <a:fld id="{10A78B6A-2252-446B-892E-F59D2A232950}" type="datetime1">
               <a:rPr lang="en-US" smtClean="0"/>
               <a:pPr/>
-              <a:t>1/19/2018</a:t>
+              <a:t>20-Jan-18</a:t>
             </a:fld>
             <a:endParaRPr lang="en-IN"/>
           </a:p>
@@ -1259,7 +1259,7 @@
             <a:fld id="{4F2F26B5-F710-420A-BA0B-BAB85524BAB1}" type="datetime1">
               <a:rPr lang="en-US" smtClean="0"/>
               <a:pPr/>
-              <a:t>1/19/2018</a:t>
+              <a:t>20-Jan-18</a:t>
             </a:fld>
             <a:endParaRPr lang="en-IN"/>
           </a:p>
@@ -1505,7 +1505,7 @@
             <a:fld id="{FAC94E6D-E117-4F22-8941-746F114E969A}" type="datetime1">
               <a:rPr lang="en-US" smtClean="0"/>
               <a:pPr/>
-              <a:t>1/19/2018</a:t>
+              <a:t>20-Jan-18</a:t>
             </a:fld>
             <a:endParaRPr lang="en-IN"/>
           </a:p>
@@ -1793,7 +1793,7 @@
             <a:fld id="{C1A08B55-8F00-4339-B1D3-CD44C9DEFAEF}" type="datetime1">
               <a:rPr lang="en-US" smtClean="0"/>
               <a:pPr/>
-              <a:t>1/19/2018</a:t>
+              <a:t>20-Jan-18</a:t>
             </a:fld>
             <a:endParaRPr lang="en-IN"/>
           </a:p>
@@ -2215,7 +2215,7 @@
             <a:fld id="{474388DE-5997-4288-B776-D3204D2BA7C1}" type="datetime1">
               <a:rPr lang="en-US" smtClean="0"/>
               <a:pPr/>
-              <a:t>1/19/2018</a:t>
+              <a:t>20-Jan-18</a:t>
             </a:fld>
             <a:endParaRPr lang="en-IN"/>
           </a:p>
@@ -2333,7 +2333,7 @@
             <a:fld id="{810A0912-86DE-40A7-BB26-FA736552E5D3}" type="datetime1">
               <a:rPr lang="en-US" smtClean="0"/>
               <a:pPr/>
-              <a:t>1/19/2018</a:t>
+              <a:t>20-Jan-18</a:t>
             </a:fld>
             <a:endParaRPr lang="en-IN"/>
           </a:p>
@@ -2428,7 +2428,7 @@
             <a:fld id="{03C40EDB-F0DD-4835-88DD-5C436AC7DCD6}" type="datetime1">
               <a:rPr lang="en-US" smtClean="0"/>
               <a:pPr/>
-              <a:t>1/19/2018</a:t>
+              <a:t>20-Jan-18</a:t>
             </a:fld>
             <a:endParaRPr lang="en-IN"/>
           </a:p>
@@ -2705,7 +2705,7 @@
             <a:fld id="{555A8E3D-FBE7-4907-AF96-D945EF7CB5D4}" type="datetime1">
               <a:rPr lang="en-US" smtClean="0"/>
               <a:pPr/>
-              <a:t>1/19/2018</a:t>
+              <a:t>20-Jan-18</a:t>
             </a:fld>
             <a:endParaRPr lang="en-IN"/>
           </a:p>
@@ -2958,7 +2958,7 @@
             <a:fld id="{D90C18D7-8307-4759-977F-15D7E3A6E274}" type="datetime1">
               <a:rPr lang="en-US" smtClean="0"/>
               <a:pPr/>
-              <a:t>1/19/2018</a:t>
+              <a:t>20-Jan-18</a:t>
             </a:fld>
             <a:endParaRPr lang="en-IN"/>
           </a:p>
@@ -3171,7 +3171,7 @@
             <a:fld id="{28571D32-21DD-4AC8-9B6C-8A1768543DF2}" type="datetime1">
               <a:rPr lang="en-US" smtClean="0"/>
               <a:pPr/>
-              <a:t>1/19/2018</a:t>
+              <a:t>20-Jan-18</a:t>
             </a:fld>
             <a:endParaRPr lang="en-IN"/>
           </a:p>
@@ -3570,10 +3570,21 @@
           <a:p>
             <a:r>
               <a:rPr lang="en-US" sz="4800" b="1" dirty="0" smtClean="0">
-                <a:latin typeface="Times New Roman" pitchFamily="18" charset="0"/>
                 <a:cs typeface="Times New Roman" pitchFamily="18" charset="0"/>
               </a:rPr>
-              <a:t>Prediction of Customer Churning In Telecom Industry</a:t>
+              <a:t>Prediction of Customer </a:t>
+            </a:r>
+            <a:r>
+              <a:rPr lang="en-US" sz="4800" b="1" smtClean="0">
+                <a:cs typeface="Times New Roman" pitchFamily="18" charset="0"/>
+              </a:rPr>
+              <a:t>Churning in </a:t>
+            </a:r>
+            <a:r>
+              <a:rPr lang="en-US" sz="4800" b="1" dirty="0" smtClean="0">
+                <a:cs typeface="Times New Roman" pitchFamily="18" charset="0"/>
+              </a:rPr>
+              <a:t>Telecom Industry</a:t>
             </a:r>
             <a:endParaRPr lang="en-IN" sz="4800" dirty="0"/>
           </a:p>
@@ -3849,7 +3860,7 @@
             <a:fld id="{31797B57-5FDA-46CA-A9DC-1CFDBE1898E8}" type="datetime1">
               <a:rPr lang="en-US" smtClean="0"/>
               <a:pPr/>
-              <a:t>1/19/2018</a:t>
+              <a:t>20-Jan-18</a:t>
             </a:fld>
             <a:endParaRPr lang="en-IN"/>
           </a:p>
@@ -3926,7 +3937,7 @@
         </p:nvSpPr>
         <p:spPr>
           <a:xfrm>
-            <a:off x="457200" y="274638"/>
+            <a:off x="467544" y="188640"/>
             <a:ext cx="8229600" cy="1011222"/>
           </a:xfrm>
         </p:spPr>
@@ -3938,10 +3949,10 @@
           <a:p>
             <a:pPr algn="l"/>
             <a:r>
-              <a:rPr lang="en-US" sz="4000" b="1" dirty="0" smtClean="0"/>
+              <a:rPr lang="en-US" sz="3600" b="1" dirty="0" smtClean="0"/>
               <a:t>KNN(Using Library Function)</a:t>
             </a:r>
-            <a:endParaRPr lang="en-IN" sz="4000" b="1" dirty="0"/>
+            <a:endParaRPr lang="en-IN" sz="3600" b="1" dirty="0"/>
           </a:p>
         </p:txBody>
       </p:sp>
@@ -3957,13 +3968,13 @@
         </p:nvSpPr>
         <p:spPr>
           <a:xfrm>
-            <a:off x="457200" y="1285860"/>
+            <a:off x="467544" y="1196752"/>
             <a:ext cx="8472518" cy="5286412"/>
           </a:xfrm>
         </p:spPr>
         <p:txBody>
           <a:bodyPr>
-            <a:normAutofit/>
+            <a:normAutofit lnSpcReduction="10000"/>
           </a:bodyPr>
           <a:lstStyle/>
           <a:p>
@@ -3988,16 +3999,8 @@
               <a:buNone/>
             </a:pPr>
             <a:r>
-              <a:rPr lang="en-US" sz="2000" b="1" u="sng" dirty="0" smtClean="0"/>
-              <a:t>Confusion matrix</a:t>
-            </a:r>
-            <a:r>
               <a:rPr lang="en-US" sz="2000" b="1" dirty="0" smtClean="0"/>
-              <a:t>:                                    </a:t>
-            </a:r>
-            <a:r>
-              <a:rPr lang="en-US" sz="2000" b="1" u="sng" dirty="0" smtClean="0"/>
-              <a:t>Accuracy:              </a:t>
+              <a:t>Confusion matrix:                                  Accuracy:              </a:t>
             </a:r>
           </a:p>
           <a:p>
@@ -4031,6 +4034,15 @@
             <a:pPr>
               <a:buNone/>
             </a:pPr>
+            <a:r>
+              <a:rPr lang="en-US" sz="2000" b="1" dirty="0" smtClean="0"/>
+              <a:t>Roc Curve:</a:t>
+            </a:r>
+          </a:p>
+          <a:p>
+            <a:pPr>
+              <a:buNone/>
+            </a:pPr>
             <a:endParaRPr lang="en-US" sz="2000" b="1" u="sng" dirty="0" smtClean="0"/>
           </a:p>
           <a:p>
@@ -4049,36 +4061,65 @@
             <a:pPr>
               <a:buNone/>
             </a:pPr>
-            <a:r>
-              <a:rPr lang="en-US" sz="2000" b="1" u="sng" dirty="0" smtClean="0"/>
-              <a:t>Roc Curve:</a:t>
-            </a:r>
+            <a:endParaRPr lang="en-US" sz="2000" b="1" u="sng" dirty="0" smtClean="0"/>
           </a:p>
           <a:p>
             <a:pPr>
               <a:buNone/>
             </a:pPr>
-            <a:endParaRPr lang="en-US" dirty="0" smtClean="0"/>
+            <a:endParaRPr lang="en-US" sz="1400" dirty="0" smtClean="0"/>
           </a:p>
           <a:p>
             <a:pPr>
               <a:buNone/>
             </a:pPr>
-            <a:endParaRPr lang="en-US" dirty="0" smtClean="0"/>
-          </a:p>
-          <a:p>
-            <a:pPr algn="ctr">
-              <a:buNone/>
-            </a:pPr>
-            <a:r>
-              <a:rPr lang="en-US" sz="1600" dirty="0" smtClean="0"/>
-              <a:t>Fig.3  </a:t>
-            </a:r>
-            <a:r>
-              <a:rPr lang="en-US" sz="1600" dirty="0" smtClean="0"/>
-              <a:t>(ROC curve for Different K values)</a:t>
-            </a:r>
-            <a:endParaRPr lang="en-IN" sz="1600" dirty="0"/>
+            <a:endParaRPr lang="en-US" sz="1200" dirty="0" smtClean="0"/>
+          </a:p>
+          <a:p>
+            <a:pPr>
+              <a:buNone/>
+            </a:pPr>
+            <a:endParaRPr lang="en-US" sz="1200" dirty="0" smtClean="0"/>
+          </a:p>
+          <a:p>
+            <a:pPr>
+              <a:buNone/>
+            </a:pPr>
+            <a:r>
+              <a:rPr lang="en-US" sz="1200" dirty="0" smtClean="0"/>
+              <a:t>				</a:t>
+            </a:r>
+          </a:p>
+          <a:p>
+            <a:pPr>
+              <a:buNone/>
+            </a:pPr>
+            <a:r>
+              <a:rPr lang="en-US" sz="1200" dirty="0" smtClean="0"/>
+              <a:t>				</a:t>
+            </a:r>
+          </a:p>
+          <a:p>
+            <a:pPr>
+              <a:buNone/>
+            </a:pPr>
+            <a:endParaRPr lang="en-US" sz="1200" dirty="0" smtClean="0"/>
+          </a:p>
+          <a:p>
+            <a:pPr>
+              <a:buNone/>
+            </a:pPr>
+            <a:r>
+              <a:rPr lang="en-US" sz="1200" dirty="0" smtClean="0"/>
+              <a:t>				Fig.3  (ROC curve for Different K values)</a:t>
+            </a:r>
+            <a:endParaRPr lang="en-IN" sz="1200" dirty="0" smtClean="0"/>
+          </a:p>
+          <a:p>
+            <a:pPr>
+              <a:buNone/>
+            </a:pPr>
+            <a:endParaRPr lang="en-US" sz="1400" b="1" u="sng" dirty="0" smtClean="0"/>
           </a:p>
         </p:txBody>
       </p:sp>
@@ -4090,7 +4131,7 @@
         </p:nvCxnSpPr>
         <p:spPr>
           <a:xfrm>
-            <a:off x="500034" y="1142984"/>
+            <a:off x="539552" y="1052736"/>
             <a:ext cx="8286808" cy="1588"/>
           </a:xfrm>
           <a:prstGeom prst="line">
@@ -4133,7 +4174,7 @@
         </p:blipFill>
         <p:spPr>
           <a:xfrm>
-            <a:off x="4714876" y="2143116"/>
+            <a:off x="4499992" y="2132856"/>
             <a:ext cx="4167939" cy="1143008"/>
           </a:xfrm>
           <a:prstGeom prst="rect">
@@ -4143,7 +4184,7 @@
       </p:pic>
       <p:pic>
         <p:nvPicPr>
-          <p:cNvPr id="9" name="Picture 8" descr="cnf knn.JPG"/>
+          <p:cNvPr id="12" name="Picture 11" descr="knn1.JPG"/>
           <p:cNvPicPr>
             <a:picLocks noChangeAspect="1"/>
           </p:cNvPicPr>
@@ -4157,126 +4198,114 @@
         </p:blipFill>
         <p:spPr>
           <a:xfrm>
-            <a:off x="571472" y="2214554"/>
-            <a:ext cx="3337650" cy="1000132"/>
+            <a:off x="4572000" y="3284984"/>
+            <a:ext cx="4067361" cy="2711574"/>
           </a:xfrm>
           <a:prstGeom prst="rect">
             <a:avLst/>
           </a:prstGeom>
         </p:spPr>
       </p:pic>
+      <p:sp>
+        <p:nvSpPr>
+          <p:cNvPr id="10" name="Date Placeholder 9"/>
+          <p:cNvSpPr>
+            <a:spLocks noGrp="1"/>
+          </p:cNvSpPr>
+          <p:nvPr>
+            <p:ph type="dt" sz="half" idx="10"/>
+          </p:nvPr>
+        </p:nvSpPr>
+        <p:spPr/>
+        <p:txBody>
+          <a:bodyPr/>
+          <a:lstStyle/>
+          <a:p>
+            <a:fld id="{A8E1570B-8F0F-42DB-BA1A-EE8F9565E3F7}" type="datetime1">
+              <a:rPr lang="en-US" smtClean="0"/>
+              <a:pPr/>
+              <a:t>20-Jan-18</a:t>
+            </a:fld>
+            <a:endParaRPr lang="en-IN"/>
+          </a:p>
+        </p:txBody>
+      </p:sp>
+      <p:sp>
+        <p:nvSpPr>
+          <p:cNvPr id="11" name="Slide Number Placeholder 10"/>
+          <p:cNvSpPr>
+            <a:spLocks noGrp="1"/>
+          </p:cNvSpPr>
+          <p:nvPr>
+            <p:ph type="sldNum" sz="quarter" idx="12"/>
+          </p:nvPr>
+        </p:nvSpPr>
+        <p:spPr/>
+        <p:txBody>
+          <a:bodyPr/>
+          <a:lstStyle/>
+          <a:p>
+            <a:fld id="{5D58D9AF-4558-4E0A-A928-CE81B774F127}" type="slidenum">
+              <a:rPr lang="en-IN" smtClean="0"/>
+              <a:pPr/>
+              <a:t>10</a:t>
+            </a:fld>
+            <a:endParaRPr lang="en-IN"/>
+          </a:p>
+        </p:txBody>
+      </p:sp>
       <p:pic>
         <p:nvPicPr>
-          <p:cNvPr id="12" name="Picture 11" descr="knn1.JPG"/>
+          <p:cNvPr id="1026" name="Picture 2" descr="C:\Users\Souvik\Desktop\Capture.PNG"/>
           <p:cNvPicPr>
-            <a:picLocks noChangeAspect="1"/>
+            <a:picLocks noChangeAspect="1" noChangeArrowheads="1"/>
           </p:cNvPicPr>
           <p:nvPr/>
         </p:nvPicPr>
         <p:blipFill>
           <a:blip r:embed="rId4" cstate="print"/>
+          <a:srcRect/>
           <a:stretch>
             <a:fillRect/>
           </a:stretch>
         </p:blipFill>
-        <p:spPr>
+        <p:spPr bwMode="auto">
           <a:xfrm>
-            <a:off x="2786050" y="3643314"/>
-            <a:ext cx="3743325" cy="2495550"/>
+            <a:off x="827584" y="2132856"/>
+            <a:ext cx="2592288" cy="1099759"/>
           </a:xfrm>
           <a:prstGeom prst="rect">
             <a:avLst/>
           </a:prstGeom>
+          <a:noFill/>
         </p:spPr>
       </p:pic>
-      <p:sp>
-        <p:nvSpPr>
-          <p:cNvPr id="10" name="Date Placeholder 9"/>
-          <p:cNvSpPr>
-            <a:spLocks noGrp="1"/>
-          </p:cNvSpPr>
-          <p:nvPr>
-            <p:ph type="dt" sz="half" idx="10"/>
-          </p:nvPr>
-        </p:nvSpPr>
-        <p:spPr/>
-        <p:txBody>
-          <a:bodyPr/>
-          <a:lstStyle/>
-          <a:p>
-            <a:fld id="{A8E1570B-8F0F-42DB-BA1A-EE8F9565E3F7}" type="datetime1">
-              <a:rPr lang="en-US" smtClean="0"/>
-              <a:pPr/>
-              <a:t>1/19/2018</a:t>
-            </a:fld>
-            <a:endParaRPr lang="en-IN"/>
-          </a:p>
-        </p:txBody>
-      </p:sp>
-      <p:sp>
-        <p:nvSpPr>
-          <p:cNvPr id="11" name="Slide Number Placeholder 10"/>
-          <p:cNvSpPr>
-            <a:spLocks noGrp="1"/>
-          </p:cNvSpPr>
-          <p:nvPr>
-            <p:ph type="sldNum" sz="quarter" idx="12"/>
-          </p:nvPr>
-        </p:nvSpPr>
-        <p:spPr/>
-        <p:txBody>
-          <a:bodyPr/>
-          <a:lstStyle/>
-          <a:p>
-            <a:fld id="{5D58D9AF-4558-4E0A-A928-CE81B774F127}" type="slidenum">
-              <a:rPr lang="en-IN" smtClean="0"/>
-              <a:pPr/>
-              <a:t>10</a:t>
-            </a:fld>
-            <a:endParaRPr lang="en-IN"/>
-          </a:p>
-        </p:txBody>
-      </p:sp>
-      <p:sp>
-        <p:nvSpPr>
-          <p:cNvPr id="13" name="Right Arrow 12"/>
-          <p:cNvSpPr/>
+      <p:pic>
+        <p:nvPicPr>
+          <p:cNvPr id="1027" name="Picture 3" descr="C:\Users\Souvik\Desktop\Capture.PNG"/>
+          <p:cNvPicPr>
+            <a:picLocks noChangeAspect="1" noChangeArrowheads="1"/>
+          </p:cNvPicPr>
           <p:nvPr/>
-        </p:nvSpPr>
-        <p:spPr>
+        </p:nvPicPr>
+        <p:blipFill>
+          <a:blip r:embed="rId5" cstate="print"/>
+          <a:srcRect/>
+          <a:stretch>
+            <a:fillRect/>
+          </a:stretch>
+        </p:blipFill>
+        <p:spPr bwMode="auto">
           <a:xfrm>
-            <a:off x="1928794" y="4714884"/>
-            <a:ext cx="357190" cy="142876"/>
-          </a:xfrm>
-          <a:prstGeom prst="rightArrow">
+            <a:off x="467544" y="3573016"/>
+            <a:ext cx="3690157" cy="2520280"/>
+          </a:xfrm>
+          <a:prstGeom prst="rect">
             <a:avLst/>
           </a:prstGeom>
-        </p:spPr>
-        <p:style>
-          <a:lnRef idx="2">
-            <a:schemeClr val="accent1">
-              <a:shade val="50000"/>
-            </a:schemeClr>
-          </a:lnRef>
-          <a:fillRef idx="1">
-            <a:schemeClr val="accent1"/>
-          </a:fillRef>
-          <a:effectRef idx="0">
-            <a:schemeClr val="accent1"/>
-          </a:effectRef>
-          <a:fontRef idx="minor">
-            <a:schemeClr val="lt1"/>
-          </a:fontRef>
-        </p:style>
-        <p:txBody>
-          <a:bodyPr rtlCol="0" anchor="ctr"/>
-          <a:lstStyle/>
-          <a:p>
-            <a:pPr algn="ctr"/>
-            <a:endParaRPr lang="en-IN"/>
-          </a:p>
-        </p:txBody>
-      </p:sp>
+          <a:noFill/>
+        </p:spPr>
+      </p:pic>
     </p:spTree>
   </p:cSld>
   <p:clrMapOvr>
@@ -4322,7 +4351,12 @@
             <p:ph type="title"/>
           </p:nvPr>
         </p:nvSpPr>
-        <p:spPr/>
+        <p:spPr>
+          <a:xfrm>
+            <a:off x="395536" y="260648"/>
+            <a:ext cx="8229600" cy="1143000"/>
+          </a:xfrm>
+        </p:spPr>
         <p:txBody>
           <a:bodyPr>
             <a:normAutofit/>
@@ -4331,10 +4365,10 @@
           <a:p>
             <a:pPr algn="l"/>
             <a:r>
-              <a:rPr lang="en-US" sz="4000" b="1" dirty="0" smtClean="0"/>
+              <a:rPr lang="en-US" sz="3600" b="1" dirty="0" smtClean="0"/>
               <a:t>KNN Algorithm</a:t>
             </a:r>
-            <a:endParaRPr lang="en-IN" sz="4000" dirty="0"/>
+            <a:endParaRPr lang="en-IN" sz="3600" dirty="0"/>
           </a:p>
         </p:txBody>
       </p:sp>
@@ -4485,7 +4519,7 @@
             <a:fld id="{4F2F26B5-F710-420A-BA0B-BAB85524BAB1}" type="datetime1">
               <a:rPr lang="en-US" smtClean="0"/>
               <a:pPr/>
-              <a:t>1/19/2018</a:t>
+              <a:t>20-Jan-18</a:t>
             </a:fld>
             <a:endParaRPr lang="en-IN"/>
           </a:p>
@@ -4619,7 +4653,12 @@
             <p:ph type="title"/>
           </p:nvPr>
         </p:nvSpPr>
-        <p:spPr/>
+        <p:spPr>
+          <a:xfrm>
+            <a:off x="395536" y="260648"/>
+            <a:ext cx="8229600" cy="1143000"/>
+          </a:xfrm>
+        </p:spPr>
         <p:txBody>
           <a:bodyPr>
             <a:normAutofit/>
@@ -4628,10 +4667,10 @@
           <a:p>
             <a:pPr algn="l"/>
             <a:r>
-              <a:rPr lang="en-US" sz="4000" b="1" dirty="0" smtClean="0"/>
+              <a:rPr lang="en-US" sz="3600" b="1" dirty="0" smtClean="0"/>
               <a:t>Random Forest Classification</a:t>
             </a:r>
-            <a:endParaRPr lang="en-IN" sz="4000" b="1" dirty="0"/>
+            <a:endParaRPr lang="en-IN" sz="3600" b="1" dirty="0"/>
           </a:p>
         </p:txBody>
       </p:sp>
@@ -4661,28 +4700,30 @@
               <a:buNone/>
             </a:pPr>
             <a:r>
-              <a:rPr lang="en-IN" sz="2000" dirty="0" smtClean="0"/>
-              <a:t>     Random forest is like bootstrapping algorithm with Decision tree (CART) model.</a:t>
+              <a:rPr lang="en-US" sz="2000" dirty="0" smtClean="0"/>
+              <a:t>	Random forest classifier is a supervised classification algorithm. It uses decision trees to classify datasets</a:t>
             </a:r>
           </a:p>
           <a:p>
             <a:pPr>
               <a:buNone/>
             </a:pPr>
+            <a:r>
+              <a:rPr lang="en-US" sz="2000" b="1" dirty="0" smtClean="0"/>
+              <a:t>Confusion Matrix:</a:t>
+            </a:r>
+          </a:p>
+          <a:p>
+            <a:pPr>
+              <a:buNone/>
+            </a:pPr>
             <a:endParaRPr lang="en-US" sz="2000" dirty="0" smtClean="0"/>
           </a:p>
           <a:p>
             <a:pPr>
               <a:buNone/>
             </a:pPr>
-            <a:r>
-              <a:rPr lang="en-US" sz="2000" u="sng" dirty="0" smtClean="0"/>
-              <a:t>Confusion Matrix</a:t>
-            </a:r>
-            <a:r>
-              <a:rPr lang="en-US" sz="2000" dirty="0" smtClean="0"/>
-              <a:t>:</a:t>
-            </a:r>
+            <a:endParaRPr lang="en-US" sz="2000" dirty="0" smtClean="0"/>
           </a:p>
           <a:p>
             <a:pPr>
@@ -4706,27 +4747,11 @@
             <a:pPr>
               <a:buNone/>
             </a:pPr>
-            <a:endParaRPr lang="en-US" sz="2000" dirty="0" smtClean="0"/>
-          </a:p>
-          <a:p>
-            <a:pPr>
-              <a:buNone/>
-            </a:pPr>
-            <a:endParaRPr lang="en-US" sz="2000" dirty="0" smtClean="0"/>
-          </a:p>
-          <a:p>
-            <a:pPr>
-              <a:buNone/>
-            </a:pPr>
-            <a:r>
-              <a:rPr lang="en-US" sz="2000" u="sng" dirty="0" smtClean="0"/>
-              <a:t>Roc Curve</a:t>
-            </a:r>
-            <a:r>
-              <a:rPr lang="en-US" sz="2000" dirty="0" smtClean="0"/>
-              <a:t>:      </a:t>
-            </a:r>
-            <a:endParaRPr lang="en-IN" sz="2000" dirty="0"/>
+            <a:r>
+              <a:rPr lang="en-US" sz="2000" b="1" dirty="0" smtClean="0"/>
+              <a:t>Roc Curve:      </a:t>
+            </a:r>
+            <a:endParaRPr lang="en-IN" sz="2000" b="1" dirty="0"/>
           </a:p>
         </p:txBody>
       </p:sp>
@@ -4805,8 +4830,8 @@
         </p:blipFill>
         <p:spPr>
           <a:xfrm>
-            <a:off x="2552712" y="3929066"/>
-            <a:ext cx="3733800" cy="2357454"/>
+            <a:off x="2555776" y="3717032"/>
+            <a:ext cx="3841529" cy="2497480"/>
           </a:xfrm>
           <a:prstGeom prst="rect">
             <a:avLst/>
@@ -4838,11 +4863,7 @@
             <a:pPr algn="ctr"/>
             <a:r>
               <a:rPr lang="en-US" sz="1200" dirty="0" smtClean="0"/>
-              <a:t>Fig.4  </a:t>
-            </a:r>
-            <a:r>
-              <a:rPr lang="en-US" sz="1200" dirty="0" smtClean="0"/>
-              <a:t>(ROC Curve)</a:t>
+              <a:t>Fig.4  (ROC Curve)</a:t>
             </a:r>
             <a:endParaRPr lang="en-IN" sz="1200" dirty="0"/>
           </a:p>
@@ -4946,7 +4967,7 @@
             <a:fld id="{FAE28742-D507-4271-A973-95602BB021FA}" type="datetime1">
               <a:rPr lang="en-US" smtClean="0"/>
               <a:pPr/>
-              <a:t>1/19/2018</a:t>
+              <a:t>20-Jan-18</a:t>
             </a:fld>
             <a:endParaRPr lang="en-IN"/>
           </a:p>
@@ -5023,8 +5044,8 @@
         </p:nvSpPr>
         <p:spPr>
           <a:xfrm>
-            <a:off x="457200" y="0"/>
-            <a:ext cx="8229600" cy="1417638"/>
+            <a:off x="395536" y="404664"/>
+            <a:ext cx="8748464" cy="1084982"/>
           </a:xfrm>
         </p:spPr>
         <p:txBody>
@@ -5035,10 +5056,10 @@
           <a:p>
             <a:pPr algn="l"/>
             <a:r>
-              <a:rPr lang="en-US" sz="4000" b="1" dirty="0" smtClean="0"/>
-              <a:t>Random Forest Classification(contd.)</a:t>
-            </a:r>
-            <a:endParaRPr lang="en-IN" sz="4000" dirty="0"/>
+              <a:rPr lang="en-US" sz="3600" b="1" dirty="0" smtClean="0"/>
+              <a:t>Random Forest Classification (contd.)</a:t>
+            </a:r>
+            <a:endParaRPr lang="en-IN" sz="3600" dirty="0"/>
           </a:p>
         </p:txBody>
       </p:sp>
@@ -5072,12 +5093,8 @@
               <a:buNone/>
             </a:pPr>
             <a:r>
-              <a:rPr lang="en-US" sz="2000" u="sng" dirty="0" smtClean="0"/>
-              <a:t>Accuracy</a:t>
-            </a:r>
-            <a:r>
-              <a:rPr lang="en-US" sz="2000" dirty="0" smtClean="0"/>
-              <a:t>:</a:t>
+              <a:rPr lang="en-US" sz="2000" b="1" dirty="0" smtClean="0"/>
+              <a:t>Accuracy:</a:t>
             </a:r>
             <a:r>
               <a:rPr lang="en-US" sz="2400" dirty="0" smtClean="0"/>
@@ -5095,12 +5112,8 @@
               <a:buNone/>
             </a:pPr>
             <a:r>
-              <a:rPr lang="en-US" sz="2000" u="sng" dirty="0" smtClean="0"/>
-              <a:t>Feature </a:t>
-            </a:r>
-            <a:r>
-              <a:rPr lang="en-US" sz="2000" u="sng" dirty="0" smtClean="0"/>
-              <a:t>Importance:</a:t>
+              <a:rPr lang="en-US" sz="2000" b="1" dirty="0" smtClean="0"/>
+              <a:t>Feature Importance:</a:t>
             </a:r>
           </a:p>
           <a:p>
@@ -5250,7 +5263,7 @@
         </p:blipFill>
         <p:spPr>
           <a:xfrm>
-            <a:off x="6215074" y="3071810"/>
+            <a:off x="6228184" y="3212976"/>
             <a:ext cx="2124075" cy="1743075"/>
           </a:xfrm>
           <a:prstGeom prst="rect">
@@ -5282,15 +5295,7 @@
           <a:p>
             <a:r>
               <a:rPr lang="en-US" sz="1400" dirty="0" smtClean="0"/>
-              <a:t>Fig</a:t>
-            </a:r>
-            <a:r>
-              <a:rPr lang="en-US" sz="1400" dirty="0" smtClean="0"/>
-              <a:t>. 5 </a:t>
-            </a:r>
-            <a:r>
-              <a:rPr lang="en-US" sz="1400" dirty="0" smtClean="0"/>
-              <a:t>( Feature importance plotting )</a:t>
+              <a:t>Fig. 5 ( Feature importance plotting )</a:t>
             </a:r>
             <a:endParaRPr lang="en-IN" sz="1400" dirty="0"/>
           </a:p>
@@ -5314,7 +5319,7 @@
             <a:fld id="{5CAF68EB-4A27-45BA-A4BF-36EB753465E6}" type="datetime1">
               <a:rPr lang="en-US" smtClean="0"/>
               <a:pPr/>
-              <a:t>1/19/2018</a:t>
+              <a:t>20-Jan-18</a:t>
             </a:fld>
             <a:endParaRPr lang="en-IN"/>
           </a:p>
@@ -5402,10 +5407,14 @@
               </a:spcBef>
             </a:pPr>
             <a:r>
-              <a:rPr lang="en-IN" sz="4000" b="1" dirty="0" smtClean="0"/>
+              <a:rPr lang="en-IN" sz="3600" b="1" dirty="0" smtClean="0">
+                <a:latin typeface="+mj-lt"/>
+              </a:rPr>
               <a:t>Conclusion</a:t>
             </a:r>
-            <a:endParaRPr lang="en-IN" sz="4000" b="1" dirty="0"/>
+            <a:endParaRPr lang="en-IN" sz="3600" b="1" dirty="0">
+              <a:latin typeface="+mj-lt"/>
+            </a:endParaRPr>
           </a:p>
         </p:txBody>
       </p:sp>
@@ -5433,7 +5442,7 @@
               <a:rPr lang="en-US" sz="2000" dirty="0" smtClean="0">
                 <a:cs typeface="Times New Roman" pitchFamily="18" charset="0"/>
               </a:rPr>
-              <a:t>      As customer churn prediction model have become the major tool for telecommunications industry for sustaining and maintaining a stable profit level at top line and bottom line in a competitive environment, it means that this model must be structure in a way that is reliable.</a:t>
+              <a:t>      From the above project done, it can be concluded that the Random Forest Classifier model, is the most accurate way of predicting the customer churn score, among the three models.</a:t>
             </a:r>
             <a:endParaRPr lang="en-IN" sz="2000" dirty="0"/>
           </a:p>
@@ -5492,7 +5501,7 @@
             <a:fld id="{56B504D5-C299-47F5-A5FE-24D900F83764}" type="datetime1">
               <a:rPr lang="en-US" smtClean="0"/>
               <a:pPr/>
-              <a:t>1/19/2018</a:t>
+              <a:t>20-Jan-18</a:t>
             </a:fld>
             <a:endParaRPr lang="en-IN"/>
           </a:p>
@@ -5567,7 +5576,12 @@
             <p:ph type="title"/>
           </p:nvPr>
         </p:nvSpPr>
-        <p:spPr/>
+        <p:spPr>
+          <a:xfrm>
+            <a:off x="467544" y="332656"/>
+            <a:ext cx="8229600" cy="1143000"/>
+          </a:xfrm>
+        </p:spPr>
         <p:txBody>
           <a:bodyPr>
             <a:normAutofit/>
@@ -5576,13 +5590,12 @@
           <a:p>
             <a:pPr algn="l"/>
             <a:r>
-              <a:rPr lang="en-US" sz="4000" b="1" dirty="0" smtClean="0">
-                <a:latin typeface="Times New Roman" pitchFamily="18" charset="0"/>
+              <a:rPr lang="en-US" sz="3600" b="1" dirty="0" smtClean="0">
                 <a:cs typeface="Times New Roman" pitchFamily="18" charset="0"/>
               </a:rPr>
               <a:t>References</a:t>
             </a:r>
-            <a:endParaRPr lang="en-IN" sz="4000" dirty="0"/>
+            <a:endParaRPr lang="en-IN" sz="3600" dirty="0"/>
           </a:p>
         </p:txBody>
       </p:sp>
@@ -5771,7 +5784,7 @@
             <a:fld id="{A56BA8E3-A8D0-4940-8D3E-116892F5B2C8}" type="datetime1">
               <a:rPr lang="en-US" smtClean="0"/>
               <a:pPr/>
-              <a:t>1/19/2018</a:t>
+              <a:t>20-Jan-18</a:t>
             </a:fld>
             <a:endParaRPr lang="en-IN"/>
           </a:p>
@@ -5855,13 +5868,12 @@
           <a:p>
             <a:pPr algn="l"/>
             <a:r>
-              <a:rPr lang="en-US" sz="4000" b="1" dirty="0" smtClean="0">
-                <a:latin typeface="Times New Roman" pitchFamily="18" charset="0"/>
+              <a:rPr lang="en-US" sz="3600" b="1" dirty="0" smtClean="0">
                 <a:cs typeface="Times New Roman" pitchFamily="18" charset="0"/>
               </a:rPr>
               <a:t>Acknowledgement</a:t>
             </a:r>
-            <a:endParaRPr lang="en-IN" sz="4000" dirty="0"/>
+            <a:endParaRPr lang="en-IN" sz="3600" dirty="0"/>
           </a:p>
         </p:txBody>
       </p:sp>
@@ -5962,7 +5974,7 @@
             <a:fld id="{59723C9C-2DC8-4520-B919-FD6F5127F6A9}" type="datetime1">
               <a:rPr lang="en-US" smtClean="0"/>
               <a:pPr/>
-              <a:t>1/19/2018</a:t>
+              <a:t>20-Jan-18</a:t>
             </a:fld>
             <a:endParaRPr lang="en-IN"/>
           </a:p>
@@ -6036,7 +6048,7 @@
         <p:spPr>
           <a:xfrm>
             <a:off x="1928794" y="2928934"/>
-            <a:ext cx="4643470" cy="1107996"/>
+            <a:ext cx="4875454" cy="1107996"/>
           </a:xfrm>
           <a:prstGeom prst="rect">
             <a:avLst/>
@@ -6051,8 +6063,8 @@
           <a:p>
             <a:pPr algn="ctr"/>
             <a:r>
-              <a:rPr lang="en-US" sz="6600" smtClean="0"/>
-              <a:t>Thank You..</a:t>
+              <a:rPr lang="en-US" sz="6600" dirty="0" smtClean="0"/>
+              <a:t>Thank You…</a:t>
             </a:r>
             <a:endParaRPr lang="en-IN" sz="6600" dirty="0"/>
           </a:p>
@@ -6076,7 +6088,7 @@
             <a:fld id="{FF4AEDB3-71D3-43CD-A499-B90B92A6DB5E}" type="datetime1">
               <a:rPr lang="en-US" smtClean="0"/>
               <a:pPr/>
-              <a:t>1/19/2018</a:t>
+              <a:t>20-Jan-18</a:t>
             </a:fld>
             <a:endParaRPr lang="en-IN"/>
           </a:p>
@@ -6160,10 +6172,10 @@
           <a:p>
             <a:pPr algn="l"/>
             <a:r>
-              <a:rPr lang="en-US" sz="4000" b="1" dirty="0" smtClean="0"/>
+              <a:rPr lang="en-US" sz="3600" b="1" dirty="0" smtClean="0"/>
               <a:t>Contents</a:t>
             </a:r>
-            <a:endParaRPr lang="en-IN" sz="4000" b="1" dirty="0"/>
+            <a:endParaRPr lang="en-IN" sz="3600" b="1" dirty="0"/>
           </a:p>
         </p:txBody>
       </p:sp>
@@ -6224,8 +6236,13 @@
             </a:pPr>
             <a:r>
               <a:rPr lang="en-IN" sz="2000" dirty="0" smtClean="0"/>
-              <a:t>Objective Of the project</a:t>
-            </a:r>
+              <a:t>Objective </a:t>
+            </a:r>
+            <a:r>
+              <a:rPr lang="en-IN" sz="2000" dirty="0" smtClean="0"/>
+              <a:t>of this Project</a:t>
+            </a:r>
+            <a:endParaRPr lang="en-IN" sz="2000" dirty="0" smtClean="0"/>
           </a:p>
           <a:p>
             <a:pPr marL="971550" lvl="1" indent="-514350">
@@ -6251,7 +6268,7 @@
             </a:pPr>
             <a:r>
               <a:rPr lang="en-US" sz="2000" dirty="0" smtClean="0"/>
-              <a:t>Algorithm Used</a:t>
+              <a:t>Algorithms Used</a:t>
             </a:r>
           </a:p>
           <a:p>
@@ -6264,16 +6281,13 @@
             </a:pPr>
             <a:r>
               <a:rPr lang="en-US" sz="2000" dirty="0" smtClean="0"/>
-              <a:t>Naive </a:t>
-            </a:r>
-            <a:r>
-              <a:rPr lang="en-US" sz="2000" dirty="0" err="1" smtClean="0"/>
-              <a:t>Bayes</a:t>
+              <a:t>K-fold Cross </a:t>
             </a:r>
             <a:r>
               <a:rPr lang="en-US" sz="2000" dirty="0" smtClean="0"/>
-              <a:t> Classification</a:t>
-            </a:r>
+              <a:t>Validation</a:t>
+            </a:r>
+            <a:endParaRPr lang="en-US" sz="2000" dirty="0" smtClean="0"/>
           </a:p>
           <a:p>
             <a:pPr marL="971550" lvl="1" indent="-514350">
@@ -6285,7 +6299,15 @@
             </a:pPr>
             <a:r>
               <a:rPr lang="en-US" sz="2000" dirty="0" smtClean="0"/>
-              <a:t>K-fold Cross validation</a:t>
+              <a:t>Naive </a:t>
+            </a:r>
+            <a:r>
+              <a:rPr lang="en-US" sz="2000" dirty="0" err="1" smtClean="0"/>
+              <a:t>Bayes</a:t>
+            </a:r>
+            <a:r>
+              <a:rPr lang="en-US" sz="2000" dirty="0" smtClean="0"/>
+              <a:t> Classification</a:t>
             </a:r>
           </a:p>
           <a:p>
@@ -6298,8 +6320,9 @@
             </a:pPr>
             <a:r>
               <a:rPr lang="en-US" sz="2000" dirty="0" smtClean="0"/>
-              <a:t>K Nearest Neighbors</a:t>
-            </a:r>
+              <a:t>K Nearest Neighbors Classification</a:t>
+            </a:r>
+            <a:endParaRPr lang="en-US" sz="2000" dirty="0" smtClean="0"/>
           </a:p>
           <a:p>
             <a:pPr marL="971550" lvl="1" indent="-514350">
@@ -6312,19 +6335,6 @@
             <a:r>
               <a:rPr lang="en-US" sz="2000" dirty="0" smtClean="0"/>
               <a:t>Random Forest Classification</a:t>
-            </a:r>
-          </a:p>
-          <a:p>
-            <a:pPr marL="971550" lvl="1" indent="-514350">
-              <a:lnSpc>
-                <a:spcPct val="90000"/>
-              </a:lnSpc>
-              <a:buFont typeface="Impact" pitchFamily="34" charset="0"/>
-              <a:buAutoNum type="arabicPeriod"/>
-            </a:pPr>
-            <a:r>
-              <a:rPr lang="en-US" sz="2000" dirty="0" smtClean="0"/>
-              <a:t>KNN Algorithm</a:t>
             </a:r>
           </a:p>
           <a:p>
@@ -6422,7 +6432,7 @@
             <a:fld id="{CDC86CDD-086F-4C97-AB9D-E198DA7D3B72}" type="datetime1">
               <a:rPr lang="en-US" smtClean="0"/>
               <a:pPr/>
-              <a:t>1/19/2018</a:t>
+              <a:t>20-Jan-18</a:t>
             </a:fld>
             <a:endParaRPr lang="en-IN"/>
           </a:p>
@@ -6497,7 +6507,12 @@
             <p:ph type="title"/>
           </p:nvPr>
         </p:nvSpPr>
-        <p:spPr/>
+        <p:spPr>
+          <a:xfrm>
+            <a:off x="395536" y="620688"/>
+            <a:ext cx="8229600" cy="850106"/>
+          </a:xfrm>
+        </p:spPr>
         <p:txBody>
           <a:bodyPr>
             <a:normAutofit fontScale="90000"/>
@@ -6510,11 +6525,11 @@
               </a:spcBef>
             </a:pPr>
             <a:r>
-              <a:rPr lang="en-US" sz="4900" b="1" dirty="0" smtClean="0"/>
-              <a:t>Introduction To Machine Learning</a:t>
-            </a:r>
-            <a:r>
-              <a:rPr lang="en-IN" sz="4900" b="1" dirty="0" smtClean="0"/>
+              <a:rPr lang="en-US" sz="4000" b="1" dirty="0" smtClean="0"/>
+              <a:t>Introduction to Machine Learning</a:t>
+            </a:r>
+            <a:r>
+              <a:rPr lang="en-IN" sz="4000" b="1" dirty="0" smtClean="0"/>
               <a:t> </a:t>
             </a:r>
             <a:r>
@@ -6538,7 +6553,12 @@
             <p:ph idx="1"/>
           </p:nvPr>
         </p:nvSpPr>
-        <p:spPr/>
+        <p:spPr>
+          <a:xfrm>
+            <a:off x="251520" y="1484784"/>
+            <a:ext cx="8229600" cy="4525963"/>
+          </a:xfrm>
+        </p:spPr>
         <p:txBody>
           <a:bodyPr>
             <a:normAutofit/>
@@ -6581,28 +6601,34 @@
               <a:t>     When we search a particular word in </a:t>
             </a:r>
             <a:r>
-              <a:rPr lang="en-IN" sz="2000" dirty="0" err="1" smtClean="0">
-                <a:cs typeface="Times New Roman" pitchFamily="18" charset="0"/>
-              </a:rPr>
-              <a:t>google</a:t>
-            </a:r>
-            <a:r>
               <a:rPr lang="en-IN" sz="2000" dirty="0" smtClean="0">
                 <a:cs typeface="Times New Roman" pitchFamily="18" charset="0"/>
               </a:rPr>
-              <a:t> search box, </a:t>
-            </a:r>
-            <a:r>
-              <a:rPr lang="en-IN" sz="2000" dirty="0" err="1" smtClean="0">
-                <a:cs typeface="Times New Roman" pitchFamily="18" charset="0"/>
-              </a:rPr>
-              <a:t>google</a:t>
+              <a:t>Google </a:t>
             </a:r>
             <a:r>
               <a:rPr lang="en-IN" sz="2000" dirty="0" smtClean="0">
                 <a:cs typeface="Times New Roman" pitchFamily="18" charset="0"/>
               </a:rPr>
-              <a:t> recommends so many keywords related to that particular word. </a:t>
+              <a:t>search box</a:t>
+            </a:r>
+            <a:r>
+              <a:rPr lang="en-IN" sz="2000" smtClean="0">
+                <a:cs typeface="Times New Roman" pitchFamily="18" charset="0"/>
+              </a:rPr>
+              <a:t>, </a:t>
+            </a:r>
+            <a:r>
+              <a:rPr lang="en-IN" sz="2000" smtClean="0">
+                <a:cs typeface="Times New Roman" pitchFamily="18" charset="0"/>
+              </a:rPr>
+              <a:t>Google </a:t>
+            </a:r>
+            <a:r>
+              <a:rPr lang="en-IN" sz="2000" dirty="0" smtClean="0">
+                <a:cs typeface="Times New Roman" pitchFamily="18" charset="0"/>
+              </a:rPr>
+              <a:t>recommends so many keywords related to that particular word. </a:t>
             </a:r>
             <a:endParaRPr lang="en-IN" sz="2000" dirty="0"/>
           </a:p>
@@ -6616,7 +6642,7 @@
         </p:nvCxnSpPr>
         <p:spPr>
           <a:xfrm>
-            <a:off x="500034" y="1428736"/>
+            <a:off x="467544" y="1268760"/>
             <a:ext cx="8143932" cy="1588"/>
           </a:xfrm>
           <a:prstGeom prst="line">
@@ -6661,7 +6687,7 @@
             <a:fld id="{31718EDC-B7F5-4DDE-B84A-D4C0A3B72478}" type="datetime1">
               <a:rPr lang="en-US" smtClean="0"/>
               <a:pPr/>
-              <a:t>1/19/2018</a:t>
+              <a:t>20-Jan-18</a:t>
             </a:fld>
             <a:endParaRPr lang="en-IN"/>
           </a:p>
@@ -6749,8 +6775,10 @@
               </a:spcBef>
             </a:pPr>
             <a:r>
-              <a:rPr lang="en-US" sz="4000" b="1" dirty="0" smtClean="0"/>
-              <a:t>Several Ways To Implement Machine Learning Techniques:</a:t>
+              <a:rPr lang="en-US" sz="4000" b="1" dirty="0" smtClean="0">
+                <a:latin typeface="+mj-lt"/>
+              </a:rPr>
+              <a:t>Several Ways to Implement Machine Learning Techniques</a:t>
             </a:r>
             <a:r>
               <a:rPr lang="en-IN" sz="2000" dirty="0" smtClean="0"/>
@@ -7124,7 +7152,7 @@
             <a:fld id="{A3815F1C-67E9-4777-9DB0-67C4699F9571}" type="datetime1">
               <a:rPr lang="en-US" smtClean="0"/>
               <a:pPr/>
-              <a:t>1/19/2018</a:t>
+              <a:t>20-Jan-18</a:t>
             </a:fld>
             <a:endParaRPr lang="en-IN"/>
           </a:p>
@@ -7208,13 +7236,18 @@
           <a:p>
             <a:pPr algn="l"/>
             <a:r>
-              <a:rPr lang="en-US" sz="4000" b="1" dirty="0" smtClean="0">
-                <a:latin typeface="Times New Roman" pitchFamily="18" charset="0"/>
+              <a:rPr lang="en-US" sz="3600" b="1" dirty="0" smtClean="0">
                 <a:cs typeface="Times New Roman" pitchFamily="18" charset="0"/>
               </a:rPr>
-              <a:t>Objective Of This Project</a:t>
-            </a:r>
-            <a:endParaRPr lang="en-IN" sz="4000" dirty="0"/>
+              <a:t>Objective </a:t>
+            </a:r>
+            <a:r>
+              <a:rPr lang="en-US" sz="3600" b="1" dirty="0" smtClean="0">
+                <a:cs typeface="Times New Roman" pitchFamily="18" charset="0"/>
+              </a:rPr>
+              <a:t>of this Project</a:t>
+            </a:r>
+            <a:endParaRPr lang="en-IN" sz="3600" dirty="0"/>
           </a:p>
         </p:txBody>
       </p:sp>
@@ -7408,7 +7441,7 @@
             <a:fld id="{33C772F1-BB7F-4DA9-B57F-B6936D4BFD61}" type="datetime1">
               <a:rPr lang="en-US" smtClean="0"/>
               <a:pPr/>
-              <a:t>1/19/2018</a:t>
+              <a:t>20-Jan-18</a:t>
             </a:fld>
             <a:endParaRPr lang="en-IN"/>
           </a:p>
@@ -7490,15 +7523,17 @@
           </a:xfrm>
         </p:spPr>
         <p:txBody>
-          <a:bodyPr/>
+          <a:bodyPr>
+            <a:normAutofit/>
+          </a:bodyPr>
           <a:lstStyle/>
           <a:p>
             <a:pPr algn="l"/>
             <a:r>
-              <a:rPr lang="en-IN" b="1" dirty="0" smtClean="0"/>
+              <a:rPr lang="en-IN" sz="3600" b="1" dirty="0" smtClean="0"/>
               <a:t>Learning/Prediction Steps</a:t>
             </a:r>
-            <a:endParaRPr lang="en-IN" dirty="0"/>
+            <a:endParaRPr lang="en-IN" sz="3600" dirty="0"/>
           </a:p>
         </p:txBody>
       </p:sp>
@@ -7547,7 +7582,7 @@
             <a:fld id="{4F2F26B5-F710-420A-BA0B-BAB85524BAB1}" type="datetime1">
               <a:rPr lang="en-US" smtClean="0"/>
               <a:pPr/>
-              <a:t>1/19/2018</a:t>
+              <a:t>20-Jan-18</a:t>
             </a:fld>
             <a:endParaRPr lang="en-IN"/>
           </a:p>
@@ -8092,14 +8127,10 @@
           <a:p>
             <a:pPr algn="l"/>
             <a:r>
-              <a:rPr lang="en-US" sz="4000" b="1" dirty="0" smtClean="0"/>
-              <a:t>Algorithms </a:t>
-            </a:r>
-            <a:r>
-              <a:rPr lang="en-US" sz="4000" b="1" dirty="0" smtClean="0"/>
-              <a:t>Used</a:t>
-            </a:r>
-            <a:endParaRPr lang="en-IN" sz="4000" b="1" dirty="0"/>
+              <a:rPr lang="en-US" sz="3600" b="1" dirty="0" smtClean="0"/>
+              <a:t>Algorithms Used</a:t>
+            </a:r>
+            <a:endParaRPr lang="en-IN" sz="3600" b="1" dirty="0"/>
           </a:p>
         </p:txBody>
       </p:sp>
@@ -8234,7 +8265,7 @@
             <a:fld id="{26B8036B-A58C-4E7E-8923-68EB7A4BEDAC}" type="datetime1">
               <a:rPr lang="en-US" smtClean="0"/>
               <a:pPr/>
-              <a:t>1/19/2018</a:t>
+              <a:t>20-Jan-18</a:t>
             </a:fld>
             <a:endParaRPr lang="en-IN"/>
           </a:p>
@@ -8337,7 +8368,7 @@
         </p:nvSpPr>
         <p:spPr>
           <a:xfrm>
-            <a:off x="457200" y="1600200"/>
+            <a:off x="395536" y="1412776"/>
             <a:ext cx="8229600" cy="4972072"/>
           </a:xfrm>
         </p:spPr>
@@ -8599,7 +8630,7 @@
             <a:fld id="{0ADEF219-FEFF-4044-8444-7D086B515177}" type="datetime1">
               <a:rPr lang="en-US" smtClean="0"/>
               <a:pPr/>
-              <a:t>1/19/2018</a:t>
+              <a:t>20-Jan-18</a:t>
             </a:fld>
             <a:endParaRPr lang="en-IN"/>
           </a:p>
@@ -8676,7 +8707,7 @@
         </p:nvSpPr>
         <p:spPr>
           <a:xfrm>
-            <a:off x="428596" y="214290"/>
+            <a:off x="395536" y="332656"/>
             <a:ext cx="8229600" cy="1143000"/>
           </a:xfrm>
         </p:spPr>
@@ -8688,14 +8719,14 @@
           <a:p>
             <a:pPr algn="l"/>
             <a:r>
-              <a:rPr lang="en-US" sz="4000" b="1" dirty="0" smtClean="0"/>
+              <a:rPr lang="en-US" sz="3600" b="1" dirty="0" smtClean="0"/>
               <a:t>Naive </a:t>
             </a:r>
             <a:r>
-              <a:rPr lang="en-US" sz="4000" b="1" dirty="0" err="1" smtClean="0"/>
+              <a:rPr lang="en-US" sz="3600" b="1" dirty="0" err="1" smtClean="0"/>
               <a:t>Bayes</a:t>
             </a:r>
-            <a:endParaRPr lang="en-IN" sz="4000" b="1" dirty="0"/>
+            <a:endParaRPr lang="en-IN" sz="3600" b="1" dirty="0"/>
           </a:p>
         </p:txBody>
       </p:sp>
@@ -8711,8 +8742,8 @@
         </p:nvSpPr>
         <p:spPr>
           <a:xfrm>
-            <a:off x="428596" y="1357298"/>
-            <a:ext cx="8358246" cy="5286412"/>
+            <a:off x="323528" y="1357298"/>
+            <a:ext cx="8463314" cy="5286412"/>
           </a:xfrm>
         </p:spPr>
         <p:txBody>
@@ -8758,8 +8789,8 @@
               <a:buNone/>
             </a:pPr>
             <a:r>
-              <a:rPr lang="en-US" sz="2000" dirty="0" smtClean="0"/>
-              <a:t>Confusion Matrix                                       Accuracy: </a:t>
+              <a:rPr lang="en-US" sz="2000" b="1" dirty="0" smtClean="0"/>
+              <a:t>Confusion Matrix:                                      Accuracy: </a:t>
             </a:r>
           </a:p>
           <a:p>
@@ -8797,10 +8828,10 @@
               <a:buNone/>
             </a:pPr>
             <a:r>
-              <a:rPr lang="en-US" sz="2000" dirty="0" smtClean="0"/>
-              <a:t>Roc Curve   </a:t>
-            </a:r>
-            <a:endParaRPr lang="en-IN" sz="1800" dirty="0"/>
+              <a:rPr lang="en-US" sz="2000" b="1" dirty="0" smtClean="0"/>
+              <a:t>Roc Curve:   </a:t>
+            </a:r>
+            <a:endParaRPr lang="en-IN" sz="1800" b="1" dirty="0"/>
           </a:p>
         </p:txBody>
       </p:sp>
@@ -8855,8 +8886,8 @@
         </p:blipFill>
         <p:spPr>
           <a:xfrm>
-            <a:off x="2857488" y="2357430"/>
-            <a:ext cx="1752600" cy="1181100"/>
+            <a:off x="2771800" y="2348880"/>
+            <a:ext cx="1752600" cy="999562"/>
           </a:xfrm>
           <a:prstGeom prst="rect">
             <a:avLst/>
@@ -8903,7 +8934,7 @@
         </p:blipFill>
         <p:spPr>
           <a:xfrm>
-            <a:off x="6215074" y="2357430"/>
+            <a:off x="6300192" y="2348880"/>
             <a:ext cx="2532802" cy="928694"/>
           </a:xfrm>
           <a:prstGeom prst="rect">
@@ -8919,7 +8950,7 @@
         </p:nvSpPr>
         <p:spPr>
           <a:xfrm>
-            <a:off x="2500298" y="2786058"/>
+            <a:off x="2483768" y="2780928"/>
             <a:ext cx="214314" cy="71438"/>
           </a:xfrm>
           <a:prstGeom prst="rightArrow">
@@ -8999,7 +9030,7 @@
         </p:nvSpPr>
         <p:spPr>
           <a:xfrm>
-            <a:off x="5857884" y="2786058"/>
+            <a:off x="6012160" y="2780928"/>
             <a:ext cx="214314" cy="71438"/>
           </a:xfrm>
           <a:prstGeom prst="rightArrow">
@@ -9049,7 +9080,7 @@
             <a:fld id="{190E4137-7CF4-40DF-B3A4-3686C2D7344B}" type="datetime1">
               <a:rPr lang="en-US" smtClean="0"/>
               <a:pPr/>
-              <a:t>1/19/2018</a:t>
+              <a:t>20-Jan-18</a:t>
             </a:fld>
             <a:endParaRPr lang="en-IN"/>
           </a:p>
